--- a/Presentation - Mia.pptx
+++ b/Presentation - Mia.pptx
@@ -6,20 +6,25 @@
   </p:sldMasterIdLst>
   <p:sldIdLst>
     <p:sldId id="292" r:id="rId2"/>
-    <p:sldId id="294" r:id="rId3"/>
-    <p:sldId id="296" r:id="rId4"/>
-    <p:sldId id="308" r:id="rId5"/>
+    <p:sldId id="296" r:id="rId3"/>
+    <p:sldId id="308" r:id="rId4"/>
+    <p:sldId id="294" r:id="rId5"/>
     <p:sldId id="299" r:id="rId6"/>
-    <p:sldId id="301" r:id="rId7"/>
-    <p:sldId id="302" r:id="rId8"/>
-    <p:sldId id="303" r:id="rId9"/>
-    <p:sldId id="300" r:id="rId10"/>
-    <p:sldId id="304" r:id="rId11"/>
-    <p:sldId id="309" r:id="rId12"/>
-    <p:sldId id="305" r:id="rId13"/>
-    <p:sldId id="307" r:id="rId14"/>
-    <p:sldId id="310" r:id="rId15"/>
-    <p:sldId id="306" r:id="rId16"/>
+    <p:sldId id="311" r:id="rId7"/>
+    <p:sldId id="301" r:id="rId8"/>
+    <p:sldId id="302" r:id="rId9"/>
+    <p:sldId id="303" r:id="rId10"/>
+    <p:sldId id="312" r:id="rId11"/>
+    <p:sldId id="300" r:id="rId12"/>
+    <p:sldId id="313" r:id="rId13"/>
+    <p:sldId id="304" r:id="rId14"/>
+    <p:sldId id="314" r:id="rId15"/>
+    <p:sldId id="316" r:id="rId16"/>
+    <p:sldId id="305" r:id="rId17"/>
+    <p:sldId id="315" r:id="rId18"/>
+    <p:sldId id="307" r:id="rId19"/>
+    <p:sldId id="310" r:id="rId20"/>
+    <p:sldId id="306" r:id="rId21"/>
   </p:sldIdLst>
   <p:sldSz cx="12192000" cy="6858000"/>
   <p:notesSz cx="6858000" cy="9144000"/>
@@ -124,17 +129,22 @@
         <p14:section name="Metacritics" id="{890881F0-2155-46D4-B3B1-3B31AD92BBEF}">
           <p14:sldIdLst>
             <p14:sldId id="292"/>
-            <p14:sldId id="294"/>
             <p14:sldId id="296"/>
             <p14:sldId id="308"/>
+            <p14:sldId id="294"/>
             <p14:sldId id="299"/>
+            <p14:sldId id="311"/>
             <p14:sldId id="301"/>
             <p14:sldId id="302"/>
             <p14:sldId id="303"/>
+            <p14:sldId id="312"/>
             <p14:sldId id="300"/>
+            <p14:sldId id="313"/>
             <p14:sldId id="304"/>
-            <p14:sldId id="309"/>
+            <p14:sldId id="314"/>
+            <p14:sldId id="316"/>
             <p14:sldId id="305"/>
+            <p14:sldId id="315"/>
             <p14:sldId id="307"/>
             <p14:sldId id="310"/>
             <p14:sldId id="306"/>
@@ -278,7 +288,7 @@
           <a:p>
             <a:fld id="{C59877D3-0B95-4B47-BF0D-0A22C77152B6}" type="datetimeFigureOut">
               <a:rPr lang="en-US" smtClean="0"/>
-              <a:t>10/14/2019</a:t>
+              <a:t>10/15/2019</a:t>
             </a:fld>
             <a:endParaRPr lang="en-US"/>
           </a:p>
@@ -4408,7 +4418,7 @@
           <a:p>
             <a:fld id="{C59877D3-0B95-4B47-BF0D-0A22C77152B6}" type="datetimeFigureOut">
               <a:rPr lang="en-US" smtClean="0"/>
-              <a:t>10/14/2019</a:t>
+              <a:t>10/15/2019</a:t>
             </a:fld>
             <a:endParaRPr lang="en-US"/>
           </a:p>
@@ -4959,7 +4969,7 @@
                   </a:solidFill>
                   <a:latin typeface="+mj-lt"/>
                 </a:rPr>
-                <a:t>Metacritic Critic Review Analysis  </a:t>
+                <a:t>Critic Review Analysis  </a:t>
               </a:r>
             </a:p>
           </p:txBody>
@@ -5339,6 +5349,1569 @@
 <file path=ppt/slides/slide10.xml><?xml version="1.0" encoding="utf-8"?>
 <p:sld xmlns:a="http://schemas.openxmlformats.org/drawingml/2006/main" xmlns:r="http://schemas.openxmlformats.org/officeDocument/2006/relationships" xmlns:p="http://schemas.openxmlformats.org/presentationml/2006/main">
   <p:cSld>
+    <p:spTree>
+      <p:nvGrpSpPr>
+        <p:cNvPr id="1" name=""/>
+        <p:cNvGrpSpPr/>
+        <p:nvPr/>
+      </p:nvGrpSpPr>
+      <p:grpSpPr>
+        <a:xfrm>
+          <a:off x="0" y="0"/>
+          <a:ext cx="0" cy="0"/>
+          <a:chOff x="0" y="0"/>
+          <a:chExt cx="0" cy="0"/>
+        </a:xfrm>
+      </p:grpSpPr>
+      <p:sp>
+        <p:nvSpPr>
+          <p:cNvPr id="2" name="Picture Placeholder 1"/>
+          <p:cNvSpPr>
+            <a:spLocks noGrp="1"/>
+          </p:cNvSpPr>
+          <p:nvPr>
+            <p:ph type="pic" sz="quarter" idx="10"/>
+          </p:nvPr>
+        </p:nvSpPr>
+        <p:spPr/>
+      </p:sp>
+      <p:sp>
+        <p:nvSpPr>
+          <p:cNvPr id="5" name="Rectangle 4"/>
+          <p:cNvSpPr/>
+          <p:nvPr/>
+        </p:nvSpPr>
+        <p:spPr>
+          <a:xfrm>
+            <a:off x="0" y="0"/>
+            <a:ext cx="12192000" cy="6858000"/>
+          </a:xfrm>
+          <a:prstGeom prst="rect">
+            <a:avLst/>
+          </a:prstGeom>
+          <a:solidFill>
+            <a:schemeClr val="bg1">
+              <a:alpha val="70000"/>
+            </a:schemeClr>
+          </a:solidFill>
+          <a:ln>
+            <a:noFill/>
+          </a:ln>
+        </p:spPr>
+        <p:style>
+          <a:lnRef idx="2">
+            <a:schemeClr val="accent1">
+              <a:shade val="50000"/>
+            </a:schemeClr>
+          </a:lnRef>
+          <a:fillRef idx="1">
+            <a:schemeClr val="accent1"/>
+          </a:fillRef>
+          <a:effectRef idx="0">
+            <a:schemeClr val="accent1"/>
+          </a:effectRef>
+          <a:fontRef idx="minor">
+            <a:schemeClr val="lt1"/>
+          </a:fontRef>
+        </p:style>
+        <p:txBody>
+          <a:bodyPr rtlCol="0" anchor="ctr"/>
+          <a:lstStyle/>
+          <a:p>
+            <a:pPr algn="ctr"/>
+            <a:endParaRPr lang="en-US"/>
+          </a:p>
+        </p:txBody>
+      </p:sp>
+      <p:sp>
+        <p:nvSpPr>
+          <p:cNvPr id="6" name="TextBox 5"/>
+          <p:cNvSpPr txBox="1"/>
+          <p:nvPr/>
+        </p:nvSpPr>
+        <p:spPr>
+          <a:xfrm flipH="1">
+            <a:off x="10332" y="2212673"/>
+            <a:ext cx="12191999" cy="2432654"/>
+          </a:xfrm>
+          <a:prstGeom prst="rect">
+            <a:avLst/>
+          </a:prstGeom>
+          <a:noFill/>
+          <a:ln>
+            <a:noFill/>
+          </a:ln>
+        </p:spPr>
+        <p:txBody>
+          <a:bodyPr wrap="square" rtlCol="0">
+            <a:spAutoFit/>
+          </a:bodyPr>
+          <a:lstStyle/>
+          <a:p>
+            <a:pPr algn="ctr">
+              <a:lnSpc>
+                <a:spcPct val="150000"/>
+              </a:lnSpc>
+            </a:pPr>
+            <a:r>
+              <a:rPr lang="en-US" sz="5400" b="1" spc="300" dirty="0">
+                <a:solidFill>
+                  <a:schemeClr val="tx1">
+                    <a:lumMod val="90000"/>
+                    <a:lumOff val="10000"/>
+                  </a:schemeClr>
+                </a:solidFill>
+                <a:latin typeface="+mj-lt"/>
+              </a:rPr>
+              <a:t>Factor1 Genre</a:t>
+            </a:r>
+          </a:p>
+          <a:p>
+            <a:pPr algn="ctr">
+              <a:lnSpc>
+                <a:spcPct val="150000"/>
+              </a:lnSpc>
+            </a:pPr>
+            <a:r>
+              <a:rPr lang="en-US" sz="5400" b="1" spc="300" dirty="0">
+                <a:solidFill>
+                  <a:schemeClr val="tx1">
+                    <a:lumMod val="90000"/>
+                    <a:lumOff val="10000"/>
+                  </a:schemeClr>
+                </a:solidFill>
+                <a:latin typeface="+mj-lt"/>
+              </a:rPr>
+              <a:t>Metascore VS </a:t>
+            </a:r>
+            <a:r>
+              <a:rPr lang="en-US" sz="5400" b="1" spc="300" dirty="0" err="1">
+                <a:solidFill>
+                  <a:schemeClr val="tx1">
+                    <a:lumMod val="90000"/>
+                    <a:lumOff val="10000"/>
+                  </a:schemeClr>
+                </a:solidFill>
+                <a:latin typeface="+mj-lt"/>
+              </a:rPr>
+              <a:t>Userscore</a:t>
+            </a:r>
+            <a:endParaRPr lang="en-US" sz="5400" b="1" spc="300" dirty="0">
+              <a:solidFill>
+                <a:schemeClr val="tx1">
+                  <a:lumMod val="90000"/>
+                  <a:lumOff val="10000"/>
+                </a:schemeClr>
+              </a:solidFill>
+              <a:latin typeface="+mj-lt"/>
+            </a:endParaRPr>
+          </a:p>
+        </p:txBody>
+      </p:sp>
+      <p:grpSp>
+        <p:nvGrpSpPr>
+          <p:cNvPr id="30" name="Group 29"/>
+          <p:cNvGrpSpPr/>
+          <p:nvPr/>
+        </p:nvGrpSpPr>
+        <p:grpSpPr>
+          <a:xfrm>
+            <a:off x="0" y="0"/>
+            <a:ext cx="6106332" cy="934335"/>
+            <a:chOff x="0" y="0"/>
+            <a:chExt cx="6106332" cy="934335"/>
+          </a:xfrm>
+        </p:grpSpPr>
+        <p:sp>
+          <p:nvSpPr>
+            <p:cNvPr id="16" name="Rectangle 15"/>
+            <p:cNvSpPr/>
+            <p:nvPr/>
+          </p:nvSpPr>
+          <p:spPr>
+            <a:xfrm>
+              <a:off x="0" y="0"/>
+              <a:ext cx="6106332" cy="934335"/>
+            </a:xfrm>
+            <a:custGeom>
+              <a:avLst/>
+              <a:gdLst>
+                <a:gd name="connsiteX0" fmla="*/ 0 w 6106332"/>
+                <a:gd name="connsiteY0" fmla="*/ 0 h 915285"/>
+                <a:gd name="connsiteX1" fmla="*/ 6106332 w 6106332"/>
+                <a:gd name="connsiteY1" fmla="*/ 0 h 915285"/>
+                <a:gd name="connsiteX2" fmla="*/ 6106332 w 6106332"/>
+                <a:gd name="connsiteY2" fmla="*/ 915285 h 915285"/>
+                <a:gd name="connsiteX3" fmla="*/ 0 w 6106332"/>
+                <a:gd name="connsiteY3" fmla="*/ 915285 h 915285"/>
+                <a:gd name="connsiteX4" fmla="*/ 0 w 6106332"/>
+                <a:gd name="connsiteY4" fmla="*/ 0 h 915285"/>
+                <a:gd name="connsiteX0" fmla="*/ 0 w 6106332"/>
+                <a:gd name="connsiteY0" fmla="*/ 0 h 934335"/>
+                <a:gd name="connsiteX1" fmla="*/ 6106332 w 6106332"/>
+                <a:gd name="connsiteY1" fmla="*/ 0 h 934335"/>
+                <a:gd name="connsiteX2" fmla="*/ 5725332 w 6106332"/>
+                <a:gd name="connsiteY2" fmla="*/ 934335 h 934335"/>
+                <a:gd name="connsiteX3" fmla="*/ 0 w 6106332"/>
+                <a:gd name="connsiteY3" fmla="*/ 915285 h 934335"/>
+                <a:gd name="connsiteX4" fmla="*/ 0 w 6106332"/>
+                <a:gd name="connsiteY4" fmla="*/ 0 h 934335"/>
+              </a:gdLst>
+              <a:ahLst/>
+              <a:cxnLst>
+                <a:cxn ang="0">
+                  <a:pos x="connsiteX0" y="connsiteY0"/>
+                </a:cxn>
+                <a:cxn ang="0">
+                  <a:pos x="connsiteX1" y="connsiteY1"/>
+                </a:cxn>
+                <a:cxn ang="0">
+                  <a:pos x="connsiteX2" y="connsiteY2"/>
+                </a:cxn>
+                <a:cxn ang="0">
+                  <a:pos x="connsiteX3" y="connsiteY3"/>
+                </a:cxn>
+                <a:cxn ang="0">
+                  <a:pos x="connsiteX4" y="connsiteY4"/>
+                </a:cxn>
+              </a:cxnLst>
+              <a:rect l="l" t="t" r="r" b="b"/>
+              <a:pathLst>
+                <a:path w="6106332" h="934335">
+                  <a:moveTo>
+                    <a:pt x="0" y="0"/>
+                  </a:moveTo>
+                  <a:lnTo>
+                    <a:pt x="6106332" y="0"/>
+                  </a:lnTo>
+                  <a:lnTo>
+                    <a:pt x="5725332" y="934335"/>
+                  </a:lnTo>
+                  <a:lnTo>
+                    <a:pt x="0" y="915285"/>
+                  </a:lnTo>
+                  <a:lnTo>
+                    <a:pt x="0" y="0"/>
+                  </a:lnTo>
+                  <a:close/>
+                </a:path>
+              </a:pathLst>
+            </a:custGeom>
+            <a:ln>
+              <a:noFill/>
+            </a:ln>
+          </p:spPr>
+          <p:style>
+            <a:lnRef idx="2">
+              <a:schemeClr val="accent1">
+                <a:shade val="50000"/>
+              </a:schemeClr>
+            </a:lnRef>
+            <a:fillRef idx="1">
+              <a:schemeClr val="accent1"/>
+            </a:fillRef>
+            <a:effectRef idx="0">
+              <a:schemeClr val="accent1"/>
+            </a:effectRef>
+            <a:fontRef idx="minor">
+              <a:schemeClr val="lt1"/>
+            </a:fontRef>
+          </p:style>
+          <p:txBody>
+            <a:bodyPr rtlCol="0" anchor="ctr"/>
+            <a:lstStyle/>
+            <a:p>
+              <a:pPr algn="ctr"/>
+              <a:endParaRPr lang="en-US"/>
+            </a:p>
+          </p:txBody>
+        </p:sp>
+        <p:cxnSp>
+          <p:nvCxnSpPr>
+            <p:cNvPr id="27" name="Straight Connector 26"/>
+            <p:cNvCxnSpPr/>
+            <p:nvPr/>
+          </p:nvCxnSpPr>
+          <p:spPr>
+            <a:xfrm>
+              <a:off x="0" y="452653"/>
+              <a:ext cx="4248150" cy="0"/>
+            </a:xfrm>
+            <a:prstGeom prst="line">
+              <a:avLst/>
+            </a:prstGeom>
+            <a:ln w="50800">
+              <a:solidFill>
+                <a:schemeClr val="bg1"/>
+              </a:solidFill>
+              <a:tailEnd type="diamond"/>
+            </a:ln>
+          </p:spPr>
+          <p:style>
+            <a:lnRef idx="1">
+              <a:schemeClr val="accent1"/>
+            </a:lnRef>
+            <a:fillRef idx="0">
+              <a:schemeClr val="accent1"/>
+            </a:fillRef>
+            <a:effectRef idx="0">
+              <a:schemeClr val="accent1"/>
+            </a:effectRef>
+            <a:fontRef idx="minor">
+              <a:schemeClr val="tx1"/>
+            </a:fontRef>
+          </p:style>
+        </p:cxnSp>
+      </p:grpSp>
+      <p:grpSp>
+        <p:nvGrpSpPr>
+          <p:cNvPr id="34" name="Group 33"/>
+          <p:cNvGrpSpPr/>
+          <p:nvPr/>
+        </p:nvGrpSpPr>
+        <p:grpSpPr>
+          <a:xfrm>
+            <a:off x="6085668" y="5923665"/>
+            <a:ext cx="6106332" cy="934335"/>
+            <a:chOff x="6085668" y="5923665"/>
+            <a:chExt cx="6106332" cy="934335"/>
+          </a:xfrm>
+        </p:grpSpPr>
+        <p:sp>
+          <p:nvSpPr>
+            <p:cNvPr id="25" name="Rectangle 15"/>
+            <p:cNvSpPr/>
+            <p:nvPr/>
+          </p:nvSpPr>
+          <p:spPr>
+            <a:xfrm rot="10800000">
+              <a:off x="6085668" y="5923665"/>
+              <a:ext cx="6106332" cy="934335"/>
+            </a:xfrm>
+            <a:custGeom>
+              <a:avLst/>
+              <a:gdLst>
+                <a:gd name="connsiteX0" fmla="*/ 0 w 6106332"/>
+                <a:gd name="connsiteY0" fmla="*/ 0 h 915285"/>
+                <a:gd name="connsiteX1" fmla="*/ 6106332 w 6106332"/>
+                <a:gd name="connsiteY1" fmla="*/ 0 h 915285"/>
+                <a:gd name="connsiteX2" fmla="*/ 6106332 w 6106332"/>
+                <a:gd name="connsiteY2" fmla="*/ 915285 h 915285"/>
+                <a:gd name="connsiteX3" fmla="*/ 0 w 6106332"/>
+                <a:gd name="connsiteY3" fmla="*/ 915285 h 915285"/>
+                <a:gd name="connsiteX4" fmla="*/ 0 w 6106332"/>
+                <a:gd name="connsiteY4" fmla="*/ 0 h 915285"/>
+                <a:gd name="connsiteX0" fmla="*/ 0 w 6106332"/>
+                <a:gd name="connsiteY0" fmla="*/ 0 h 934335"/>
+                <a:gd name="connsiteX1" fmla="*/ 6106332 w 6106332"/>
+                <a:gd name="connsiteY1" fmla="*/ 0 h 934335"/>
+                <a:gd name="connsiteX2" fmla="*/ 5725332 w 6106332"/>
+                <a:gd name="connsiteY2" fmla="*/ 934335 h 934335"/>
+                <a:gd name="connsiteX3" fmla="*/ 0 w 6106332"/>
+                <a:gd name="connsiteY3" fmla="*/ 915285 h 934335"/>
+                <a:gd name="connsiteX4" fmla="*/ 0 w 6106332"/>
+                <a:gd name="connsiteY4" fmla="*/ 0 h 934335"/>
+              </a:gdLst>
+              <a:ahLst/>
+              <a:cxnLst>
+                <a:cxn ang="0">
+                  <a:pos x="connsiteX0" y="connsiteY0"/>
+                </a:cxn>
+                <a:cxn ang="0">
+                  <a:pos x="connsiteX1" y="connsiteY1"/>
+                </a:cxn>
+                <a:cxn ang="0">
+                  <a:pos x="connsiteX2" y="connsiteY2"/>
+                </a:cxn>
+                <a:cxn ang="0">
+                  <a:pos x="connsiteX3" y="connsiteY3"/>
+                </a:cxn>
+                <a:cxn ang="0">
+                  <a:pos x="connsiteX4" y="connsiteY4"/>
+                </a:cxn>
+              </a:cxnLst>
+              <a:rect l="l" t="t" r="r" b="b"/>
+              <a:pathLst>
+                <a:path w="6106332" h="934335">
+                  <a:moveTo>
+                    <a:pt x="0" y="0"/>
+                  </a:moveTo>
+                  <a:lnTo>
+                    <a:pt x="6106332" y="0"/>
+                  </a:lnTo>
+                  <a:lnTo>
+                    <a:pt x="5725332" y="934335"/>
+                  </a:lnTo>
+                  <a:lnTo>
+                    <a:pt x="0" y="915285"/>
+                  </a:lnTo>
+                  <a:lnTo>
+                    <a:pt x="0" y="0"/>
+                  </a:lnTo>
+                  <a:close/>
+                </a:path>
+              </a:pathLst>
+            </a:custGeom>
+            <a:solidFill>
+              <a:schemeClr val="accent2"/>
+            </a:solidFill>
+            <a:ln>
+              <a:noFill/>
+            </a:ln>
+          </p:spPr>
+          <p:style>
+            <a:lnRef idx="2">
+              <a:schemeClr val="accent1">
+                <a:shade val="50000"/>
+              </a:schemeClr>
+            </a:lnRef>
+            <a:fillRef idx="1">
+              <a:schemeClr val="accent1"/>
+            </a:fillRef>
+            <a:effectRef idx="0">
+              <a:schemeClr val="accent1"/>
+            </a:effectRef>
+            <a:fontRef idx="minor">
+              <a:schemeClr val="lt1"/>
+            </a:fontRef>
+          </p:style>
+          <p:txBody>
+            <a:bodyPr rtlCol="0" anchor="ctr"/>
+            <a:lstStyle/>
+            <a:p>
+              <a:pPr algn="ctr"/>
+              <a:endParaRPr lang="en-US">
+                <a:solidFill>
+                  <a:schemeClr val="accent2"/>
+                </a:solidFill>
+              </a:endParaRPr>
+            </a:p>
+          </p:txBody>
+        </p:sp>
+        <p:cxnSp>
+          <p:nvCxnSpPr>
+            <p:cNvPr id="33" name="Straight Connector 32"/>
+            <p:cNvCxnSpPr/>
+            <p:nvPr/>
+          </p:nvCxnSpPr>
+          <p:spPr>
+            <a:xfrm rot="10800000">
+              <a:off x="7943850" y="6405346"/>
+              <a:ext cx="4248150" cy="0"/>
+            </a:xfrm>
+            <a:prstGeom prst="line">
+              <a:avLst/>
+            </a:prstGeom>
+            <a:ln w="50800">
+              <a:solidFill>
+                <a:schemeClr val="bg1"/>
+              </a:solidFill>
+              <a:tailEnd type="diamond"/>
+            </a:ln>
+          </p:spPr>
+          <p:style>
+            <a:lnRef idx="1">
+              <a:schemeClr val="accent1"/>
+            </a:lnRef>
+            <a:fillRef idx="0">
+              <a:schemeClr val="accent1"/>
+            </a:fillRef>
+            <a:effectRef idx="0">
+              <a:schemeClr val="accent1"/>
+            </a:effectRef>
+            <a:fontRef idx="minor">
+              <a:schemeClr val="tx1"/>
+            </a:fontRef>
+          </p:style>
+        </p:cxnSp>
+      </p:grpSp>
+    </p:spTree>
+    <p:extLst>
+      <p:ext uri="{BB962C8B-B14F-4D97-AF65-F5344CB8AC3E}">
+        <p14:creationId xmlns:p14="http://schemas.microsoft.com/office/powerpoint/2010/main" val="1453806466"/>
+      </p:ext>
+    </p:extLst>
+  </p:cSld>
+  <p:clrMapOvr>
+    <a:masterClrMapping/>
+  </p:clrMapOvr>
+</p:sld>
+</file>
+
+<file path=ppt/slides/slide11.xml><?xml version="1.0" encoding="utf-8"?>
+<p:sld xmlns:a="http://schemas.openxmlformats.org/drawingml/2006/main" xmlns:r="http://schemas.openxmlformats.org/officeDocument/2006/relationships" xmlns:p="http://schemas.openxmlformats.org/presentationml/2006/main">
+  <p:cSld>
+    <p:spTree>
+      <p:nvGrpSpPr>
+        <p:cNvPr id="1" name=""/>
+        <p:cNvGrpSpPr/>
+        <p:nvPr/>
+      </p:nvGrpSpPr>
+      <p:grpSpPr>
+        <a:xfrm>
+          <a:off x="0" y="0"/>
+          <a:ext cx="0" cy="0"/>
+          <a:chOff x="0" y="0"/>
+          <a:chExt cx="0" cy="0"/>
+        </a:xfrm>
+      </p:grpSpPr>
+      <p:pic>
+        <p:nvPicPr>
+          <p:cNvPr id="3" name="图片 2">
+            <a:extLst>
+              <a:ext uri="{FF2B5EF4-FFF2-40B4-BE49-F238E27FC236}">
+                <a16:creationId xmlns:a16="http://schemas.microsoft.com/office/drawing/2014/main" id="{2D08FFFF-98DB-4A88-ADF4-26068E733939}"/>
+              </a:ext>
+            </a:extLst>
+          </p:cNvPr>
+          <p:cNvPicPr>
+            <a:picLocks noChangeAspect="1"/>
+          </p:cNvPicPr>
+          <p:nvPr/>
+        </p:nvPicPr>
+        <p:blipFill>
+          <a:blip r:embed="rId2">
+            <a:extLst>
+              <a:ext uri="{28A0092B-C50C-407E-A947-70E740481C1C}">
+                <a14:useLocalDpi xmlns:a14="http://schemas.microsoft.com/office/drawing/2010/main" val="0"/>
+              </a:ext>
+            </a:extLst>
+          </a:blip>
+          <a:srcRect/>
+          <a:stretch/>
+        </p:blipFill>
+        <p:spPr>
+          <a:xfrm>
+            <a:off x="500303" y="88552"/>
+            <a:ext cx="11191393" cy="6680896"/>
+          </a:xfrm>
+          <a:prstGeom prst="rect">
+            <a:avLst/>
+          </a:prstGeom>
+        </p:spPr>
+      </p:pic>
+      <p:sp>
+        <p:nvSpPr>
+          <p:cNvPr id="9" name="TextBox 5">
+            <a:extLst>
+              <a:ext uri="{FF2B5EF4-FFF2-40B4-BE49-F238E27FC236}">
+                <a16:creationId xmlns:a16="http://schemas.microsoft.com/office/drawing/2014/main" id="{3A42E9C1-03A7-4EB2-94C1-78A2515A55F4}"/>
+              </a:ext>
+            </a:extLst>
+          </p:cNvPr>
+          <p:cNvSpPr txBox="1"/>
+          <p:nvPr/>
+        </p:nvSpPr>
+        <p:spPr>
+          <a:xfrm>
+            <a:off x="1080655" y="177104"/>
+            <a:ext cx="10030691" cy="821572"/>
+          </a:xfrm>
+          <a:prstGeom prst="rect">
+            <a:avLst/>
+          </a:prstGeom>
+          <a:noFill/>
+        </p:spPr>
+        <p:txBody>
+          <a:bodyPr wrap="square" rtlCol="0">
+            <a:spAutoFit/>
+          </a:bodyPr>
+          <a:lstStyle/>
+          <a:p>
+            <a:pPr algn="ctr">
+              <a:lnSpc>
+                <a:spcPct val="150000"/>
+              </a:lnSpc>
+            </a:pPr>
+            <a:r>
+              <a:rPr lang="en-US" sz="3600" spc="300" dirty="0">
+                <a:solidFill>
+                  <a:schemeClr val="tx1">
+                    <a:lumMod val="90000"/>
+                    <a:lumOff val="10000"/>
+                  </a:schemeClr>
+                </a:solidFill>
+                <a:latin typeface="+mj-lt"/>
+              </a:rPr>
+              <a:t>Critic &amp; User Genre Preference</a:t>
+            </a:r>
+          </a:p>
+        </p:txBody>
+      </p:sp>
+      <p:grpSp>
+        <p:nvGrpSpPr>
+          <p:cNvPr id="56" name="Group 55"/>
+          <p:cNvGrpSpPr/>
+          <p:nvPr/>
+        </p:nvGrpSpPr>
+        <p:grpSpPr>
+          <a:xfrm>
+            <a:off x="1718733" y="449813"/>
+            <a:ext cx="449356" cy="449356"/>
+            <a:chOff x="209550" y="171450"/>
+            <a:chExt cx="641350" cy="641350"/>
+          </a:xfrm>
+        </p:grpSpPr>
+        <p:sp>
+          <p:nvSpPr>
+            <p:cNvPr id="57" name="Rectangle 56"/>
+            <p:cNvSpPr/>
+            <p:nvPr/>
+          </p:nvSpPr>
+          <p:spPr>
+            <a:xfrm>
+              <a:off x="209550" y="171450"/>
+              <a:ext cx="641350" cy="641350"/>
+            </a:xfrm>
+            <a:prstGeom prst="rect">
+              <a:avLst/>
+            </a:prstGeom>
+            <a:ln>
+              <a:noFill/>
+            </a:ln>
+          </p:spPr>
+          <p:style>
+            <a:lnRef idx="2">
+              <a:schemeClr val="accent1">
+                <a:shade val="50000"/>
+              </a:schemeClr>
+            </a:lnRef>
+            <a:fillRef idx="1">
+              <a:schemeClr val="accent1"/>
+            </a:fillRef>
+            <a:effectRef idx="0">
+              <a:schemeClr val="accent1"/>
+            </a:effectRef>
+            <a:fontRef idx="minor">
+              <a:schemeClr val="lt1"/>
+            </a:fontRef>
+          </p:style>
+          <p:txBody>
+            <a:bodyPr rtlCol="0" anchor="ctr"/>
+            <a:lstStyle/>
+            <a:p>
+              <a:pPr algn="ctr"/>
+              <a:endParaRPr lang="en-US" dirty="0"/>
+            </a:p>
+          </p:txBody>
+        </p:sp>
+        <p:cxnSp>
+          <p:nvCxnSpPr>
+            <p:cNvPr id="58" name="Straight Connector 57"/>
+            <p:cNvCxnSpPr/>
+            <p:nvPr/>
+          </p:nvCxnSpPr>
+          <p:spPr>
+            <a:xfrm>
+              <a:off x="526863" y="171450"/>
+              <a:ext cx="0" cy="320675"/>
+            </a:xfrm>
+            <a:prstGeom prst="line">
+              <a:avLst/>
+            </a:prstGeom>
+            <a:ln w="50800">
+              <a:solidFill>
+                <a:schemeClr val="bg1"/>
+              </a:solidFill>
+              <a:tailEnd type="diamond"/>
+            </a:ln>
+          </p:spPr>
+          <p:style>
+            <a:lnRef idx="1">
+              <a:schemeClr val="accent1"/>
+            </a:lnRef>
+            <a:fillRef idx="0">
+              <a:schemeClr val="accent1"/>
+            </a:fillRef>
+            <a:effectRef idx="0">
+              <a:schemeClr val="accent1"/>
+            </a:effectRef>
+            <a:fontRef idx="minor">
+              <a:schemeClr val="tx1"/>
+            </a:fontRef>
+          </p:style>
+        </p:cxnSp>
+      </p:grpSp>
+      <p:sp>
+        <p:nvSpPr>
+          <p:cNvPr id="23" name="流程图: 数据 22">
+            <a:extLst>
+              <a:ext uri="{FF2B5EF4-FFF2-40B4-BE49-F238E27FC236}">
+                <a16:creationId xmlns:a16="http://schemas.microsoft.com/office/drawing/2014/main" id="{1B543370-70F4-4A0D-B696-39A100327F3A}"/>
+              </a:ext>
+            </a:extLst>
+          </p:cNvPr>
+          <p:cNvSpPr/>
+          <p:nvPr/>
+        </p:nvSpPr>
+        <p:spPr>
+          <a:xfrm>
+            <a:off x="1718733" y="5698065"/>
+            <a:ext cx="379545" cy="685262"/>
+          </a:xfrm>
+          <a:prstGeom prst="flowChartInputOutput">
+            <a:avLst/>
+          </a:prstGeom>
+          <a:noFill/>
+          <a:ln w="19050">
+            <a:solidFill>
+              <a:schemeClr val="accent4">
+                <a:lumMod val="60000"/>
+                <a:lumOff val="40000"/>
+              </a:schemeClr>
+            </a:solidFill>
+          </a:ln>
+        </p:spPr>
+        <p:style>
+          <a:lnRef idx="2">
+            <a:schemeClr val="accent1">
+              <a:shade val="50000"/>
+            </a:schemeClr>
+          </a:lnRef>
+          <a:fillRef idx="1">
+            <a:schemeClr val="accent1"/>
+          </a:fillRef>
+          <a:effectRef idx="0">
+            <a:schemeClr val="accent1"/>
+          </a:effectRef>
+          <a:fontRef idx="minor">
+            <a:schemeClr val="lt1"/>
+          </a:fontRef>
+        </p:style>
+        <p:txBody>
+          <a:bodyPr rtlCol="0" anchor="ctr"/>
+          <a:lstStyle/>
+          <a:p>
+            <a:pPr algn="ctr"/>
+            <a:endParaRPr lang="en-US">
+              <a:noFill/>
+            </a:endParaRPr>
+          </a:p>
+        </p:txBody>
+      </p:sp>
+      <p:sp>
+        <p:nvSpPr>
+          <p:cNvPr id="24" name="流程图: 数据 23">
+            <a:extLst>
+              <a:ext uri="{FF2B5EF4-FFF2-40B4-BE49-F238E27FC236}">
+                <a16:creationId xmlns:a16="http://schemas.microsoft.com/office/drawing/2014/main" id="{3653DBB2-693A-44BE-85A4-C0EAE2B86DDA}"/>
+              </a:ext>
+            </a:extLst>
+          </p:cNvPr>
+          <p:cNvSpPr/>
+          <p:nvPr/>
+        </p:nvSpPr>
+        <p:spPr>
+          <a:xfrm>
+            <a:off x="2108203" y="5706530"/>
+            <a:ext cx="379545" cy="676797"/>
+          </a:xfrm>
+          <a:prstGeom prst="flowChartInputOutput">
+            <a:avLst/>
+          </a:prstGeom>
+          <a:noFill/>
+          <a:ln w="19050">
+            <a:solidFill>
+              <a:schemeClr val="accent1">
+                <a:lumMod val="75000"/>
+              </a:schemeClr>
+            </a:solidFill>
+          </a:ln>
+        </p:spPr>
+        <p:style>
+          <a:lnRef idx="2">
+            <a:schemeClr val="accent1">
+              <a:shade val="50000"/>
+            </a:schemeClr>
+          </a:lnRef>
+          <a:fillRef idx="1">
+            <a:schemeClr val="accent1"/>
+          </a:fillRef>
+          <a:effectRef idx="0">
+            <a:schemeClr val="accent1"/>
+          </a:effectRef>
+          <a:fontRef idx="minor">
+            <a:schemeClr val="lt1"/>
+          </a:fontRef>
+        </p:style>
+        <p:txBody>
+          <a:bodyPr rtlCol="0" anchor="ctr"/>
+          <a:lstStyle/>
+          <a:p>
+            <a:pPr algn="ctr"/>
+            <a:endParaRPr lang="en-US">
+              <a:noFill/>
+            </a:endParaRPr>
+          </a:p>
+        </p:txBody>
+      </p:sp>
+      <p:sp>
+        <p:nvSpPr>
+          <p:cNvPr id="25" name="流程图: 数据 24">
+            <a:extLst>
+              <a:ext uri="{FF2B5EF4-FFF2-40B4-BE49-F238E27FC236}">
+                <a16:creationId xmlns:a16="http://schemas.microsoft.com/office/drawing/2014/main" id="{F547B1B5-1486-4918-9649-828B5955427D}"/>
+              </a:ext>
+            </a:extLst>
+          </p:cNvPr>
+          <p:cNvSpPr/>
+          <p:nvPr/>
+        </p:nvSpPr>
+        <p:spPr>
+          <a:xfrm>
+            <a:off x="1339188" y="5698062"/>
+            <a:ext cx="379545" cy="685262"/>
+          </a:xfrm>
+          <a:prstGeom prst="flowChartInputOutput">
+            <a:avLst/>
+          </a:prstGeom>
+          <a:noFill/>
+          <a:ln w="19050">
+            <a:solidFill>
+              <a:schemeClr val="accent1">
+                <a:lumMod val="75000"/>
+              </a:schemeClr>
+            </a:solidFill>
+          </a:ln>
+        </p:spPr>
+        <p:style>
+          <a:lnRef idx="2">
+            <a:schemeClr val="accent1">
+              <a:shade val="50000"/>
+            </a:schemeClr>
+          </a:lnRef>
+          <a:fillRef idx="1">
+            <a:schemeClr val="accent1"/>
+          </a:fillRef>
+          <a:effectRef idx="0">
+            <a:schemeClr val="accent1"/>
+          </a:effectRef>
+          <a:fontRef idx="minor">
+            <a:schemeClr val="lt1"/>
+          </a:fontRef>
+        </p:style>
+        <p:txBody>
+          <a:bodyPr rtlCol="0" anchor="ctr"/>
+          <a:lstStyle/>
+          <a:p>
+            <a:pPr algn="ctr"/>
+            <a:endParaRPr lang="en-US">
+              <a:noFill/>
+            </a:endParaRPr>
+          </a:p>
+        </p:txBody>
+      </p:sp>
+      <p:sp>
+        <p:nvSpPr>
+          <p:cNvPr id="26" name="流程图: 数据 25">
+            <a:extLst>
+              <a:ext uri="{FF2B5EF4-FFF2-40B4-BE49-F238E27FC236}">
+                <a16:creationId xmlns:a16="http://schemas.microsoft.com/office/drawing/2014/main" id="{B3BD2205-491B-423B-9654-114B2EC17ED1}"/>
+              </a:ext>
+            </a:extLst>
+          </p:cNvPr>
+          <p:cNvSpPr/>
+          <p:nvPr/>
+        </p:nvSpPr>
+        <p:spPr>
+          <a:xfrm>
+            <a:off x="4174066" y="5706530"/>
+            <a:ext cx="379545" cy="685262"/>
+          </a:xfrm>
+          <a:prstGeom prst="flowChartInputOutput">
+            <a:avLst/>
+          </a:prstGeom>
+          <a:noFill/>
+          <a:ln w="19050">
+            <a:solidFill>
+              <a:schemeClr val="accent1">
+                <a:lumMod val="75000"/>
+              </a:schemeClr>
+            </a:solidFill>
+          </a:ln>
+        </p:spPr>
+        <p:style>
+          <a:lnRef idx="2">
+            <a:schemeClr val="accent1">
+              <a:shade val="50000"/>
+            </a:schemeClr>
+          </a:lnRef>
+          <a:fillRef idx="1">
+            <a:schemeClr val="accent1"/>
+          </a:fillRef>
+          <a:effectRef idx="0">
+            <a:schemeClr val="accent1"/>
+          </a:effectRef>
+          <a:fontRef idx="minor">
+            <a:schemeClr val="lt1"/>
+          </a:fontRef>
+        </p:style>
+        <p:txBody>
+          <a:bodyPr rtlCol="0" anchor="ctr"/>
+          <a:lstStyle/>
+          <a:p>
+            <a:pPr algn="ctr"/>
+            <a:endParaRPr lang="en-US">
+              <a:noFill/>
+            </a:endParaRPr>
+          </a:p>
+        </p:txBody>
+      </p:sp>
+      <p:sp>
+        <p:nvSpPr>
+          <p:cNvPr id="27" name="流程图: 数据 26">
+            <a:extLst>
+              <a:ext uri="{FF2B5EF4-FFF2-40B4-BE49-F238E27FC236}">
+                <a16:creationId xmlns:a16="http://schemas.microsoft.com/office/drawing/2014/main" id="{6DF2D5C1-03D0-4CAD-BEF9-FE23161C8990}"/>
+              </a:ext>
+            </a:extLst>
+          </p:cNvPr>
+          <p:cNvSpPr/>
+          <p:nvPr/>
+        </p:nvSpPr>
+        <p:spPr>
+          <a:xfrm>
+            <a:off x="6629399" y="5698062"/>
+            <a:ext cx="379545" cy="685262"/>
+          </a:xfrm>
+          <a:prstGeom prst="flowChartInputOutput">
+            <a:avLst/>
+          </a:prstGeom>
+          <a:noFill/>
+          <a:ln w="19050">
+            <a:solidFill>
+              <a:schemeClr val="accent1">
+                <a:lumMod val="75000"/>
+              </a:schemeClr>
+            </a:solidFill>
+          </a:ln>
+        </p:spPr>
+        <p:style>
+          <a:lnRef idx="2">
+            <a:schemeClr val="accent1">
+              <a:shade val="50000"/>
+            </a:schemeClr>
+          </a:lnRef>
+          <a:fillRef idx="1">
+            <a:schemeClr val="accent1"/>
+          </a:fillRef>
+          <a:effectRef idx="0">
+            <a:schemeClr val="accent1"/>
+          </a:effectRef>
+          <a:fontRef idx="minor">
+            <a:schemeClr val="lt1"/>
+          </a:fontRef>
+        </p:style>
+        <p:txBody>
+          <a:bodyPr rtlCol="0" anchor="ctr"/>
+          <a:lstStyle/>
+          <a:p>
+            <a:pPr algn="ctr"/>
+            <a:endParaRPr lang="en-US">
+              <a:noFill/>
+            </a:endParaRPr>
+          </a:p>
+        </p:txBody>
+      </p:sp>
+      <p:sp>
+        <p:nvSpPr>
+          <p:cNvPr id="28" name="流程图: 数据 27">
+            <a:extLst>
+              <a:ext uri="{FF2B5EF4-FFF2-40B4-BE49-F238E27FC236}">
+                <a16:creationId xmlns:a16="http://schemas.microsoft.com/office/drawing/2014/main" id="{3FDF0FE3-E2C2-43F3-A49D-41AA0158C45F}"/>
+              </a:ext>
+            </a:extLst>
+          </p:cNvPr>
+          <p:cNvSpPr/>
+          <p:nvPr/>
+        </p:nvSpPr>
+        <p:spPr>
+          <a:xfrm>
+            <a:off x="9017000" y="5706530"/>
+            <a:ext cx="447277" cy="974366"/>
+          </a:xfrm>
+          <a:prstGeom prst="flowChartInputOutput">
+            <a:avLst/>
+          </a:prstGeom>
+          <a:noFill/>
+          <a:ln w="19050">
+            <a:solidFill>
+              <a:schemeClr val="accent1">
+                <a:lumMod val="75000"/>
+              </a:schemeClr>
+            </a:solidFill>
+          </a:ln>
+        </p:spPr>
+        <p:style>
+          <a:lnRef idx="2">
+            <a:schemeClr val="accent1">
+              <a:shade val="50000"/>
+            </a:schemeClr>
+          </a:lnRef>
+          <a:fillRef idx="1">
+            <a:schemeClr val="accent1"/>
+          </a:fillRef>
+          <a:effectRef idx="0">
+            <a:schemeClr val="accent1"/>
+          </a:effectRef>
+          <a:fontRef idx="minor">
+            <a:schemeClr val="lt1"/>
+          </a:fontRef>
+        </p:style>
+        <p:txBody>
+          <a:bodyPr rtlCol="0" anchor="ctr"/>
+          <a:lstStyle/>
+          <a:p>
+            <a:pPr algn="ctr"/>
+            <a:endParaRPr lang="en-US">
+              <a:noFill/>
+            </a:endParaRPr>
+          </a:p>
+        </p:txBody>
+      </p:sp>
+      <p:sp>
+        <p:nvSpPr>
+          <p:cNvPr id="29" name="流程图: 数据 28">
+            <a:extLst>
+              <a:ext uri="{FF2B5EF4-FFF2-40B4-BE49-F238E27FC236}">
+                <a16:creationId xmlns:a16="http://schemas.microsoft.com/office/drawing/2014/main" id="{A0E82BF0-EE72-4169-B502-94F632AC5860}"/>
+              </a:ext>
+            </a:extLst>
+          </p:cNvPr>
+          <p:cNvSpPr/>
+          <p:nvPr/>
+        </p:nvSpPr>
+        <p:spPr>
+          <a:xfrm>
+            <a:off x="3490791" y="5698059"/>
+            <a:ext cx="379545" cy="685262"/>
+          </a:xfrm>
+          <a:prstGeom prst="flowChartInputOutput">
+            <a:avLst/>
+          </a:prstGeom>
+          <a:noFill/>
+          <a:ln w="19050">
+            <a:solidFill>
+              <a:schemeClr val="accent1">
+                <a:lumMod val="75000"/>
+              </a:schemeClr>
+            </a:solidFill>
+          </a:ln>
+        </p:spPr>
+        <p:style>
+          <a:lnRef idx="2">
+            <a:schemeClr val="accent1">
+              <a:shade val="50000"/>
+            </a:schemeClr>
+          </a:lnRef>
+          <a:fillRef idx="1">
+            <a:schemeClr val="accent1"/>
+          </a:fillRef>
+          <a:effectRef idx="0">
+            <a:schemeClr val="accent1"/>
+          </a:effectRef>
+          <a:fontRef idx="minor">
+            <a:schemeClr val="lt1"/>
+          </a:fontRef>
+        </p:style>
+        <p:txBody>
+          <a:bodyPr rtlCol="0" anchor="ctr"/>
+          <a:lstStyle/>
+          <a:p>
+            <a:pPr algn="ctr"/>
+            <a:endParaRPr lang="en-US">
+              <a:noFill/>
+            </a:endParaRPr>
+          </a:p>
+        </p:txBody>
+      </p:sp>
+    </p:spTree>
+    <p:extLst>
+      <p:ext uri="{BB962C8B-B14F-4D97-AF65-F5344CB8AC3E}">
+        <p14:creationId xmlns:p14="http://schemas.microsoft.com/office/powerpoint/2010/main" val="4103498921"/>
+      </p:ext>
+    </p:extLst>
+  </p:cSld>
+  <p:clrMapOvr>
+    <a:masterClrMapping/>
+  </p:clrMapOvr>
+</p:sld>
+</file>
+
+<file path=ppt/slides/slide12.xml><?xml version="1.0" encoding="utf-8"?>
+<p:sld xmlns:a="http://schemas.openxmlformats.org/drawingml/2006/main" xmlns:r="http://schemas.openxmlformats.org/officeDocument/2006/relationships" xmlns:p="http://schemas.openxmlformats.org/presentationml/2006/main">
+  <p:cSld>
+    <p:spTree>
+      <p:nvGrpSpPr>
+        <p:cNvPr id="1" name=""/>
+        <p:cNvGrpSpPr/>
+        <p:nvPr/>
+      </p:nvGrpSpPr>
+      <p:grpSpPr>
+        <a:xfrm>
+          <a:off x="0" y="0"/>
+          <a:ext cx="0" cy="0"/>
+          <a:chOff x="0" y="0"/>
+          <a:chExt cx="0" cy="0"/>
+        </a:xfrm>
+      </p:grpSpPr>
+      <p:sp>
+        <p:nvSpPr>
+          <p:cNvPr id="2" name="Picture Placeholder 1"/>
+          <p:cNvSpPr>
+            <a:spLocks noGrp="1"/>
+          </p:cNvSpPr>
+          <p:nvPr>
+            <p:ph type="pic" sz="quarter" idx="10"/>
+          </p:nvPr>
+        </p:nvSpPr>
+        <p:spPr/>
+      </p:sp>
+      <p:sp>
+        <p:nvSpPr>
+          <p:cNvPr id="5" name="Rectangle 4"/>
+          <p:cNvSpPr/>
+          <p:nvPr/>
+        </p:nvSpPr>
+        <p:spPr>
+          <a:xfrm>
+            <a:off x="0" y="0"/>
+            <a:ext cx="12192000" cy="6858000"/>
+          </a:xfrm>
+          <a:prstGeom prst="rect">
+            <a:avLst/>
+          </a:prstGeom>
+          <a:solidFill>
+            <a:schemeClr val="bg1">
+              <a:alpha val="70000"/>
+            </a:schemeClr>
+          </a:solidFill>
+          <a:ln>
+            <a:noFill/>
+          </a:ln>
+        </p:spPr>
+        <p:style>
+          <a:lnRef idx="2">
+            <a:schemeClr val="accent1">
+              <a:shade val="50000"/>
+            </a:schemeClr>
+          </a:lnRef>
+          <a:fillRef idx="1">
+            <a:schemeClr val="accent1"/>
+          </a:fillRef>
+          <a:effectRef idx="0">
+            <a:schemeClr val="accent1"/>
+          </a:effectRef>
+          <a:fontRef idx="minor">
+            <a:schemeClr val="lt1"/>
+          </a:fontRef>
+        </p:style>
+        <p:txBody>
+          <a:bodyPr rtlCol="0" anchor="ctr"/>
+          <a:lstStyle/>
+          <a:p>
+            <a:pPr algn="ctr"/>
+            <a:endParaRPr lang="en-US"/>
+          </a:p>
+        </p:txBody>
+      </p:sp>
+      <p:sp>
+        <p:nvSpPr>
+          <p:cNvPr id="6" name="TextBox 5"/>
+          <p:cNvSpPr txBox="1"/>
+          <p:nvPr/>
+        </p:nvSpPr>
+        <p:spPr>
+          <a:xfrm flipH="1">
+            <a:off x="10332" y="2212673"/>
+            <a:ext cx="12191999" cy="2432654"/>
+          </a:xfrm>
+          <a:prstGeom prst="rect">
+            <a:avLst/>
+          </a:prstGeom>
+          <a:noFill/>
+          <a:ln>
+            <a:noFill/>
+          </a:ln>
+        </p:spPr>
+        <p:txBody>
+          <a:bodyPr wrap="square" rtlCol="0">
+            <a:spAutoFit/>
+          </a:bodyPr>
+          <a:lstStyle/>
+          <a:p>
+            <a:pPr algn="ctr">
+              <a:lnSpc>
+                <a:spcPct val="150000"/>
+              </a:lnSpc>
+            </a:pPr>
+            <a:r>
+              <a:rPr lang="en-US" sz="5400" b="1" spc="300" dirty="0">
+                <a:solidFill>
+                  <a:schemeClr val="tx1">
+                    <a:lumMod val="90000"/>
+                    <a:lumOff val="10000"/>
+                  </a:schemeClr>
+                </a:solidFill>
+                <a:latin typeface="+mj-lt"/>
+              </a:rPr>
+              <a:t>Factor2 Review Number</a:t>
+            </a:r>
+          </a:p>
+          <a:p>
+            <a:pPr algn="ctr">
+              <a:lnSpc>
+                <a:spcPct val="150000"/>
+              </a:lnSpc>
+            </a:pPr>
+            <a:r>
+              <a:rPr lang="en-US" sz="5400" b="1" spc="300" dirty="0">
+                <a:solidFill>
+                  <a:schemeClr val="tx1">
+                    <a:lumMod val="90000"/>
+                    <a:lumOff val="10000"/>
+                  </a:schemeClr>
+                </a:solidFill>
+                <a:latin typeface="+mj-lt"/>
+              </a:rPr>
+              <a:t>For Each Critic</a:t>
+            </a:r>
+          </a:p>
+        </p:txBody>
+      </p:sp>
+      <p:grpSp>
+        <p:nvGrpSpPr>
+          <p:cNvPr id="30" name="Group 29"/>
+          <p:cNvGrpSpPr/>
+          <p:nvPr/>
+        </p:nvGrpSpPr>
+        <p:grpSpPr>
+          <a:xfrm>
+            <a:off x="0" y="0"/>
+            <a:ext cx="6106332" cy="934335"/>
+            <a:chOff x="0" y="0"/>
+            <a:chExt cx="6106332" cy="934335"/>
+          </a:xfrm>
+        </p:grpSpPr>
+        <p:sp>
+          <p:nvSpPr>
+            <p:cNvPr id="16" name="Rectangle 15"/>
+            <p:cNvSpPr/>
+            <p:nvPr/>
+          </p:nvSpPr>
+          <p:spPr>
+            <a:xfrm>
+              <a:off x="0" y="0"/>
+              <a:ext cx="6106332" cy="934335"/>
+            </a:xfrm>
+            <a:custGeom>
+              <a:avLst/>
+              <a:gdLst>
+                <a:gd name="connsiteX0" fmla="*/ 0 w 6106332"/>
+                <a:gd name="connsiteY0" fmla="*/ 0 h 915285"/>
+                <a:gd name="connsiteX1" fmla="*/ 6106332 w 6106332"/>
+                <a:gd name="connsiteY1" fmla="*/ 0 h 915285"/>
+                <a:gd name="connsiteX2" fmla="*/ 6106332 w 6106332"/>
+                <a:gd name="connsiteY2" fmla="*/ 915285 h 915285"/>
+                <a:gd name="connsiteX3" fmla="*/ 0 w 6106332"/>
+                <a:gd name="connsiteY3" fmla="*/ 915285 h 915285"/>
+                <a:gd name="connsiteX4" fmla="*/ 0 w 6106332"/>
+                <a:gd name="connsiteY4" fmla="*/ 0 h 915285"/>
+                <a:gd name="connsiteX0" fmla="*/ 0 w 6106332"/>
+                <a:gd name="connsiteY0" fmla="*/ 0 h 934335"/>
+                <a:gd name="connsiteX1" fmla="*/ 6106332 w 6106332"/>
+                <a:gd name="connsiteY1" fmla="*/ 0 h 934335"/>
+                <a:gd name="connsiteX2" fmla="*/ 5725332 w 6106332"/>
+                <a:gd name="connsiteY2" fmla="*/ 934335 h 934335"/>
+                <a:gd name="connsiteX3" fmla="*/ 0 w 6106332"/>
+                <a:gd name="connsiteY3" fmla="*/ 915285 h 934335"/>
+                <a:gd name="connsiteX4" fmla="*/ 0 w 6106332"/>
+                <a:gd name="connsiteY4" fmla="*/ 0 h 934335"/>
+              </a:gdLst>
+              <a:ahLst/>
+              <a:cxnLst>
+                <a:cxn ang="0">
+                  <a:pos x="connsiteX0" y="connsiteY0"/>
+                </a:cxn>
+                <a:cxn ang="0">
+                  <a:pos x="connsiteX1" y="connsiteY1"/>
+                </a:cxn>
+                <a:cxn ang="0">
+                  <a:pos x="connsiteX2" y="connsiteY2"/>
+                </a:cxn>
+                <a:cxn ang="0">
+                  <a:pos x="connsiteX3" y="connsiteY3"/>
+                </a:cxn>
+                <a:cxn ang="0">
+                  <a:pos x="connsiteX4" y="connsiteY4"/>
+                </a:cxn>
+              </a:cxnLst>
+              <a:rect l="l" t="t" r="r" b="b"/>
+              <a:pathLst>
+                <a:path w="6106332" h="934335">
+                  <a:moveTo>
+                    <a:pt x="0" y="0"/>
+                  </a:moveTo>
+                  <a:lnTo>
+                    <a:pt x="6106332" y="0"/>
+                  </a:lnTo>
+                  <a:lnTo>
+                    <a:pt x="5725332" y="934335"/>
+                  </a:lnTo>
+                  <a:lnTo>
+                    <a:pt x="0" y="915285"/>
+                  </a:lnTo>
+                  <a:lnTo>
+                    <a:pt x="0" y="0"/>
+                  </a:lnTo>
+                  <a:close/>
+                </a:path>
+              </a:pathLst>
+            </a:custGeom>
+            <a:ln>
+              <a:noFill/>
+            </a:ln>
+          </p:spPr>
+          <p:style>
+            <a:lnRef idx="2">
+              <a:schemeClr val="accent1">
+                <a:shade val="50000"/>
+              </a:schemeClr>
+            </a:lnRef>
+            <a:fillRef idx="1">
+              <a:schemeClr val="accent1"/>
+            </a:fillRef>
+            <a:effectRef idx="0">
+              <a:schemeClr val="accent1"/>
+            </a:effectRef>
+            <a:fontRef idx="minor">
+              <a:schemeClr val="lt1"/>
+            </a:fontRef>
+          </p:style>
+          <p:txBody>
+            <a:bodyPr rtlCol="0" anchor="ctr"/>
+            <a:lstStyle/>
+            <a:p>
+              <a:pPr algn="ctr"/>
+              <a:endParaRPr lang="en-US"/>
+            </a:p>
+          </p:txBody>
+        </p:sp>
+        <p:cxnSp>
+          <p:nvCxnSpPr>
+            <p:cNvPr id="27" name="Straight Connector 26"/>
+            <p:cNvCxnSpPr/>
+            <p:nvPr/>
+          </p:nvCxnSpPr>
+          <p:spPr>
+            <a:xfrm>
+              <a:off x="0" y="452653"/>
+              <a:ext cx="4248150" cy="0"/>
+            </a:xfrm>
+            <a:prstGeom prst="line">
+              <a:avLst/>
+            </a:prstGeom>
+            <a:ln w="50800">
+              <a:solidFill>
+                <a:schemeClr val="bg1"/>
+              </a:solidFill>
+              <a:tailEnd type="diamond"/>
+            </a:ln>
+          </p:spPr>
+          <p:style>
+            <a:lnRef idx="1">
+              <a:schemeClr val="accent1"/>
+            </a:lnRef>
+            <a:fillRef idx="0">
+              <a:schemeClr val="accent1"/>
+            </a:fillRef>
+            <a:effectRef idx="0">
+              <a:schemeClr val="accent1"/>
+            </a:effectRef>
+            <a:fontRef idx="minor">
+              <a:schemeClr val="tx1"/>
+            </a:fontRef>
+          </p:style>
+        </p:cxnSp>
+      </p:grpSp>
+      <p:grpSp>
+        <p:nvGrpSpPr>
+          <p:cNvPr id="34" name="Group 33"/>
+          <p:cNvGrpSpPr/>
+          <p:nvPr/>
+        </p:nvGrpSpPr>
+        <p:grpSpPr>
+          <a:xfrm>
+            <a:off x="6085668" y="5923665"/>
+            <a:ext cx="6106332" cy="934335"/>
+            <a:chOff x="6085668" y="5923665"/>
+            <a:chExt cx="6106332" cy="934335"/>
+          </a:xfrm>
+        </p:grpSpPr>
+        <p:sp>
+          <p:nvSpPr>
+            <p:cNvPr id="25" name="Rectangle 15"/>
+            <p:cNvSpPr/>
+            <p:nvPr/>
+          </p:nvSpPr>
+          <p:spPr>
+            <a:xfrm rot="10800000">
+              <a:off x="6085668" y="5923665"/>
+              <a:ext cx="6106332" cy="934335"/>
+            </a:xfrm>
+            <a:custGeom>
+              <a:avLst/>
+              <a:gdLst>
+                <a:gd name="connsiteX0" fmla="*/ 0 w 6106332"/>
+                <a:gd name="connsiteY0" fmla="*/ 0 h 915285"/>
+                <a:gd name="connsiteX1" fmla="*/ 6106332 w 6106332"/>
+                <a:gd name="connsiteY1" fmla="*/ 0 h 915285"/>
+                <a:gd name="connsiteX2" fmla="*/ 6106332 w 6106332"/>
+                <a:gd name="connsiteY2" fmla="*/ 915285 h 915285"/>
+                <a:gd name="connsiteX3" fmla="*/ 0 w 6106332"/>
+                <a:gd name="connsiteY3" fmla="*/ 915285 h 915285"/>
+                <a:gd name="connsiteX4" fmla="*/ 0 w 6106332"/>
+                <a:gd name="connsiteY4" fmla="*/ 0 h 915285"/>
+                <a:gd name="connsiteX0" fmla="*/ 0 w 6106332"/>
+                <a:gd name="connsiteY0" fmla="*/ 0 h 934335"/>
+                <a:gd name="connsiteX1" fmla="*/ 6106332 w 6106332"/>
+                <a:gd name="connsiteY1" fmla="*/ 0 h 934335"/>
+                <a:gd name="connsiteX2" fmla="*/ 5725332 w 6106332"/>
+                <a:gd name="connsiteY2" fmla="*/ 934335 h 934335"/>
+                <a:gd name="connsiteX3" fmla="*/ 0 w 6106332"/>
+                <a:gd name="connsiteY3" fmla="*/ 915285 h 934335"/>
+                <a:gd name="connsiteX4" fmla="*/ 0 w 6106332"/>
+                <a:gd name="connsiteY4" fmla="*/ 0 h 934335"/>
+              </a:gdLst>
+              <a:ahLst/>
+              <a:cxnLst>
+                <a:cxn ang="0">
+                  <a:pos x="connsiteX0" y="connsiteY0"/>
+                </a:cxn>
+                <a:cxn ang="0">
+                  <a:pos x="connsiteX1" y="connsiteY1"/>
+                </a:cxn>
+                <a:cxn ang="0">
+                  <a:pos x="connsiteX2" y="connsiteY2"/>
+                </a:cxn>
+                <a:cxn ang="0">
+                  <a:pos x="connsiteX3" y="connsiteY3"/>
+                </a:cxn>
+                <a:cxn ang="0">
+                  <a:pos x="connsiteX4" y="connsiteY4"/>
+                </a:cxn>
+              </a:cxnLst>
+              <a:rect l="l" t="t" r="r" b="b"/>
+              <a:pathLst>
+                <a:path w="6106332" h="934335">
+                  <a:moveTo>
+                    <a:pt x="0" y="0"/>
+                  </a:moveTo>
+                  <a:lnTo>
+                    <a:pt x="6106332" y="0"/>
+                  </a:lnTo>
+                  <a:lnTo>
+                    <a:pt x="5725332" y="934335"/>
+                  </a:lnTo>
+                  <a:lnTo>
+                    <a:pt x="0" y="915285"/>
+                  </a:lnTo>
+                  <a:lnTo>
+                    <a:pt x="0" y="0"/>
+                  </a:lnTo>
+                  <a:close/>
+                </a:path>
+              </a:pathLst>
+            </a:custGeom>
+            <a:solidFill>
+              <a:schemeClr val="accent2"/>
+            </a:solidFill>
+            <a:ln>
+              <a:noFill/>
+            </a:ln>
+          </p:spPr>
+          <p:style>
+            <a:lnRef idx="2">
+              <a:schemeClr val="accent1">
+                <a:shade val="50000"/>
+              </a:schemeClr>
+            </a:lnRef>
+            <a:fillRef idx="1">
+              <a:schemeClr val="accent1"/>
+            </a:fillRef>
+            <a:effectRef idx="0">
+              <a:schemeClr val="accent1"/>
+            </a:effectRef>
+            <a:fontRef idx="minor">
+              <a:schemeClr val="lt1"/>
+            </a:fontRef>
+          </p:style>
+          <p:txBody>
+            <a:bodyPr rtlCol="0" anchor="ctr"/>
+            <a:lstStyle/>
+            <a:p>
+              <a:pPr algn="ctr"/>
+              <a:endParaRPr lang="en-US">
+                <a:solidFill>
+                  <a:schemeClr val="accent2"/>
+                </a:solidFill>
+              </a:endParaRPr>
+            </a:p>
+          </p:txBody>
+        </p:sp>
+        <p:cxnSp>
+          <p:nvCxnSpPr>
+            <p:cNvPr id="33" name="Straight Connector 32"/>
+            <p:cNvCxnSpPr/>
+            <p:nvPr/>
+          </p:nvCxnSpPr>
+          <p:spPr>
+            <a:xfrm rot="10800000">
+              <a:off x="7943850" y="6405346"/>
+              <a:ext cx="4248150" cy="0"/>
+            </a:xfrm>
+            <a:prstGeom prst="line">
+              <a:avLst/>
+            </a:prstGeom>
+            <a:ln w="50800">
+              <a:solidFill>
+                <a:schemeClr val="bg1"/>
+              </a:solidFill>
+              <a:tailEnd type="diamond"/>
+            </a:ln>
+          </p:spPr>
+          <p:style>
+            <a:lnRef idx="1">
+              <a:schemeClr val="accent1"/>
+            </a:lnRef>
+            <a:fillRef idx="0">
+              <a:schemeClr val="accent1"/>
+            </a:fillRef>
+            <a:effectRef idx="0">
+              <a:schemeClr val="accent1"/>
+            </a:effectRef>
+            <a:fontRef idx="minor">
+              <a:schemeClr val="tx1"/>
+            </a:fontRef>
+          </p:style>
+        </p:cxnSp>
+      </p:grpSp>
+    </p:spTree>
+    <p:extLst>
+      <p:ext uri="{BB962C8B-B14F-4D97-AF65-F5344CB8AC3E}">
+        <p14:creationId xmlns:p14="http://schemas.microsoft.com/office/powerpoint/2010/main" val="393809737"/>
+      </p:ext>
+    </p:extLst>
+  </p:cSld>
+  <p:clrMapOvr>
+    <a:masterClrMapping/>
+  </p:clrMapOvr>
+</p:sld>
+</file>
+
+<file path=ppt/slides/slide13.xml><?xml version="1.0" encoding="utf-8"?>
+<p:sld xmlns:a="http://schemas.openxmlformats.org/drawingml/2006/main" xmlns:r="http://schemas.openxmlformats.org/officeDocument/2006/relationships" xmlns:p="http://schemas.openxmlformats.org/presentationml/2006/main">
+  <p:cSld>
     <p:bg>
       <p:bgPr>
         <a:solidFill>
@@ -5496,7 +7069,7 @@
         <p:spPr>
           <a:xfrm>
             <a:off x="5179180" y="1785586"/>
-            <a:ext cx="2178353" cy="1643413"/>
+            <a:ext cx="2269370" cy="1643413"/>
           </a:xfrm>
           <a:prstGeom prst="rect">
             <a:avLst/>
@@ -5690,7 +7263,7 @@
                 </a:solidFill>
                 <a:latin typeface="+mj-lt"/>
               </a:rPr>
-              <a:t>Critic Review Average Vs Review Quantity </a:t>
+              <a:t>Average Score VS Review Number </a:t>
             </a:r>
           </a:p>
         </p:txBody>
@@ -5708,17 +7281,9 @@
 </p:sld>
 </file>
 
-<file path=ppt/slides/slide11.xml><?xml version="1.0" encoding="utf-8"?>
+<file path=ppt/slides/slide14.xml><?xml version="1.0" encoding="utf-8"?>
 <p:sld xmlns:a="http://schemas.openxmlformats.org/drawingml/2006/main" xmlns:r="http://schemas.openxmlformats.org/officeDocument/2006/relationships" xmlns:p="http://schemas.openxmlformats.org/presentationml/2006/main">
   <p:cSld>
-    <p:bg>
-      <p:bgPr>
-        <a:solidFill>
-          <a:schemeClr val="bg1"/>
-        </a:solidFill>
-        <a:effectLst/>
-      </p:bgPr>
-    </p:bg>
     <p:spTree>
       <p:nvGrpSpPr>
         <p:cNvPr id="1" name=""/>
@@ -5733,28 +7298,23 @@
           <a:chExt cx="0" cy="0"/>
         </a:xfrm>
       </p:grpSpPr>
-      <p:sp useBgFill="1">
+      <p:sp>
         <p:nvSpPr>
-          <p:cNvPr id="68" name="Rectangle 55">
-            <a:extLst>
-              <a:ext uri="{FF2B5EF4-FFF2-40B4-BE49-F238E27FC236}">
-                <a16:creationId xmlns:a16="http://schemas.microsoft.com/office/drawing/2014/main" id="{0482A7D0-DB09-4EBA-8D52-E6A5934B668D}"/>
-              </a:ext>
-              <a:ext uri="{C183D7F6-B498-43B3-948B-1728B52AA6E4}">
-                <adec:decorative xmlns:adec="http://schemas.microsoft.com/office/drawing/2017/decorative" val="1"/>
-              </a:ext>
-            </a:extLst>
-          </p:cNvPr>
+          <p:cNvPr id="2" name="Picture Placeholder 1"/>
           <p:cNvSpPr>
-            <a:spLocks noGrp="1" noRot="1" noChangeAspect="1" noMove="1" noResize="1" noEditPoints="1" noAdjustHandles="1" noChangeArrowheads="1" noChangeShapeType="1" noTextEdit="1"/>
+            <a:spLocks noGrp="1"/>
           </p:cNvSpPr>
           <p:nvPr>
-            <p:extLst>
-              <p:ext uri="{386F3935-93C4-4BCD-93E2-E3B085C9AB24}">
-                <p16:designElem xmlns:p16="http://schemas.microsoft.com/office/powerpoint/2015/main" val="1"/>
-              </p:ext>
-            </p:extLst>
+            <p:ph type="pic" sz="quarter" idx="10"/>
           </p:nvPr>
+        </p:nvSpPr>
+        <p:spPr/>
+      </p:sp>
+      <p:sp>
+        <p:nvSpPr>
+          <p:cNvPr id="5" name="Rectangle 4"/>
+          <p:cNvSpPr/>
+          <p:nvPr/>
         </p:nvSpPr>
         <p:spPr>
           <a:xfrm>
@@ -5764,6 +7324,11 @@
           <a:prstGeom prst="rect">
             <a:avLst/>
           </a:prstGeom>
+          <a:solidFill>
+            <a:schemeClr val="bg1">
+              <a:alpha val="70000"/>
+            </a:schemeClr>
+          </a:solidFill>
           <a:ln>
             <a:noFill/>
           </a:ln>
@@ -5788,413 +7353,377 @@
           <a:bodyPr rtlCol="0" anchor="ctr"/>
           <a:lstStyle/>
           <a:p>
-            <a:pPr marL="0" marR="0" lvl="0" indent="0" algn="ctr" defTabSz="914400" rtl="0" eaLnBrk="1" fontAlgn="auto" latinLnBrk="0" hangingPunct="1">
-              <a:lnSpc>
-                <a:spcPct val="100000"/>
-              </a:lnSpc>
-              <a:spcBef>
-                <a:spcPts val="0"/>
-              </a:spcBef>
-              <a:spcAft>
-                <a:spcPts val="0"/>
-              </a:spcAft>
-              <a:buClrTx/>
-              <a:buSzTx/>
-              <a:buFontTx/>
-              <a:buNone/>
-              <a:tabLst/>
-              <a:defRPr/>
-            </a:pPr>
-            <a:endParaRPr kumimoji="0" lang="en-US" sz="1800" b="0" i="0" u="none" strike="noStrike" kern="1200" cap="none" spc="0" normalizeH="0" baseline="0" noProof="0">
-              <a:ln>
-                <a:noFill/>
-              </a:ln>
-              <a:solidFill>
-                <a:prstClr val="white"/>
-              </a:solidFill>
-              <a:effectLst/>
-              <a:uLnTx/>
-              <a:uFillTx/>
-              <a:latin typeface="Calibri" panose="020F0502020204030204"/>
-              <a:ea typeface="+mn-ea"/>
-              <a:cs typeface="+mn-cs"/>
-            </a:endParaRPr>
+            <a:pPr algn="ctr"/>
+            <a:endParaRPr lang="en-US"/>
           </a:p>
         </p:txBody>
       </p:sp>
       <p:sp>
         <p:nvSpPr>
-          <p:cNvPr id="69" name="Freeform: Shape 57">
-            <a:extLst>
-              <a:ext uri="{FF2B5EF4-FFF2-40B4-BE49-F238E27FC236}">
-                <a16:creationId xmlns:a16="http://schemas.microsoft.com/office/drawing/2014/main" id="{1A3688C8-DFCE-4CCD-BCF0-5FB239E5072D}"/>
-              </a:ext>
-              <a:ext uri="{C183D7F6-B498-43B3-948B-1728B52AA6E4}">
-                <adec:decorative xmlns:adec="http://schemas.microsoft.com/office/drawing/2017/decorative" val="1"/>
-              </a:ext>
-            </a:extLst>
-          </p:cNvPr>
-          <p:cNvSpPr>
-            <a:spLocks noGrp="1" noRot="1" noChangeAspect="1" noMove="1" noResize="1" noEditPoints="1" noAdjustHandles="1" noChangeArrowheads="1" noChangeShapeType="1" noTextEdit="1"/>
-          </p:cNvSpPr>
-          <p:nvPr>
-            <p:extLst>
-              <p:ext uri="{386F3935-93C4-4BCD-93E2-E3B085C9AB24}">
-                <p16:designElem xmlns:p16="http://schemas.microsoft.com/office/powerpoint/2015/main" val="1"/>
-              </p:ext>
-            </p:extLst>
-          </p:nvPr>
+          <p:cNvPr id="6" name="TextBox 5"/>
+          <p:cNvSpPr txBox="1"/>
+          <p:nvPr/>
         </p:nvSpPr>
         <p:spPr>
-          <a:xfrm>
-            <a:off x="0" y="2030410"/>
-            <a:ext cx="7005134" cy="4827590"/>
-          </a:xfrm>
-          <a:custGeom>
+          <a:xfrm flipH="1">
+            <a:off x="10332" y="2835920"/>
+            <a:ext cx="12191999" cy="1186159"/>
+          </a:xfrm>
+          <a:prstGeom prst="rect">
             <a:avLst/>
-            <a:gdLst>
-              <a:gd name="connsiteX0" fmla="*/ 1974535 w 7005134"/>
-              <a:gd name="connsiteY0" fmla="*/ 0 h 4827590"/>
-              <a:gd name="connsiteX1" fmla="*/ 7003848 w 7005134"/>
-              <a:gd name="connsiteY1" fmla="*/ 4776721 h 4827590"/>
-              <a:gd name="connsiteX2" fmla="*/ 7005134 w 7005134"/>
-              <a:gd name="connsiteY2" fmla="*/ 4827590 h 4827590"/>
-              <a:gd name="connsiteX3" fmla="*/ 0 w 7005134"/>
-              <a:gd name="connsiteY3" fmla="*/ 4827590 h 4827590"/>
-              <a:gd name="connsiteX4" fmla="*/ 0 w 7005134"/>
-              <a:gd name="connsiteY4" fmla="*/ 402231 h 4827590"/>
-              <a:gd name="connsiteX5" fmla="*/ 14349 w 7005134"/>
-              <a:gd name="connsiteY5" fmla="*/ 395744 h 4827590"/>
-              <a:gd name="connsiteX6" fmla="*/ 1974535 w 7005134"/>
-              <a:gd name="connsiteY6" fmla="*/ 0 h 4827590"/>
-            </a:gdLst>
-            <a:ahLst/>
-            <a:cxnLst>
-              <a:cxn ang="0">
-                <a:pos x="connsiteX0" y="connsiteY0"/>
-              </a:cxn>
-              <a:cxn ang="0">
-                <a:pos x="connsiteX1" y="connsiteY1"/>
-              </a:cxn>
-              <a:cxn ang="0">
-                <a:pos x="connsiteX2" y="connsiteY2"/>
-              </a:cxn>
-              <a:cxn ang="0">
-                <a:pos x="connsiteX3" y="connsiteY3"/>
-              </a:cxn>
-              <a:cxn ang="0">
-                <a:pos x="connsiteX4" y="connsiteY4"/>
-              </a:cxn>
-              <a:cxn ang="0">
-                <a:pos x="connsiteX5" y="connsiteY5"/>
-              </a:cxn>
-              <a:cxn ang="0">
-                <a:pos x="connsiteX6" y="connsiteY6"/>
-              </a:cxn>
-            </a:cxnLst>
-            <a:rect l="l" t="t" r="r" b="b"/>
-            <a:pathLst>
-              <a:path w="7005134" h="4827590">
-                <a:moveTo>
-                  <a:pt x="1974535" y="0"/>
-                </a:moveTo>
-                <a:cubicBezTo>
-                  <a:pt x="4668853" y="0"/>
-                  <a:pt x="6868971" y="2115921"/>
-                  <a:pt x="7003848" y="4776721"/>
-                </a:cubicBezTo>
-                <a:lnTo>
-                  <a:pt x="7005134" y="4827590"/>
-                </a:lnTo>
-                <a:lnTo>
-                  <a:pt x="0" y="4827590"/>
-                </a:lnTo>
-                <a:lnTo>
-                  <a:pt x="0" y="402231"/>
-                </a:lnTo>
-                <a:lnTo>
-                  <a:pt x="14349" y="395744"/>
-                </a:lnTo>
-                <a:cubicBezTo>
-                  <a:pt x="616832" y="140915"/>
-                  <a:pt x="1279227" y="0"/>
-                  <a:pt x="1974535" y="0"/>
-                </a:cubicBezTo>
-                <a:close/>
-              </a:path>
-            </a:pathLst>
-          </a:custGeom>
-          <a:solidFill>
-            <a:schemeClr val="accent1">
-              <a:alpha val="40000"/>
-            </a:schemeClr>
-          </a:solidFill>
+          </a:prstGeom>
+          <a:noFill/>
           <a:ln>
             <a:noFill/>
           </a:ln>
         </p:spPr>
-        <p:style>
-          <a:lnRef idx="2">
-            <a:schemeClr val="accent1">
-              <a:shade val="50000"/>
-            </a:schemeClr>
-          </a:lnRef>
-          <a:fillRef idx="1">
-            <a:schemeClr val="accent1"/>
-          </a:fillRef>
-          <a:effectRef idx="0">
-            <a:schemeClr val="accent1"/>
-          </a:effectRef>
-          <a:fontRef idx="minor">
-            <a:schemeClr val="lt1"/>
-          </a:fontRef>
-        </p:style>
         <p:txBody>
-          <a:bodyPr rtlCol="0" anchor="ctr"/>
-          <a:lstStyle/>
-          <a:p>
-            <a:pPr marL="0" marR="0" lvl="0" indent="0" algn="ctr" defTabSz="914400" rtl="0" eaLnBrk="1" fontAlgn="auto" latinLnBrk="0" hangingPunct="1">
-              <a:lnSpc>
-                <a:spcPct val="100000"/>
-              </a:lnSpc>
-              <a:spcBef>
-                <a:spcPts val="0"/>
-              </a:spcBef>
-              <a:spcAft>
-                <a:spcPts val="0"/>
-              </a:spcAft>
-              <a:buClrTx/>
-              <a:buSzTx/>
-              <a:buFontTx/>
-              <a:buNone/>
-              <a:tabLst/>
-              <a:defRPr/>
-            </a:pPr>
-            <a:endParaRPr kumimoji="0" lang="en-US" sz="1800" b="0" i="0" u="none" strike="noStrike" kern="1200" cap="none" spc="0" normalizeH="0" baseline="0" noProof="0">
-              <a:ln>
-                <a:noFill/>
-              </a:ln>
-              <a:solidFill>
-                <a:prstClr val="white"/>
-              </a:solidFill>
-              <a:effectLst/>
-              <a:uLnTx/>
-              <a:uFillTx/>
-              <a:latin typeface="Calibri" panose="020F0502020204030204"/>
-              <a:ea typeface="+mn-ea"/>
-              <a:cs typeface="+mn-cs"/>
-            </a:endParaRPr>
-          </a:p>
-        </p:txBody>
-      </p:sp>
-      <p:sp>
-        <p:nvSpPr>
-          <p:cNvPr id="14" name="TextBox 5">
-            <a:extLst>
-              <a:ext uri="{FF2B5EF4-FFF2-40B4-BE49-F238E27FC236}">
-                <a16:creationId xmlns:a16="http://schemas.microsoft.com/office/drawing/2014/main" id="{D538816E-807D-4B5E-A621-4D1FE075EF5E}"/>
-              </a:ext>
-            </a:extLst>
-          </p:cNvPr>
-          <p:cNvSpPr txBox="1"/>
-          <p:nvPr/>
-        </p:nvSpPr>
-        <p:spPr>
-          <a:xfrm>
-            <a:off x="1158240" y="1122363"/>
-            <a:ext cx="6339840" cy="2387600"/>
-          </a:xfrm>
-          <a:prstGeom prst="rect">
-            <a:avLst/>
-          </a:prstGeom>
-        </p:spPr>
-        <p:txBody>
-          <a:bodyPr vert="horz" lIns="91440" tIns="45720" rIns="91440" bIns="45720" rtlCol="0" anchor="b">
-            <a:normAutofit/>
+          <a:bodyPr wrap="square" rtlCol="0">
+            <a:spAutoFit/>
           </a:bodyPr>
           <a:lstStyle/>
           <a:p>
-            <a:pPr>
+            <a:pPr algn="ctr">
               <a:lnSpc>
-                <a:spcPct val="90000"/>
+                <a:spcPct val="150000"/>
               </a:lnSpc>
-              <a:spcBef>
-                <a:spcPct val="0"/>
-              </a:spcBef>
-              <a:spcAft>
-                <a:spcPts val="600"/>
-              </a:spcAft>
             </a:pPr>
             <a:r>
-              <a:rPr lang="en-US" sz="6600" kern="1200" spc="300" dirty="0">
+              <a:rPr lang="en-US" sz="5400" b="1" spc="300" dirty="0">
                 <a:solidFill>
                   <a:schemeClr val="tx1">
-                    <a:lumMod val="85000"/>
-                    <a:lumOff val="15000"/>
+                    <a:lumMod val="90000"/>
+                    <a:lumOff val="10000"/>
                   </a:schemeClr>
                 </a:solidFill>
                 <a:latin typeface="+mj-lt"/>
-                <a:ea typeface="+mj-ea"/>
-                <a:cs typeface="+mj-cs"/>
               </a:rPr>
-              <a:t>Review Date Analysis</a:t>
+              <a:t>Factor3 Review Published Date</a:t>
             </a:r>
           </a:p>
         </p:txBody>
       </p:sp>
-      <p:cxnSp>
-        <p:nvCxnSpPr>
-          <p:cNvPr id="70" name="Straight Connector 59">
-            <a:extLst>
-              <a:ext uri="{FF2B5EF4-FFF2-40B4-BE49-F238E27FC236}">
-                <a16:creationId xmlns:a16="http://schemas.microsoft.com/office/drawing/2014/main" id="{D598FBE3-48D2-40A2-B7E6-F485834C8213}"/>
-              </a:ext>
-              <a:ext uri="{C183D7F6-B498-43B3-948B-1728B52AA6E4}">
-                <adec:decorative xmlns:adec="http://schemas.microsoft.com/office/drawing/2017/decorative" val="1"/>
-              </a:ext>
-            </a:extLst>
-          </p:cNvPr>
-          <p:cNvCxnSpPr>
-            <a:cxnSpLocks noGrp="1" noRot="1" noChangeAspect="1" noMove="1" noResize="1" noEditPoints="1" noAdjustHandles="1" noChangeArrowheads="1" noChangeShapeType="1"/>
-          </p:cNvCxnSpPr>
-          <p:nvPr>
-            <p:extLst>
-              <p:ext uri="{386F3935-93C4-4BCD-93E2-E3B085C9AB24}">
-                <p16:designElem xmlns:p16="http://schemas.microsoft.com/office/powerpoint/2015/main" val="1"/>
-              </p:ext>
-            </p:extLst>
-          </p:nvPr>
-        </p:nvCxnSpPr>
-        <p:spPr>
-          <a:xfrm>
-            <a:off x="1272540" y="4450080"/>
-            <a:ext cx="1234440" cy="0"/>
-          </a:xfrm>
-          <a:prstGeom prst="line">
-            <a:avLst/>
-          </a:prstGeom>
-          <a:ln w="50800">
+      <p:grpSp>
+        <p:nvGrpSpPr>
+          <p:cNvPr id="30" name="Group 29"/>
+          <p:cNvGrpSpPr/>
+          <p:nvPr/>
+        </p:nvGrpSpPr>
+        <p:grpSpPr>
+          <a:xfrm>
+            <a:off x="0" y="0"/>
+            <a:ext cx="6106332" cy="934335"/>
+            <a:chOff x="0" y="0"/>
+            <a:chExt cx="6106332" cy="934335"/>
+          </a:xfrm>
+        </p:grpSpPr>
+        <p:sp>
+          <p:nvSpPr>
+            <p:cNvPr id="16" name="Rectangle 15"/>
+            <p:cNvSpPr/>
+            <p:nvPr/>
+          </p:nvSpPr>
+          <p:spPr>
+            <a:xfrm>
+              <a:off x="0" y="0"/>
+              <a:ext cx="6106332" cy="934335"/>
+            </a:xfrm>
+            <a:custGeom>
+              <a:avLst/>
+              <a:gdLst>
+                <a:gd name="connsiteX0" fmla="*/ 0 w 6106332"/>
+                <a:gd name="connsiteY0" fmla="*/ 0 h 915285"/>
+                <a:gd name="connsiteX1" fmla="*/ 6106332 w 6106332"/>
+                <a:gd name="connsiteY1" fmla="*/ 0 h 915285"/>
+                <a:gd name="connsiteX2" fmla="*/ 6106332 w 6106332"/>
+                <a:gd name="connsiteY2" fmla="*/ 915285 h 915285"/>
+                <a:gd name="connsiteX3" fmla="*/ 0 w 6106332"/>
+                <a:gd name="connsiteY3" fmla="*/ 915285 h 915285"/>
+                <a:gd name="connsiteX4" fmla="*/ 0 w 6106332"/>
+                <a:gd name="connsiteY4" fmla="*/ 0 h 915285"/>
+                <a:gd name="connsiteX0" fmla="*/ 0 w 6106332"/>
+                <a:gd name="connsiteY0" fmla="*/ 0 h 934335"/>
+                <a:gd name="connsiteX1" fmla="*/ 6106332 w 6106332"/>
+                <a:gd name="connsiteY1" fmla="*/ 0 h 934335"/>
+                <a:gd name="connsiteX2" fmla="*/ 5725332 w 6106332"/>
+                <a:gd name="connsiteY2" fmla="*/ 934335 h 934335"/>
+                <a:gd name="connsiteX3" fmla="*/ 0 w 6106332"/>
+                <a:gd name="connsiteY3" fmla="*/ 915285 h 934335"/>
+                <a:gd name="connsiteX4" fmla="*/ 0 w 6106332"/>
+                <a:gd name="connsiteY4" fmla="*/ 0 h 934335"/>
+              </a:gdLst>
+              <a:ahLst/>
+              <a:cxnLst>
+                <a:cxn ang="0">
+                  <a:pos x="connsiteX0" y="connsiteY0"/>
+                </a:cxn>
+                <a:cxn ang="0">
+                  <a:pos x="connsiteX1" y="connsiteY1"/>
+                </a:cxn>
+                <a:cxn ang="0">
+                  <a:pos x="connsiteX2" y="connsiteY2"/>
+                </a:cxn>
+                <a:cxn ang="0">
+                  <a:pos x="connsiteX3" y="connsiteY3"/>
+                </a:cxn>
+                <a:cxn ang="0">
+                  <a:pos x="connsiteX4" y="connsiteY4"/>
+                </a:cxn>
+              </a:cxnLst>
+              <a:rect l="l" t="t" r="r" b="b"/>
+              <a:pathLst>
+                <a:path w="6106332" h="934335">
+                  <a:moveTo>
+                    <a:pt x="0" y="0"/>
+                  </a:moveTo>
+                  <a:lnTo>
+                    <a:pt x="6106332" y="0"/>
+                  </a:lnTo>
+                  <a:lnTo>
+                    <a:pt x="5725332" y="934335"/>
+                  </a:lnTo>
+                  <a:lnTo>
+                    <a:pt x="0" y="915285"/>
+                  </a:lnTo>
+                  <a:lnTo>
+                    <a:pt x="0" y="0"/>
+                  </a:lnTo>
+                  <a:close/>
+                </a:path>
+              </a:pathLst>
+            </a:custGeom>
+            <a:ln>
+              <a:noFill/>
+            </a:ln>
+          </p:spPr>
+          <p:style>
+            <a:lnRef idx="2">
+              <a:schemeClr val="accent1">
+                <a:shade val="50000"/>
+              </a:schemeClr>
+            </a:lnRef>
+            <a:fillRef idx="1">
+              <a:schemeClr val="accent1"/>
+            </a:fillRef>
+            <a:effectRef idx="0">
+              <a:schemeClr val="accent1"/>
+            </a:effectRef>
+            <a:fontRef idx="minor">
+              <a:schemeClr val="lt1"/>
+            </a:fontRef>
+          </p:style>
+          <p:txBody>
+            <a:bodyPr rtlCol="0" anchor="ctr"/>
+            <a:lstStyle/>
+            <a:p>
+              <a:pPr algn="ctr"/>
+              <a:endParaRPr lang="en-US"/>
+            </a:p>
+          </p:txBody>
+        </p:sp>
+        <p:cxnSp>
+          <p:nvCxnSpPr>
+            <p:cNvPr id="27" name="Straight Connector 26"/>
+            <p:cNvCxnSpPr/>
+            <p:nvPr/>
+          </p:nvCxnSpPr>
+          <p:spPr>
+            <a:xfrm>
+              <a:off x="0" y="452653"/>
+              <a:ext cx="4248150" cy="0"/>
+            </a:xfrm>
+            <a:prstGeom prst="line">
+              <a:avLst/>
+            </a:prstGeom>
+            <a:ln w="50800">
+              <a:solidFill>
+                <a:schemeClr val="bg1"/>
+              </a:solidFill>
+              <a:tailEnd type="diamond"/>
+            </a:ln>
+          </p:spPr>
+          <p:style>
+            <a:lnRef idx="1">
+              <a:schemeClr val="accent1"/>
+            </a:lnRef>
+            <a:fillRef idx="0">
+              <a:schemeClr val="accent1"/>
+            </a:fillRef>
+            <a:effectRef idx="0">
+              <a:schemeClr val="accent1"/>
+            </a:effectRef>
+            <a:fontRef idx="minor">
+              <a:schemeClr val="tx1"/>
+            </a:fontRef>
+          </p:style>
+        </p:cxnSp>
+      </p:grpSp>
+      <p:grpSp>
+        <p:nvGrpSpPr>
+          <p:cNvPr id="34" name="Group 33"/>
+          <p:cNvGrpSpPr/>
+          <p:nvPr/>
+        </p:nvGrpSpPr>
+        <p:grpSpPr>
+          <a:xfrm>
+            <a:off x="6085668" y="5923665"/>
+            <a:ext cx="6106332" cy="934335"/>
+            <a:chOff x="6085668" y="5923665"/>
+            <a:chExt cx="6106332" cy="934335"/>
+          </a:xfrm>
+        </p:grpSpPr>
+        <p:sp>
+          <p:nvSpPr>
+            <p:cNvPr id="25" name="Rectangle 15"/>
+            <p:cNvSpPr/>
+            <p:nvPr/>
+          </p:nvSpPr>
+          <p:spPr>
+            <a:xfrm rot="10800000">
+              <a:off x="6085668" y="5923665"/>
+              <a:ext cx="6106332" cy="934335"/>
+            </a:xfrm>
+            <a:custGeom>
+              <a:avLst/>
+              <a:gdLst>
+                <a:gd name="connsiteX0" fmla="*/ 0 w 6106332"/>
+                <a:gd name="connsiteY0" fmla="*/ 0 h 915285"/>
+                <a:gd name="connsiteX1" fmla="*/ 6106332 w 6106332"/>
+                <a:gd name="connsiteY1" fmla="*/ 0 h 915285"/>
+                <a:gd name="connsiteX2" fmla="*/ 6106332 w 6106332"/>
+                <a:gd name="connsiteY2" fmla="*/ 915285 h 915285"/>
+                <a:gd name="connsiteX3" fmla="*/ 0 w 6106332"/>
+                <a:gd name="connsiteY3" fmla="*/ 915285 h 915285"/>
+                <a:gd name="connsiteX4" fmla="*/ 0 w 6106332"/>
+                <a:gd name="connsiteY4" fmla="*/ 0 h 915285"/>
+                <a:gd name="connsiteX0" fmla="*/ 0 w 6106332"/>
+                <a:gd name="connsiteY0" fmla="*/ 0 h 934335"/>
+                <a:gd name="connsiteX1" fmla="*/ 6106332 w 6106332"/>
+                <a:gd name="connsiteY1" fmla="*/ 0 h 934335"/>
+                <a:gd name="connsiteX2" fmla="*/ 5725332 w 6106332"/>
+                <a:gd name="connsiteY2" fmla="*/ 934335 h 934335"/>
+                <a:gd name="connsiteX3" fmla="*/ 0 w 6106332"/>
+                <a:gd name="connsiteY3" fmla="*/ 915285 h 934335"/>
+                <a:gd name="connsiteX4" fmla="*/ 0 w 6106332"/>
+                <a:gd name="connsiteY4" fmla="*/ 0 h 934335"/>
+              </a:gdLst>
+              <a:ahLst/>
+              <a:cxnLst>
+                <a:cxn ang="0">
+                  <a:pos x="connsiteX0" y="connsiteY0"/>
+                </a:cxn>
+                <a:cxn ang="0">
+                  <a:pos x="connsiteX1" y="connsiteY1"/>
+                </a:cxn>
+                <a:cxn ang="0">
+                  <a:pos x="connsiteX2" y="connsiteY2"/>
+                </a:cxn>
+                <a:cxn ang="0">
+                  <a:pos x="connsiteX3" y="connsiteY3"/>
+                </a:cxn>
+                <a:cxn ang="0">
+                  <a:pos x="connsiteX4" y="connsiteY4"/>
+                </a:cxn>
+              </a:cxnLst>
+              <a:rect l="l" t="t" r="r" b="b"/>
+              <a:pathLst>
+                <a:path w="6106332" h="934335">
+                  <a:moveTo>
+                    <a:pt x="0" y="0"/>
+                  </a:moveTo>
+                  <a:lnTo>
+                    <a:pt x="6106332" y="0"/>
+                  </a:lnTo>
+                  <a:lnTo>
+                    <a:pt x="5725332" y="934335"/>
+                  </a:lnTo>
+                  <a:lnTo>
+                    <a:pt x="0" y="915285"/>
+                  </a:lnTo>
+                  <a:lnTo>
+                    <a:pt x="0" y="0"/>
+                  </a:lnTo>
+                  <a:close/>
+                </a:path>
+              </a:pathLst>
+            </a:custGeom>
             <a:solidFill>
-              <a:schemeClr val="tx1">
-                <a:lumMod val="85000"/>
-                <a:lumOff val="15000"/>
+              <a:schemeClr val="accent2"/>
+            </a:solidFill>
+            <a:ln>
+              <a:noFill/>
+            </a:ln>
+          </p:spPr>
+          <p:style>
+            <a:lnRef idx="2">
+              <a:schemeClr val="accent1">
+                <a:shade val="50000"/>
               </a:schemeClr>
-            </a:solidFill>
-          </a:ln>
-        </p:spPr>
-        <p:style>
-          <a:lnRef idx="1">
-            <a:schemeClr val="accent1"/>
-          </a:lnRef>
-          <a:fillRef idx="0">
-            <a:schemeClr val="accent1"/>
-          </a:fillRef>
-          <a:effectRef idx="0">
-            <a:schemeClr val="accent1"/>
-          </a:effectRef>
-          <a:fontRef idx="minor">
-            <a:schemeClr val="tx1"/>
-          </a:fontRef>
-        </p:style>
-      </p:cxnSp>
-      <p:sp>
-        <p:nvSpPr>
-          <p:cNvPr id="71" name="Oval 61">
-            <a:extLst>
-              <a:ext uri="{FF2B5EF4-FFF2-40B4-BE49-F238E27FC236}">
-                <a16:creationId xmlns:a16="http://schemas.microsoft.com/office/drawing/2014/main" id="{8482FDCF-45F3-40F1-8751-19B7AFB3CFCE}"/>
-              </a:ext>
-              <a:ext uri="{C183D7F6-B498-43B3-948B-1728B52AA6E4}">
-                <adec:decorative xmlns:adec="http://schemas.microsoft.com/office/drawing/2017/decorative" val="1"/>
-              </a:ext>
-            </a:extLst>
-          </p:cNvPr>
-          <p:cNvSpPr>
-            <a:spLocks noGrp="1" noRot="1" noChangeAspect="1" noMove="1" noResize="1" noEditPoints="1" noAdjustHandles="1" noChangeArrowheads="1" noChangeShapeType="1" noTextEdit="1"/>
-          </p:cNvSpPr>
-          <p:nvPr>
-            <p:extLst>
-              <p:ext uri="{386F3935-93C4-4BCD-93E2-E3B085C9AB24}">
-                <p16:designElem xmlns:p16="http://schemas.microsoft.com/office/powerpoint/2015/main" val="1"/>
-              </p:ext>
-            </p:extLst>
-          </p:nvPr>
-        </p:nvSpPr>
-        <p:spPr>
-          <a:xfrm>
-            <a:off x="8134348" y="1005839"/>
-            <a:ext cx="3444236" cy="3444236"/>
-          </a:xfrm>
-          <a:prstGeom prst="ellipse">
-            <a:avLst/>
-          </a:prstGeom>
-          <a:solidFill>
-            <a:schemeClr val="tx1">
-              <a:alpha val="50000"/>
-            </a:schemeClr>
-          </a:solidFill>
-          <a:ln>
-            <a:noFill/>
-          </a:ln>
-        </p:spPr>
-        <p:style>
-          <a:lnRef idx="2">
-            <a:schemeClr val="accent1">
-              <a:shade val="50000"/>
-            </a:schemeClr>
-          </a:lnRef>
-          <a:fillRef idx="1">
-            <a:schemeClr val="accent1"/>
-          </a:fillRef>
-          <a:effectRef idx="0">
-            <a:schemeClr val="accent1"/>
-          </a:effectRef>
-          <a:fontRef idx="minor">
-            <a:schemeClr val="lt1"/>
-          </a:fontRef>
-        </p:style>
-        <p:txBody>
-          <a:bodyPr rtlCol="0" anchor="ctr"/>
-          <a:lstStyle/>
-          <a:p>
-            <a:pPr marL="0" marR="0" lvl="0" indent="0" algn="ctr" defTabSz="914400" rtl="0" eaLnBrk="1" fontAlgn="auto" latinLnBrk="0" hangingPunct="1">
-              <a:lnSpc>
-                <a:spcPct val="100000"/>
-              </a:lnSpc>
-              <a:spcBef>
-                <a:spcPts val="0"/>
-              </a:spcBef>
-              <a:spcAft>
-                <a:spcPts val="0"/>
-              </a:spcAft>
-              <a:buClrTx/>
-              <a:buSzTx/>
-              <a:buFontTx/>
-              <a:buNone/>
-              <a:tabLst/>
-              <a:defRPr/>
-            </a:pPr>
-            <a:endParaRPr kumimoji="0" lang="en-US" sz="1800" b="0" i="0" u="none" strike="noStrike" kern="1200" cap="none" spc="0" normalizeH="0" baseline="0" noProof="0">
-              <a:ln>
-                <a:noFill/>
-              </a:ln>
+            </a:lnRef>
+            <a:fillRef idx="1">
+              <a:schemeClr val="accent1"/>
+            </a:fillRef>
+            <a:effectRef idx="0">
+              <a:schemeClr val="accent1"/>
+            </a:effectRef>
+            <a:fontRef idx="minor">
+              <a:schemeClr val="lt1"/>
+            </a:fontRef>
+          </p:style>
+          <p:txBody>
+            <a:bodyPr rtlCol="0" anchor="ctr"/>
+            <a:lstStyle/>
+            <a:p>
+              <a:pPr algn="ctr"/>
+              <a:endParaRPr lang="en-US">
+                <a:solidFill>
+                  <a:schemeClr val="accent2"/>
+                </a:solidFill>
+              </a:endParaRPr>
+            </a:p>
+          </p:txBody>
+        </p:sp>
+        <p:cxnSp>
+          <p:nvCxnSpPr>
+            <p:cNvPr id="33" name="Straight Connector 32"/>
+            <p:cNvCxnSpPr/>
+            <p:nvPr/>
+          </p:nvCxnSpPr>
+          <p:spPr>
+            <a:xfrm rot="10800000">
+              <a:off x="7943850" y="6405346"/>
+              <a:ext cx="4248150" cy="0"/>
+            </a:xfrm>
+            <a:prstGeom prst="line">
+              <a:avLst/>
+            </a:prstGeom>
+            <a:ln w="50800">
               <a:solidFill>
-                <a:prstClr val="white"/>
+                <a:schemeClr val="bg1"/>
               </a:solidFill>
-              <a:effectLst/>
-              <a:uLnTx/>
-              <a:uFillTx/>
-              <a:latin typeface="Calibri" panose="020F0502020204030204"/>
-              <a:ea typeface="+mn-ea"/>
-              <a:cs typeface="+mn-cs"/>
-            </a:endParaRPr>
-          </a:p>
-        </p:txBody>
-      </p:sp>
+              <a:tailEnd type="diamond"/>
+            </a:ln>
+          </p:spPr>
+          <p:style>
+            <a:lnRef idx="1">
+              <a:schemeClr val="accent1"/>
+            </a:lnRef>
+            <a:fillRef idx="0">
+              <a:schemeClr val="accent1"/>
+            </a:fillRef>
+            <a:effectRef idx="0">
+              <a:schemeClr val="accent1"/>
+            </a:effectRef>
+            <a:fontRef idx="minor">
+              <a:schemeClr val="tx1"/>
+            </a:fontRef>
+          </p:style>
+        </p:cxnSp>
+      </p:grpSp>
     </p:spTree>
     <p:extLst>
       <p:ext uri="{BB962C8B-B14F-4D97-AF65-F5344CB8AC3E}">
-        <p14:creationId xmlns:p14="http://schemas.microsoft.com/office/powerpoint/2010/main" val="1132949841"/>
+        <p14:creationId xmlns:p14="http://schemas.microsoft.com/office/powerpoint/2010/main" val="2471111618"/>
       </p:ext>
     </p:extLst>
   </p:cSld>
@@ -6204,7 +7733,247 @@
 </p:sld>
 </file>
 
-<file path=ppt/slides/slide12.xml><?xml version="1.0" encoding="utf-8"?>
+<file path=ppt/slides/slide15.xml><?xml version="1.0" encoding="utf-8"?>
+<p:sld xmlns:a="http://schemas.openxmlformats.org/drawingml/2006/main" xmlns:r="http://schemas.openxmlformats.org/officeDocument/2006/relationships" xmlns:p="http://schemas.openxmlformats.org/presentationml/2006/main">
+  <p:cSld>
+    <p:spTree>
+      <p:nvGrpSpPr>
+        <p:cNvPr id="1" name=""/>
+        <p:cNvGrpSpPr/>
+        <p:nvPr/>
+      </p:nvGrpSpPr>
+      <p:grpSpPr>
+        <a:xfrm>
+          <a:off x="0" y="0"/>
+          <a:ext cx="0" cy="0"/>
+          <a:chOff x="0" y="0"/>
+          <a:chExt cx="0" cy="0"/>
+        </a:xfrm>
+      </p:grpSpPr>
+      <p:pic>
+        <p:nvPicPr>
+          <p:cNvPr id="8" name="图片 7" descr="电脑屏幕的截图&#10;&#10;描述已自动生成">
+            <a:extLst>
+              <a:ext uri="{FF2B5EF4-FFF2-40B4-BE49-F238E27FC236}">
+                <a16:creationId xmlns:a16="http://schemas.microsoft.com/office/drawing/2014/main" id="{7989B447-82E4-41B3-B820-DE300A3C918F}"/>
+              </a:ext>
+            </a:extLst>
+          </p:cNvPr>
+          <p:cNvPicPr>
+            <a:picLocks noChangeAspect="1"/>
+          </p:cNvPicPr>
+          <p:nvPr/>
+        </p:nvPicPr>
+        <p:blipFill rotWithShape="1">
+          <a:blip r:embed="rId2">
+            <a:extLst>
+              <a:ext uri="{28A0092B-C50C-407E-A947-70E740481C1C}">
+                <a14:useLocalDpi xmlns:a14="http://schemas.microsoft.com/office/drawing/2010/main" val="0"/>
+              </a:ext>
+            </a:extLst>
+          </a:blip>
+          <a:srcRect r="5" b="1278"/>
+          <a:stretch/>
+        </p:blipFill>
+        <p:spPr>
+          <a:xfrm>
+            <a:off x="20" y="-38100"/>
+            <a:ext cx="4003019" cy="3388883"/>
+          </a:xfrm>
+          <a:prstGeom prst="rect">
+            <a:avLst/>
+          </a:prstGeom>
+        </p:spPr>
+      </p:pic>
+      <p:pic>
+        <p:nvPicPr>
+          <p:cNvPr id="17" name="图片 16" descr="图片包含 游戏机&#10;&#10;描述已自动生成">
+            <a:extLst>
+              <a:ext uri="{FF2B5EF4-FFF2-40B4-BE49-F238E27FC236}">
+                <a16:creationId xmlns:a16="http://schemas.microsoft.com/office/drawing/2014/main" id="{8010AFEE-CAA8-40F1-B57D-5B65C458A50B}"/>
+              </a:ext>
+            </a:extLst>
+          </p:cNvPr>
+          <p:cNvPicPr>
+            <a:picLocks noChangeAspect="1"/>
+          </p:cNvPicPr>
+          <p:nvPr/>
+        </p:nvPicPr>
+        <p:blipFill rotWithShape="1">
+          <a:blip r:embed="rId3">
+            <a:extLst>
+              <a:ext uri="{28A0092B-C50C-407E-A947-70E740481C1C}">
+                <a14:useLocalDpi xmlns:a14="http://schemas.microsoft.com/office/drawing/2010/main" val="0"/>
+              </a:ext>
+            </a:extLst>
+          </a:blip>
+          <a:srcRect r="-1" b="1706"/>
+          <a:stretch/>
+        </p:blipFill>
+        <p:spPr>
+          <a:xfrm>
+            <a:off x="4094479" y="10"/>
+            <a:ext cx="4014047" cy="3383270"/>
+          </a:xfrm>
+          <a:prstGeom prst="rect">
+            <a:avLst/>
+          </a:prstGeom>
+        </p:spPr>
+      </p:pic>
+      <p:pic>
+        <p:nvPicPr>
+          <p:cNvPr id="4" name="图片 3" descr="图片包含 游戏机, 文字&#10;&#10;描述已自动生成">
+            <a:extLst>
+              <a:ext uri="{FF2B5EF4-FFF2-40B4-BE49-F238E27FC236}">
+                <a16:creationId xmlns:a16="http://schemas.microsoft.com/office/drawing/2014/main" id="{6C278997-3F6D-45BF-99D0-6C326CFFFC04}"/>
+              </a:ext>
+            </a:extLst>
+          </p:cNvPr>
+          <p:cNvPicPr>
+            <a:picLocks noChangeAspect="1"/>
+          </p:cNvPicPr>
+          <p:nvPr/>
+        </p:nvPicPr>
+        <p:blipFill rotWithShape="1">
+          <a:blip r:embed="rId4">
+            <a:extLst>
+              <a:ext uri="{28A0092B-C50C-407E-A947-70E740481C1C}">
+                <a14:useLocalDpi xmlns:a14="http://schemas.microsoft.com/office/drawing/2010/main" val="0"/>
+              </a:ext>
+            </a:extLst>
+          </a:blip>
+          <a:srcRect r="4" b="1441"/>
+          <a:stretch/>
+        </p:blipFill>
+        <p:spPr>
+          <a:xfrm>
+            <a:off x="8188960" y="10"/>
+            <a:ext cx="4003039" cy="3383270"/>
+          </a:xfrm>
+          <a:prstGeom prst="rect">
+            <a:avLst/>
+          </a:prstGeom>
+        </p:spPr>
+      </p:pic>
+      <p:pic>
+        <p:nvPicPr>
+          <p:cNvPr id="15" name="图片 14" descr="图片包含 游戏机&#10;&#10;描述已自动生成">
+            <a:extLst>
+              <a:ext uri="{FF2B5EF4-FFF2-40B4-BE49-F238E27FC236}">
+                <a16:creationId xmlns:a16="http://schemas.microsoft.com/office/drawing/2014/main" id="{F152F1BF-54F1-4597-86A8-3CD608613BBB}"/>
+              </a:ext>
+            </a:extLst>
+          </p:cNvPr>
+          <p:cNvPicPr>
+            <a:picLocks noChangeAspect="1"/>
+          </p:cNvPicPr>
+          <p:nvPr/>
+        </p:nvPicPr>
+        <p:blipFill rotWithShape="1">
+          <a:blip r:embed="rId5">
+            <a:extLst>
+              <a:ext uri="{28A0092B-C50C-407E-A947-70E740481C1C}">
+                <a14:useLocalDpi xmlns:a14="http://schemas.microsoft.com/office/drawing/2010/main" val="0"/>
+              </a:ext>
+            </a:extLst>
+          </a:blip>
+          <a:srcRect r="5" b="1277"/>
+          <a:stretch/>
+        </p:blipFill>
+        <p:spPr>
+          <a:xfrm>
+            <a:off x="20" y="3469102"/>
+            <a:ext cx="4003019" cy="3388893"/>
+          </a:xfrm>
+          <a:prstGeom prst="rect">
+            <a:avLst/>
+          </a:prstGeom>
+        </p:spPr>
+      </p:pic>
+      <p:pic>
+        <p:nvPicPr>
+          <p:cNvPr id="13" name="图片 12" descr="手机屏幕截图&#10;&#10;描述已自动生成">
+            <a:extLst>
+              <a:ext uri="{FF2B5EF4-FFF2-40B4-BE49-F238E27FC236}">
+                <a16:creationId xmlns:a16="http://schemas.microsoft.com/office/drawing/2014/main" id="{61372D6B-7DB9-4CAF-BA6B-BC05D3C9B72D}"/>
+              </a:ext>
+            </a:extLst>
+          </p:cNvPr>
+          <p:cNvPicPr>
+            <a:picLocks noChangeAspect="1"/>
+          </p:cNvPicPr>
+          <p:nvPr/>
+        </p:nvPicPr>
+        <p:blipFill rotWithShape="1">
+          <a:blip r:embed="rId6">
+            <a:extLst>
+              <a:ext uri="{28A0092B-C50C-407E-A947-70E740481C1C}">
+                <a14:useLocalDpi xmlns:a14="http://schemas.microsoft.com/office/drawing/2010/main" val="0"/>
+              </a:ext>
+            </a:extLst>
+          </a:blip>
+          <a:srcRect t="24" r="-1" b="1682"/>
+          <a:stretch/>
+        </p:blipFill>
+        <p:spPr>
+          <a:xfrm>
+            <a:off x="4094479" y="3469102"/>
+            <a:ext cx="4014047" cy="3383280"/>
+          </a:xfrm>
+          <a:prstGeom prst="rect">
+            <a:avLst/>
+          </a:prstGeom>
+        </p:spPr>
+      </p:pic>
+      <p:pic>
+        <p:nvPicPr>
+          <p:cNvPr id="6" name="图片 5">
+            <a:extLst>
+              <a:ext uri="{FF2B5EF4-FFF2-40B4-BE49-F238E27FC236}">
+                <a16:creationId xmlns:a16="http://schemas.microsoft.com/office/drawing/2014/main" id="{8E4B38EE-CFA3-43D7-A07A-0B0348FFB078}"/>
+              </a:ext>
+            </a:extLst>
+          </p:cNvPr>
+          <p:cNvPicPr>
+            <a:picLocks noChangeAspect="1"/>
+          </p:cNvPicPr>
+          <p:nvPr/>
+        </p:nvPicPr>
+        <p:blipFill>
+          <a:blip r:embed="rId7">
+            <a:extLst>
+              <a:ext uri="{28A0092B-C50C-407E-A947-70E740481C1C}">
+                <a14:useLocalDpi xmlns:a14="http://schemas.microsoft.com/office/drawing/2010/main" val="0"/>
+              </a:ext>
+            </a:extLst>
+          </a:blip>
+          <a:srcRect/>
+          <a:stretch/>
+        </p:blipFill>
+        <p:spPr>
+          <a:xfrm>
+            <a:off x="8219129" y="3469102"/>
+            <a:ext cx="3953708" cy="3388893"/>
+          </a:xfrm>
+          <a:prstGeom prst="rect">
+            <a:avLst/>
+          </a:prstGeom>
+        </p:spPr>
+      </p:pic>
+    </p:spTree>
+    <p:extLst>
+      <p:ext uri="{BB962C8B-B14F-4D97-AF65-F5344CB8AC3E}">
+        <p14:creationId xmlns:p14="http://schemas.microsoft.com/office/powerpoint/2010/main" val="114222969"/>
+      </p:ext>
+    </p:extLst>
+  </p:cSld>
+  <p:clrMapOvr>
+    <a:masterClrMapping/>
+  </p:clrMapOvr>
+</p:sld>
+</file>
+
+<file path=ppt/slides/slide16.xml><?xml version="1.0" encoding="utf-8"?>
 <p:sld xmlns:a="http://schemas.openxmlformats.org/drawingml/2006/main" xmlns:r="http://schemas.openxmlformats.org/officeDocument/2006/relationships" xmlns:p="http://schemas.openxmlformats.org/presentationml/2006/main">
   <p:cSld>
     <p:bg>
@@ -6256,7 +8025,7 @@
         </p:blipFill>
         <p:spPr>
           <a:xfrm>
-            <a:off x="20" y="10"/>
+            <a:off x="20" y="-38100"/>
             <a:ext cx="4003019" cy="3388883"/>
           </a:xfrm>
           <a:prstGeom prst="rect">
@@ -6439,6 +8208,666 @@
           </a:prstGeom>
         </p:spPr>
       </p:pic>
+      <p:sp>
+        <p:nvSpPr>
+          <p:cNvPr id="2" name="矩形 1">
+            <a:extLst>
+              <a:ext uri="{FF2B5EF4-FFF2-40B4-BE49-F238E27FC236}">
+                <a16:creationId xmlns:a16="http://schemas.microsoft.com/office/drawing/2014/main" id="{CBD73A76-CBF8-4ED9-80C5-75027F2A53CE}"/>
+              </a:ext>
+            </a:extLst>
+          </p:cNvPr>
+          <p:cNvSpPr/>
+          <p:nvPr/>
+        </p:nvSpPr>
+        <p:spPr>
+          <a:xfrm>
+            <a:off x="457200" y="1085850"/>
+            <a:ext cx="1066800" cy="1781175"/>
+          </a:xfrm>
+          <a:prstGeom prst="rect">
+            <a:avLst/>
+          </a:prstGeom>
+          <a:noFill/>
+          <a:ln w="57150">
+            <a:solidFill>
+              <a:schemeClr val="accent1">
+                <a:lumMod val="60000"/>
+                <a:lumOff val="40000"/>
+              </a:schemeClr>
+            </a:solidFill>
+          </a:ln>
+        </p:spPr>
+        <p:style>
+          <a:lnRef idx="2">
+            <a:schemeClr val="accent1">
+              <a:shade val="50000"/>
+            </a:schemeClr>
+          </a:lnRef>
+          <a:fillRef idx="1">
+            <a:schemeClr val="accent1"/>
+          </a:fillRef>
+          <a:effectRef idx="0">
+            <a:schemeClr val="accent1"/>
+          </a:effectRef>
+          <a:fontRef idx="minor">
+            <a:schemeClr val="lt1"/>
+          </a:fontRef>
+        </p:style>
+        <p:txBody>
+          <a:bodyPr rtlCol="0" anchor="ctr"/>
+          <a:lstStyle/>
+          <a:p>
+            <a:pPr algn="ctr"/>
+            <a:endParaRPr lang="en-US"/>
+          </a:p>
+        </p:txBody>
+      </p:sp>
+      <p:sp>
+        <p:nvSpPr>
+          <p:cNvPr id="9" name="矩形 8">
+            <a:extLst>
+              <a:ext uri="{FF2B5EF4-FFF2-40B4-BE49-F238E27FC236}">
+                <a16:creationId xmlns:a16="http://schemas.microsoft.com/office/drawing/2014/main" id="{D840DC99-C7A4-4A80-AEC4-EDD9D58244EC}"/>
+              </a:ext>
+            </a:extLst>
+          </p:cNvPr>
+          <p:cNvSpPr/>
+          <p:nvPr/>
+        </p:nvSpPr>
+        <p:spPr>
+          <a:xfrm>
+            <a:off x="4512078" y="1162049"/>
+            <a:ext cx="1066800" cy="1781175"/>
+          </a:xfrm>
+          <a:prstGeom prst="rect">
+            <a:avLst/>
+          </a:prstGeom>
+          <a:noFill/>
+          <a:ln w="57150">
+            <a:solidFill>
+              <a:schemeClr val="accent1">
+                <a:lumMod val="60000"/>
+                <a:lumOff val="40000"/>
+              </a:schemeClr>
+            </a:solidFill>
+          </a:ln>
+        </p:spPr>
+        <p:style>
+          <a:lnRef idx="2">
+            <a:schemeClr val="accent1">
+              <a:shade val="50000"/>
+            </a:schemeClr>
+          </a:lnRef>
+          <a:fillRef idx="1">
+            <a:schemeClr val="accent1"/>
+          </a:fillRef>
+          <a:effectRef idx="0">
+            <a:schemeClr val="accent1"/>
+          </a:effectRef>
+          <a:fontRef idx="minor">
+            <a:schemeClr val="lt1"/>
+          </a:fontRef>
+        </p:style>
+        <p:txBody>
+          <a:bodyPr rtlCol="0" anchor="ctr"/>
+          <a:lstStyle/>
+          <a:p>
+            <a:pPr algn="ctr"/>
+            <a:endParaRPr lang="en-US"/>
+          </a:p>
+        </p:txBody>
+      </p:sp>
+      <p:sp>
+        <p:nvSpPr>
+          <p:cNvPr id="11" name="矩形 10">
+            <a:extLst>
+              <a:ext uri="{FF2B5EF4-FFF2-40B4-BE49-F238E27FC236}">
+                <a16:creationId xmlns:a16="http://schemas.microsoft.com/office/drawing/2014/main" id="{F48F50C3-E736-4FBA-AFCF-083E559D1822}"/>
+              </a:ext>
+            </a:extLst>
+          </p:cNvPr>
+          <p:cNvSpPr/>
+          <p:nvPr/>
+        </p:nvSpPr>
+        <p:spPr>
+          <a:xfrm>
+            <a:off x="429367" y="4587243"/>
+            <a:ext cx="1066800" cy="1781175"/>
+          </a:xfrm>
+          <a:prstGeom prst="rect">
+            <a:avLst/>
+          </a:prstGeom>
+          <a:noFill/>
+          <a:ln w="57150">
+            <a:solidFill>
+              <a:schemeClr val="accent1">
+                <a:lumMod val="60000"/>
+                <a:lumOff val="40000"/>
+              </a:schemeClr>
+            </a:solidFill>
+          </a:ln>
+        </p:spPr>
+        <p:style>
+          <a:lnRef idx="2">
+            <a:schemeClr val="accent1">
+              <a:shade val="50000"/>
+            </a:schemeClr>
+          </a:lnRef>
+          <a:fillRef idx="1">
+            <a:schemeClr val="accent1"/>
+          </a:fillRef>
+          <a:effectRef idx="0">
+            <a:schemeClr val="accent1"/>
+          </a:effectRef>
+          <a:fontRef idx="minor">
+            <a:schemeClr val="lt1"/>
+          </a:fontRef>
+        </p:style>
+        <p:txBody>
+          <a:bodyPr rtlCol="0" anchor="ctr"/>
+          <a:lstStyle/>
+          <a:p>
+            <a:pPr algn="ctr"/>
+            <a:endParaRPr lang="en-US"/>
+          </a:p>
+        </p:txBody>
+      </p:sp>
+      <p:sp>
+        <p:nvSpPr>
+          <p:cNvPr id="12" name="矩形 11">
+            <a:extLst>
+              <a:ext uri="{FF2B5EF4-FFF2-40B4-BE49-F238E27FC236}">
+                <a16:creationId xmlns:a16="http://schemas.microsoft.com/office/drawing/2014/main" id="{F7C61F12-3968-43B7-BEC2-68C519D533F1}"/>
+              </a:ext>
+            </a:extLst>
+          </p:cNvPr>
+          <p:cNvSpPr/>
+          <p:nvPr/>
+        </p:nvSpPr>
+        <p:spPr>
+          <a:xfrm>
+            <a:off x="4518472" y="4596768"/>
+            <a:ext cx="1066800" cy="1781175"/>
+          </a:xfrm>
+          <a:prstGeom prst="rect">
+            <a:avLst/>
+          </a:prstGeom>
+          <a:noFill/>
+          <a:ln w="57150">
+            <a:solidFill>
+              <a:schemeClr val="accent1">
+                <a:lumMod val="60000"/>
+                <a:lumOff val="40000"/>
+              </a:schemeClr>
+            </a:solidFill>
+          </a:ln>
+        </p:spPr>
+        <p:style>
+          <a:lnRef idx="2">
+            <a:schemeClr val="accent1">
+              <a:shade val="50000"/>
+            </a:schemeClr>
+          </a:lnRef>
+          <a:fillRef idx="1">
+            <a:schemeClr val="accent1"/>
+          </a:fillRef>
+          <a:effectRef idx="0">
+            <a:schemeClr val="accent1"/>
+          </a:effectRef>
+          <a:fontRef idx="minor">
+            <a:schemeClr val="lt1"/>
+          </a:fontRef>
+        </p:style>
+        <p:txBody>
+          <a:bodyPr rtlCol="0" anchor="ctr"/>
+          <a:lstStyle/>
+          <a:p>
+            <a:pPr algn="ctr"/>
+            <a:endParaRPr lang="en-US"/>
+          </a:p>
+        </p:txBody>
+      </p:sp>
+      <p:sp>
+        <p:nvSpPr>
+          <p:cNvPr id="14" name="矩形 13">
+            <a:extLst>
+              <a:ext uri="{FF2B5EF4-FFF2-40B4-BE49-F238E27FC236}">
+                <a16:creationId xmlns:a16="http://schemas.microsoft.com/office/drawing/2014/main" id="{D61AB2A2-67B8-4586-9E75-9F54C70FA24B}"/>
+              </a:ext>
+            </a:extLst>
+          </p:cNvPr>
+          <p:cNvSpPr/>
+          <p:nvPr/>
+        </p:nvSpPr>
+        <p:spPr>
+          <a:xfrm>
+            <a:off x="8667750" y="4528163"/>
+            <a:ext cx="1066800" cy="1781175"/>
+          </a:xfrm>
+          <a:prstGeom prst="rect">
+            <a:avLst/>
+          </a:prstGeom>
+          <a:noFill/>
+          <a:ln w="57150">
+            <a:solidFill>
+              <a:schemeClr val="accent1">
+                <a:lumMod val="60000"/>
+                <a:lumOff val="40000"/>
+              </a:schemeClr>
+            </a:solidFill>
+          </a:ln>
+        </p:spPr>
+        <p:style>
+          <a:lnRef idx="2">
+            <a:schemeClr val="accent1">
+              <a:shade val="50000"/>
+            </a:schemeClr>
+          </a:lnRef>
+          <a:fillRef idx="1">
+            <a:schemeClr val="accent1"/>
+          </a:fillRef>
+          <a:effectRef idx="0">
+            <a:schemeClr val="accent1"/>
+          </a:effectRef>
+          <a:fontRef idx="minor">
+            <a:schemeClr val="lt1"/>
+          </a:fontRef>
+        </p:style>
+        <p:txBody>
+          <a:bodyPr rtlCol="0" anchor="ctr"/>
+          <a:lstStyle/>
+          <a:p>
+            <a:pPr algn="ctr"/>
+            <a:endParaRPr lang="en-US"/>
+          </a:p>
+        </p:txBody>
+      </p:sp>
+      <p:sp>
+        <p:nvSpPr>
+          <p:cNvPr id="16" name="矩形 15">
+            <a:extLst>
+              <a:ext uri="{FF2B5EF4-FFF2-40B4-BE49-F238E27FC236}">
+                <a16:creationId xmlns:a16="http://schemas.microsoft.com/office/drawing/2014/main" id="{EB98FC67-6175-4D32-9478-9B3357D66613}"/>
+              </a:ext>
+            </a:extLst>
+          </p:cNvPr>
+          <p:cNvSpPr/>
+          <p:nvPr/>
+        </p:nvSpPr>
+        <p:spPr>
+          <a:xfrm>
+            <a:off x="8667750" y="1162049"/>
+            <a:ext cx="1066800" cy="1781175"/>
+          </a:xfrm>
+          <a:prstGeom prst="rect">
+            <a:avLst/>
+          </a:prstGeom>
+          <a:noFill/>
+          <a:ln w="57150">
+            <a:solidFill>
+              <a:schemeClr val="accent1">
+                <a:lumMod val="60000"/>
+                <a:lumOff val="40000"/>
+              </a:schemeClr>
+            </a:solidFill>
+          </a:ln>
+        </p:spPr>
+        <p:style>
+          <a:lnRef idx="2">
+            <a:schemeClr val="accent1">
+              <a:shade val="50000"/>
+            </a:schemeClr>
+          </a:lnRef>
+          <a:fillRef idx="1">
+            <a:schemeClr val="accent1"/>
+          </a:fillRef>
+          <a:effectRef idx="0">
+            <a:schemeClr val="accent1"/>
+          </a:effectRef>
+          <a:fontRef idx="minor">
+            <a:schemeClr val="lt1"/>
+          </a:fontRef>
+        </p:style>
+        <p:txBody>
+          <a:bodyPr rtlCol="0" anchor="ctr"/>
+          <a:lstStyle/>
+          <a:p>
+            <a:pPr algn="ctr"/>
+            <a:endParaRPr lang="en-US"/>
+          </a:p>
+        </p:txBody>
+      </p:sp>
+      <p:sp>
+        <p:nvSpPr>
+          <p:cNvPr id="18" name="矩形 17">
+            <a:extLst>
+              <a:ext uri="{FF2B5EF4-FFF2-40B4-BE49-F238E27FC236}">
+                <a16:creationId xmlns:a16="http://schemas.microsoft.com/office/drawing/2014/main" id="{B7CC611E-E7D1-4737-B6BB-F6A488EE84AD}"/>
+              </a:ext>
+            </a:extLst>
+          </p:cNvPr>
+          <p:cNvSpPr/>
+          <p:nvPr/>
+        </p:nvSpPr>
+        <p:spPr>
+          <a:xfrm>
+            <a:off x="1575859" y="1085849"/>
+            <a:ext cx="1066800" cy="1781175"/>
+          </a:xfrm>
+          <a:prstGeom prst="rect">
+            <a:avLst/>
+          </a:prstGeom>
+          <a:noFill/>
+          <a:ln w="57150">
+            <a:solidFill>
+              <a:schemeClr val="accent4">
+                <a:lumMod val="60000"/>
+                <a:lumOff val="40000"/>
+              </a:schemeClr>
+            </a:solidFill>
+          </a:ln>
+        </p:spPr>
+        <p:style>
+          <a:lnRef idx="2">
+            <a:schemeClr val="accent1">
+              <a:shade val="50000"/>
+            </a:schemeClr>
+          </a:lnRef>
+          <a:fillRef idx="1">
+            <a:schemeClr val="accent1"/>
+          </a:fillRef>
+          <a:effectRef idx="0">
+            <a:schemeClr val="accent1"/>
+          </a:effectRef>
+          <a:fontRef idx="minor">
+            <a:schemeClr val="lt1"/>
+          </a:fontRef>
+        </p:style>
+        <p:txBody>
+          <a:bodyPr rtlCol="0" anchor="ctr"/>
+          <a:lstStyle/>
+          <a:p>
+            <a:pPr algn="ctr"/>
+            <a:endParaRPr lang="en-US"/>
+          </a:p>
+        </p:txBody>
+      </p:sp>
+      <p:sp>
+        <p:nvSpPr>
+          <p:cNvPr id="21" name="矩形 20">
+            <a:extLst>
+              <a:ext uri="{FF2B5EF4-FFF2-40B4-BE49-F238E27FC236}">
+                <a16:creationId xmlns:a16="http://schemas.microsoft.com/office/drawing/2014/main" id="{91681975-19DA-4852-A8F9-E68743B2DCC8}"/>
+              </a:ext>
+            </a:extLst>
+          </p:cNvPr>
+          <p:cNvSpPr/>
+          <p:nvPr/>
+        </p:nvSpPr>
+        <p:spPr>
+          <a:xfrm>
+            <a:off x="5630992" y="1162049"/>
+            <a:ext cx="1066800" cy="1781175"/>
+          </a:xfrm>
+          <a:prstGeom prst="rect">
+            <a:avLst/>
+          </a:prstGeom>
+          <a:noFill/>
+          <a:ln w="57150">
+            <a:solidFill>
+              <a:schemeClr val="accent4">
+                <a:lumMod val="60000"/>
+                <a:lumOff val="40000"/>
+              </a:schemeClr>
+            </a:solidFill>
+          </a:ln>
+        </p:spPr>
+        <p:style>
+          <a:lnRef idx="2">
+            <a:schemeClr val="accent1">
+              <a:shade val="50000"/>
+            </a:schemeClr>
+          </a:lnRef>
+          <a:fillRef idx="1">
+            <a:schemeClr val="accent1"/>
+          </a:fillRef>
+          <a:effectRef idx="0">
+            <a:schemeClr val="accent1"/>
+          </a:effectRef>
+          <a:fontRef idx="minor">
+            <a:schemeClr val="lt1"/>
+          </a:fontRef>
+        </p:style>
+        <p:txBody>
+          <a:bodyPr rtlCol="0" anchor="ctr"/>
+          <a:lstStyle/>
+          <a:p>
+            <a:pPr algn="ctr"/>
+            <a:endParaRPr lang="en-US"/>
+          </a:p>
+        </p:txBody>
+      </p:sp>
+      <p:sp>
+        <p:nvSpPr>
+          <p:cNvPr id="22" name="矩形 21">
+            <a:extLst>
+              <a:ext uri="{FF2B5EF4-FFF2-40B4-BE49-F238E27FC236}">
+                <a16:creationId xmlns:a16="http://schemas.microsoft.com/office/drawing/2014/main" id="{7668A427-7CE8-42C6-AACE-1D7E381A70EA}"/>
+              </a:ext>
+            </a:extLst>
+          </p:cNvPr>
+          <p:cNvSpPr/>
+          <p:nvPr/>
+        </p:nvSpPr>
+        <p:spPr>
+          <a:xfrm>
+            <a:off x="9814984" y="1162049"/>
+            <a:ext cx="1066800" cy="1781175"/>
+          </a:xfrm>
+          <a:prstGeom prst="rect">
+            <a:avLst/>
+          </a:prstGeom>
+          <a:noFill/>
+          <a:ln w="57150">
+            <a:solidFill>
+              <a:schemeClr val="accent4">
+                <a:lumMod val="60000"/>
+                <a:lumOff val="40000"/>
+              </a:schemeClr>
+            </a:solidFill>
+          </a:ln>
+        </p:spPr>
+        <p:style>
+          <a:lnRef idx="2">
+            <a:schemeClr val="accent1">
+              <a:shade val="50000"/>
+            </a:schemeClr>
+          </a:lnRef>
+          <a:fillRef idx="1">
+            <a:schemeClr val="accent1"/>
+          </a:fillRef>
+          <a:effectRef idx="0">
+            <a:schemeClr val="accent1"/>
+          </a:effectRef>
+          <a:fontRef idx="minor">
+            <a:schemeClr val="lt1"/>
+          </a:fontRef>
+        </p:style>
+        <p:txBody>
+          <a:bodyPr rtlCol="0" anchor="ctr"/>
+          <a:lstStyle/>
+          <a:p>
+            <a:pPr algn="ctr"/>
+            <a:endParaRPr lang="en-US"/>
+          </a:p>
+        </p:txBody>
+      </p:sp>
+      <p:sp>
+        <p:nvSpPr>
+          <p:cNvPr id="23" name="矩形 22">
+            <a:extLst>
+              <a:ext uri="{FF2B5EF4-FFF2-40B4-BE49-F238E27FC236}">
+                <a16:creationId xmlns:a16="http://schemas.microsoft.com/office/drawing/2014/main" id="{FE2357D8-B696-4987-827F-AEEF565A4E05}"/>
+              </a:ext>
+            </a:extLst>
+          </p:cNvPr>
+          <p:cNvSpPr/>
+          <p:nvPr/>
+        </p:nvSpPr>
+        <p:spPr>
+          <a:xfrm>
+            <a:off x="1575859" y="4619624"/>
+            <a:ext cx="1066800" cy="1781175"/>
+          </a:xfrm>
+          <a:prstGeom prst="rect">
+            <a:avLst/>
+          </a:prstGeom>
+          <a:noFill/>
+          <a:ln w="57150">
+            <a:solidFill>
+              <a:schemeClr val="accent4">
+                <a:lumMod val="60000"/>
+                <a:lumOff val="40000"/>
+              </a:schemeClr>
+            </a:solidFill>
+          </a:ln>
+        </p:spPr>
+        <p:style>
+          <a:lnRef idx="2">
+            <a:schemeClr val="accent1">
+              <a:shade val="50000"/>
+            </a:schemeClr>
+          </a:lnRef>
+          <a:fillRef idx="1">
+            <a:schemeClr val="accent1"/>
+          </a:fillRef>
+          <a:effectRef idx="0">
+            <a:schemeClr val="accent1"/>
+          </a:effectRef>
+          <a:fontRef idx="minor">
+            <a:schemeClr val="lt1"/>
+          </a:fontRef>
+        </p:style>
+        <p:txBody>
+          <a:bodyPr rtlCol="0" anchor="ctr"/>
+          <a:lstStyle/>
+          <a:p>
+            <a:pPr algn="ctr"/>
+            <a:endParaRPr lang="en-US"/>
+          </a:p>
+        </p:txBody>
+      </p:sp>
+      <p:sp>
+        <p:nvSpPr>
+          <p:cNvPr id="24" name="矩形 23">
+            <a:extLst>
+              <a:ext uri="{FF2B5EF4-FFF2-40B4-BE49-F238E27FC236}">
+                <a16:creationId xmlns:a16="http://schemas.microsoft.com/office/drawing/2014/main" id="{A3FAE0DB-D6E9-4D95-A345-23D1FBA72D0F}"/>
+              </a:ext>
+            </a:extLst>
+          </p:cNvPr>
+          <p:cNvSpPr/>
+          <p:nvPr/>
+        </p:nvSpPr>
+        <p:spPr>
+          <a:xfrm>
+            <a:off x="5630992" y="4596769"/>
+            <a:ext cx="1066800" cy="1781175"/>
+          </a:xfrm>
+          <a:prstGeom prst="rect">
+            <a:avLst/>
+          </a:prstGeom>
+          <a:noFill/>
+          <a:ln w="57150">
+            <a:solidFill>
+              <a:schemeClr val="accent4">
+                <a:lumMod val="60000"/>
+                <a:lumOff val="40000"/>
+              </a:schemeClr>
+            </a:solidFill>
+          </a:ln>
+        </p:spPr>
+        <p:style>
+          <a:lnRef idx="2">
+            <a:schemeClr val="accent1">
+              <a:shade val="50000"/>
+            </a:schemeClr>
+          </a:lnRef>
+          <a:fillRef idx="1">
+            <a:schemeClr val="accent1"/>
+          </a:fillRef>
+          <a:effectRef idx="0">
+            <a:schemeClr val="accent1"/>
+          </a:effectRef>
+          <a:fontRef idx="minor">
+            <a:schemeClr val="lt1"/>
+          </a:fontRef>
+        </p:style>
+        <p:txBody>
+          <a:bodyPr rtlCol="0" anchor="ctr"/>
+          <a:lstStyle/>
+          <a:p>
+            <a:pPr algn="ctr"/>
+            <a:endParaRPr lang="en-US"/>
+          </a:p>
+        </p:txBody>
+      </p:sp>
+      <p:sp>
+        <p:nvSpPr>
+          <p:cNvPr id="25" name="矩形 24">
+            <a:extLst>
+              <a:ext uri="{FF2B5EF4-FFF2-40B4-BE49-F238E27FC236}">
+                <a16:creationId xmlns:a16="http://schemas.microsoft.com/office/drawing/2014/main" id="{6C1A30D6-CA8A-4C96-AC36-11F61FD18BDC}"/>
+              </a:ext>
+            </a:extLst>
+          </p:cNvPr>
+          <p:cNvSpPr/>
+          <p:nvPr/>
+        </p:nvSpPr>
+        <p:spPr>
+          <a:xfrm>
+            <a:off x="9808312" y="4507219"/>
+            <a:ext cx="1066800" cy="1781175"/>
+          </a:xfrm>
+          <a:prstGeom prst="rect">
+            <a:avLst/>
+          </a:prstGeom>
+          <a:noFill/>
+          <a:ln w="57150">
+            <a:solidFill>
+              <a:schemeClr val="accent4">
+                <a:lumMod val="60000"/>
+                <a:lumOff val="40000"/>
+              </a:schemeClr>
+            </a:solidFill>
+          </a:ln>
+        </p:spPr>
+        <p:style>
+          <a:lnRef idx="2">
+            <a:schemeClr val="accent1">
+              <a:shade val="50000"/>
+            </a:schemeClr>
+          </a:lnRef>
+          <a:fillRef idx="1">
+            <a:schemeClr val="accent1"/>
+          </a:fillRef>
+          <a:effectRef idx="0">
+            <a:schemeClr val="accent1"/>
+          </a:effectRef>
+          <a:fontRef idx="minor">
+            <a:schemeClr val="lt1"/>
+          </a:fontRef>
+        </p:style>
+        <p:txBody>
+          <a:bodyPr rtlCol="0" anchor="ctr"/>
+          <a:lstStyle/>
+          <a:p>
+            <a:pPr algn="ctr"/>
+            <a:endParaRPr lang="en-US"/>
+          </a:p>
+        </p:txBody>
+      </p:sp>
     </p:spTree>
     <p:extLst>
       <p:ext uri="{BB962C8B-B14F-4D97-AF65-F5344CB8AC3E}">
@@ -6452,7 +8881,907 @@
 </p:sld>
 </file>
 
-<file path=ppt/slides/slide13.xml><?xml version="1.0" encoding="utf-8"?>
+<file path=ppt/slides/slide17.xml><?xml version="1.0" encoding="utf-8"?>
+<p:sld xmlns:a="http://schemas.openxmlformats.org/drawingml/2006/main" xmlns:r="http://schemas.openxmlformats.org/officeDocument/2006/relationships" xmlns:p="http://schemas.openxmlformats.org/presentationml/2006/main">
+  <p:cSld>
+    <p:spTree>
+      <p:nvGrpSpPr>
+        <p:cNvPr id="1" name=""/>
+        <p:cNvGrpSpPr/>
+        <p:nvPr/>
+      </p:nvGrpSpPr>
+      <p:grpSpPr>
+        <a:xfrm>
+          <a:off x="0" y="0"/>
+          <a:ext cx="0" cy="0"/>
+          <a:chOff x="0" y="0"/>
+          <a:chExt cx="0" cy="0"/>
+        </a:xfrm>
+      </p:grpSpPr>
+      <p:pic>
+        <p:nvPicPr>
+          <p:cNvPr id="8" name="图片 7" descr="电脑屏幕的截图&#10;&#10;描述已自动生成">
+            <a:extLst>
+              <a:ext uri="{FF2B5EF4-FFF2-40B4-BE49-F238E27FC236}">
+                <a16:creationId xmlns:a16="http://schemas.microsoft.com/office/drawing/2014/main" id="{7989B447-82E4-41B3-B820-DE300A3C918F}"/>
+              </a:ext>
+            </a:extLst>
+          </p:cNvPr>
+          <p:cNvPicPr>
+            <a:picLocks noChangeAspect="1"/>
+          </p:cNvPicPr>
+          <p:nvPr/>
+        </p:nvPicPr>
+        <p:blipFill rotWithShape="1">
+          <a:blip r:embed="rId2">
+            <a:extLst>
+              <a:ext uri="{28A0092B-C50C-407E-A947-70E740481C1C}">
+                <a14:useLocalDpi xmlns:a14="http://schemas.microsoft.com/office/drawing/2010/main" val="0"/>
+              </a:ext>
+            </a:extLst>
+          </a:blip>
+          <a:srcRect r="5" b="1278"/>
+          <a:stretch/>
+        </p:blipFill>
+        <p:spPr>
+          <a:xfrm>
+            <a:off x="20" y="-38100"/>
+            <a:ext cx="4003019" cy="3388883"/>
+          </a:xfrm>
+          <a:prstGeom prst="rect">
+            <a:avLst/>
+          </a:prstGeom>
+        </p:spPr>
+      </p:pic>
+      <p:pic>
+        <p:nvPicPr>
+          <p:cNvPr id="17" name="图片 16" descr="图片包含 游戏机&#10;&#10;描述已自动生成">
+            <a:extLst>
+              <a:ext uri="{FF2B5EF4-FFF2-40B4-BE49-F238E27FC236}">
+                <a16:creationId xmlns:a16="http://schemas.microsoft.com/office/drawing/2014/main" id="{8010AFEE-CAA8-40F1-B57D-5B65C458A50B}"/>
+              </a:ext>
+            </a:extLst>
+          </p:cNvPr>
+          <p:cNvPicPr>
+            <a:picLocks noChangeAspect="1"/>
+          </p:cNvPicPr>
+          <p:nvPr/>
+        </p:nvPicPr>
+        <p:blipFill rotWithShape="1">
+          <a:blip r:embed="rId3">
+            <a:extLst>
+              <a:ext uri="{28A0092B-C50C-407E-A947-70E740481C1C}">
+                <a14:useLocalDpi xmlns:a14="http://schemas.microsoft.com/office/drawing/2010/main" val="0"/>
+              </a:ext>
+            </a:extLst>
+          </a:blip>
+          <a:srcRect r="-1" b="1706"/>
+          <a:stretch/>
+        </p:blipFill>
+        <p:spPr>
+          <a:xfrm>
+            <a:off x="4094479" y="10"/>
+            <a:ext cx="4014047" cy="3383270"/>
+          </a:xfrm>
+          <a:prstGeom prst="rect">
+            <a:avLst/>
+          </a:prstGeom>
+        </p:spPr>
+      </p:pic>
+      <p:pic>
+        <p:nvPicPr>
+          <p:cNvPr id="4" name="图片 3" descr="图片包含 游戏机, 文字&#10;&#10;描述已自动生成">
+            <a:extLst>
+              <a:ext uri="{FF2B5EF4-FFF2-40B4-BE49-F238E27FC236}">
+                <a16:creationId xmlns:a16="http://schemas.microsoft.com/office/drawing/2014/main" id="{6C278997-3F6D-45BF-99D0-6C326CFFFC04}"/>
+              </a:ext>
+            </a:extLst>
+          </p:cNvPr>
+          <p:cNvPicPr>
+            <a:picLocks noChangeAspect="1"/>
+          </p:cNvPicPr>
+          <p:nvPr/>
+        </p:nvPicPr>
+        <p:blipFill rotWithShape="1">
+          <a:blip r:embed="rId4">
+            <a:extLst>
+              <a:ext uri="{28A0092B-C50C-407E-A947-70E740481C1C}">
+                <a14:useLocalDpi xmlns:a14="http://schemas.microsoft.com/office/drawing/2010/main" val="0"/>
+              </a:ext>
+            </a:extLst>
+          </a:blip>
+          <a:srcRect r="4" b="1441"/>
+          <a:stretch/>
+        </p:blipFill>
+        <p:spPr>
+          <a:xfrm>
+            <a:off x="8188960" y="10"/>
+            <a:ext cx="4003039" cy="3383270"/>
+          </a:xfrm>
+          <a:prstGeom prst="rect">
+            <a:avLst/>
+          </a:prstGeom>
+        </p:spPr>
+      </p:pic>
+      <p:pic>
+        <p:nvPicPr>
+          <p:cNvPr id="15" name="图片 14" descr="图片包含 游戏机&#10;&#10;描述已自动生成">
+            <a:extLst>
+              <a:ext uri="{FF2B5EF4-FFF2-40B4-BE49-F238E27FC236}">
+                <a16:creationId xmlns:a16="http://schemas.microsoft.com/office/drawing/2014/main" id="{F152F1BF-54F1-4597-86A8-3CD608613BBB}"/>
+              </a:ext>
+            </a:extLst>
+          </p:cNvPr>
+          <p:cNvPicPr>
+            <a:picLocks noChangeAspect="1"/>
+          </p:cNvPicPr>
+          <p:nvPr/>
+        </p:nvPicPr>
+        <p:blipFill rotWithShape="1">
+          <a:blip r:embed="rId5">
+            <a:extLst>
+              <a:ext uri="{28A0092B-C50C-407E-A947-70E740481C1C}">
+                <a14:useLocalDpi xmlns:a14="http://schemas.microsoft.com/office/drawing/2010/main" val="0"/>
+              </a:ext>
+            </a:extLst>
+          </a:blip>
+          <a:srcRect r="5" b="1277"/>
+          <a:stretch/>
+        </p:blipFill>
+        <p:spPr>
+          <a:xfrm>
+            <a:off x="20" y="3469102"/>
+            <a:ext cx="4003019" cy="3388893"/>
+          </a:xfrm>
+          <a:prstGeom prst="rect">
+            <a:avLst/>
+          </a:prstGeom>
+        </p:spPr>
+      </p:pic>
+      <p:pic>
+        <p:nvPicPr>
+          <p:cNvPr id="13" name="图片 12" descr="手机屏幕截图&#10;&#10;描述已自动生成">
+            <a:extLst>
+              <a:ext uri="{FF2B5EF4-FFF2-40B4-BE49-F238E27FC236}">
+                <a16:creationId xmlns:a16="http://schemas.microsoft.com/office/drawing/2014/main" id="{61372D6B-7DB9-4CAF-BA6B-BC05D3C9B72D}"/>
+              </a:ext>
+            </a:extLst>
+          </p:cNvPr>
+          <p:cNvPicPr>
+            <a:picLocks noChangeAspect="1"/>
+          </p:cNvPicPr>
+          <p:nvPr/>
+        </p:nvPicPr>
+        <p:blipFill rotWithShape="1">
+          <a:blip r:embed="rId6">
+            <a:extLst>
+              <a:ext uri="{28A0092B-C50C-407E-A947-70E740481C1C}">
+                <a14:useLocalDpi xmlns:a14="http://schemas.microsoft.com/office/drawing/2010/main" val="0"/>
+              </a:ext>
+            </a:extLst>
+          </a:blip>
+          <a:srcRect t="24" r="-1" b="1682"/>
+          <a:stretch/>
+        </p:blipFill>
+        <p:spPr>
+          <a:xfrm>
+            <a:off x="4094479" y="3469102"/>
+            <a:ext cx="4014047" cy="3383280"/>
+          </a:xfrm>
+          <a:prstGeom prst="rect">
+            <a:avLst/>
+          </a:prstGeom>
+        </p:spPr>
+      </p:pic>
+      <p:pic>
+        <p:nvPicPr>
+          <p:cNvPr id="6" name="图片 5">
+            <a:extLst>
+              <a:ext uri="{FF2B5EF4-FFF2-40B4-BE49-F238E27FC236}">
+                <a16:creationId xmlns:a16="http://schemas.microsoft.com/office/drawing/2014/main" id="{8E4B38EE-CFA3-43D7-A07A-0B0348FFB078}"/>
+              </a:ext>
+            </a:extLst>
+          </p:cNvPr>
+          <p:cNvPicPr>
+            <a:picLocks noChangeAspect="1"/>
+          </p:cNvPicPr>
+          <p:nvPr/>
+        </p:nvPicPr>
+        <p:blipFill>
+          <a:blip r:embed="rId7">
+            <a:extLst>
+              <a:ext uri="{28A0092B-C50C-407E-A947-70E740481C1C}">
+                <a14:useLocalDpi xmlns:a14="http://schemas.microsoft.com/office/drawing/2010/main" val="0"/>
+              </a:ext>
+            </a:extLst>
+          </a:blip>
+          <a:srcRect/>
+          <a:stretch/>
+        </p:blipFill>
+        <p:spPr>
+          <a:xfrm>
+            <a:off x="8219129" y="3469102"/>
+            <a:ext cx="3953708" cy="3388893"/>
+          </a:xfrm>
+          <a:prstGeom prst="rect">
+            <a:avLst/>
+          </a:prstGeom>
+        </p:spPr>
+      </p:pic>
+      <p:sp>
+        <p:nvSpPr>
+          <p:cNvPr id="20" name="矩形 19">
+            <a:extLst>
+              <a:ext uri="{FF2B5EF4-FFF2-40B4-BE49-F238E27FC236}">
+                <a16:creationId xmlns:a16="http://schemas.microsoft.com/office/drawing/2014/main" id="{AB370A39-7A30-4EC8-9F97-2D927C2CE547}"/>
+              </a:ext>
+            </a:extLst>
+          </p:cNvPr>
+          <p:cNvSpPr/>
+          <p:nvPr/>
+        </p:nvSpPr>
+        <p:spPr>
+          <a:xfrm>
+            <a:off x="457200" y="1085851"/>
+            <a:ext cx="1066800" cy="666750"/>
+          </a:xfrm>
+          <a:prstGeom prst="rect">
+            <a:avLst/>
+          </a:prstGeom>
+          <a:noFill/>
+          <a:ln w="57150">
+            <a:solidFill>
+              <a:schemeClr val="accent1">
+                <a:lumMod val="60000"/>
+                <a:lumOff val="40000"/>
+              </a:schemeClr>
+            </a:solidFill>
+          </a:ln>
+        </p:spPr>
+        <p:style>
+          <a:lnRef idx="2">
+            <a:schemeClr val="accent1">
+              <a:shade val="50000"/>
+            </a:schemeClr>
+          </a:lnRef>
+          <a:fillRef idx="1">
+            <a:schemeClr val="accent1"/>
+          </a:fillRef>
+          <a:effectRef idx="0">
+            <a:schemeClr val="accent1"/>
+          </a:effectRef>
+          <a:fontRef idx="minor">
+            <a:schemeClr val="lt1"/>
+          </a:fontRef>
+        </p:style>
+        <p:txBody>
+          <a:bodyPr rtlCol="0" anchor="ctr"/>
+          <a:lstStyle/>
+          <a:p>
+            <a:pPr algn="ctr"/>
+            <a:endParaRPr lang="en-US"/>
+          </a:p>
+        </p:txBody>
+      </p:sp>
+      <p:sp>
+        <p:nvSpPr>
+          <p:cNvPr id="26" name="矩形 25">
+            <a:extLst>
+              <a:ext uri="{FF2B5EF4-FFF2-40B4-BE49-F238E27FC236}">
+                <a16:creationId xmlns:a16="http://schemas.microsoft.com/office/drawing/2014/main" id="{11CCD933-519B-40A4-AF85-2EBDF7DDA9F6}"/>
+              </a:ext>
+            </a:extLst>
+          </p:cNvPr>
+          <p:cNvSpPr/>
+          <p:nvPr/>
+        </p:nvSpPr>
+        <p:spPr>
+          <a:xfrm>
+            <a:off x="4600575" y="1043946"/>
+            <a:ext cx="1066800" cy="666750"/>
+          </a:xfrm>
+          <a:prstGeom prst="rect">
+            <a:avLst/>
+          </a:prstGeom>
+          <a:noFill/>
+          <a:ln w="57150">
+            <a:solidFill>
+              <a:schemeClr val="accent1">
+                <a:lumMod val="60000"/>
+                <a:lumOff val="40000"/>
+              </a:schemeClr>
+            </a:solidFill>
+          </a:ln>
+        </p:spPr>
+        <p:style>
+          <a:lnRef idx="2">
+            <a:schemeClr val="accent1">
+              <a:shade val="50000"/>
+            </a:schemeClr>
+          </a:lnRef>
+          <a:fillRef idx="1">
+            <a:schemeClr val="accent1"/>
+          </a:fillRef>
+          <a:effectRef idx="0">
+            <a:schemeClr val="accent1"/>
+          </a:effectRef>
+          <a:fontRef idx="minor">
+            <a:schemeClr val="lt1"/>
+          </a:fontRef>
+        </p:style>
+        <p:txBody>
+          <a:bodyPr rtlCol="0" anchor="ctr"/>
+          <a:lstStyle/>
+          <a:p>
+            <a:pPr algn="ctr"/>
+            <a:endParaRPr lang="en-US"/>
+          </a:p>
+        </p:txBody>
+      </p:sp>
+      <p:sp>
+        <p:nvSpPr>
+          <p:cNvPr id="27" name="矩形 26">
+            <a:extLst>
+              <a:ext uri="{FF2B5EF4-FFF2-40B4-BE49-F238E27FC236}">
+                <a16:creationId xmlns:a16="http://schemas.microsoft.com/office/drawing/2014/main" id="{8954E14E-CC9B-4E65-BD77-B5998E2564A8}"/>
+              </a:ext>
+            </a:extLst>
+          </p:cNvPr>
+          <p:cNvSpPr/>
+          <p:nvPr/>
+        </p:nvSpPr>
+        <p:spPr>
+          <a:xfrm>
+            <a:off x="8614622" y="1085851"/>
+            <a:ext cx="1066800" cy="666750"/>
+          </a:xfrm>
+          <a:prstGeom prst="rect">
+            <a:avLst/>
+          </a:prstGeom>
+          <a:noFill/>
+          <a:ln w="57150">
+            <a:solidFill>
+              <a:schemeClr val="accent1">
+                <a:lumMod val="60000"/>
+                <a:lumOff val="40000"/>
+              </a:schemeClr>
+            </a:solidFill>
+          </a:ln>
+        </p:spPr>
+        <p:style>
+          <a:lnRef idx="2">
+            <a:schemeClr val="accent1">
+              <a:shade val="50000"/>
+            </a:schemeClr>
+          </a:lnRef>
+          <a:fillRef idx="1">
+            <a:schemeClr val="accent1"/>
+          </a:fillRef>
+          <a:effectRef idx="0">
+            <a:schemeClr val="accent1"/>
+          </a:effectRef>
+          <a:fontRef idx="minor">
+            <a:schemeClr val="lt1"/>
+          </a:fontRef>
+        </p:style>
+        <p:txBody>
+          <a:bodyPr rtlCol="0" anchor="ctr"/>
+          <a:lstStyle/>
+          <a:p>
+            <a:pPr algn="ctr"/>
+            <a:endParaRPr lang="en-US"/>
+          </a:p>
+        </p:txBody>
+      </p:sp>
+      <p:sp>
+        <p:nvSpPr>
+          <p:cNvPr id="28" name="矩形 27">
+            <a:extLst>
+              <a:ext uri="{FF2B5EF4-FFF2-40B4-BE49-F238E27FC236}">
+                <a16:creationId xmlns:a16="http://schemas.microsoft.com/office/drawing/2014/main" id="{5EA7F4FB-3843-4F35-8088-6AC3B128E92F}"/>
+              </a:ext>
+            </a:extLst>
+          </p:cNvPr>
+          <p:cNvSpPr/>
+          <p:nvPr/>
+        </p:nvSpPr>
+        <p:spPr>
+          <a:xfrm>
+            <a:off x="504825" y="4562476"/>
+            <a:ext cx="1066800" cy="666750"/>
+          </a:xfrm>
+          <a:prstGeom prst="rect">
+            <a:avLst/>
+          </a:prstGeom>
+          <a:noFill/>
+          <a:ln w="57150">
+            <a:solidFill>
+              <a:schemeClr val="accent1">
+                <a:lumMod val="60000"/>
+                <a:lumOff val="40000"/>
+              </a:schemeClr>
+            </a:solidFill>
+          </a:ln>
+        </p:spPr>
+        <p:style>
+          <a:lnRef idx="2">
+            <a:schemeClr val="accent1">
+              <a:shade val="50000"/>
+            </a:schemeClr>
+          </a:lnRef>
+          <a:fillRef idx="1">
+            <a:schemeClr val="accent1"/>
+          </a:fillRef>
+          <a:effectRef idx="0">
+            <a:schemeClr val="accent1"/>
+          </a:effectRef>
+          <a:fontRef idx="minor">
+            <a:schemeClr val="lt1"/>
+          </a:fontRef>
+        </p:style>
+        <p:txBody>
+          <a:bodyPr rtlCol="0" anchor="ctr"/>
+          <a:lstStyle/>
+          <a:p>
+            <a:pPr algn="ctr"/>
+            <a:endParaRPr lang="en-US"/>
+          </a:p>
+        </p:txBody>
+      </p:sp>
+      <p:sp>
+        <p:nvSpPr>
+          <p:cNvPr id="29" name="矩形 28">
+            <a:extLst>
+              <a:ext uri="{FF2B5EF4-FFF2-40B4-BE49-F238E27FC236}">
+                <a16:creationId xmlns:a16="http://schemas.microsoft.com/office/drawing/2014/main" id="{E4DAC5C6-638F-4275-B7CE-CBEB97175B23}"/>
+              </a:ext>
+            </a:extLst>
+          </p:cNvPr>
+          <p:cNvSpPr/>
+          <p:nvPr/>
+        </p:nvSpPr>
+        <p:spPr>
+          <a:xfrm>
+            <a:off x="4600575" y="4562476"/>
+            <a:ext cx="1066800" cy="666750"/>
+          </a:xfrm>
+          <a:prstGeom prst="rect">
+            <a:avLst/>
+          </a:prstGeom>
+          <a:noFill/>
+          <a:ln w="57150">
+            <a:solidFill>
+              <a:schemeClr val="accent1">
+                <a:lumMod val="60000"/>
+                <a:lumOff val="40000"/>
+              </a:schemeClr>
+            </a:solidFill>
+          </a:ln>
+        </p:spPr>
+        <p:style>
+          <a:lnRef idx="2">
+            <a:schemeClr val="accent1">
+              <a:shade val="50000"/>
+            </a:schemeClr>
+          </a:lnRef>
+          <a:fillRef idx="1">
+            <a:schemeClr val="accent1"/>
+          </a:fillRef>
+          <a:effectRef idx="0">
+            <a:schemeClr val="accent1"/>
+          </a:effectRef>
+          <a:fontRef idx="minor">
+            <a:schemeClr val="lt1"/>
+          </a:fontRef>
+        </p:style>
+        <p:txBody>
+          <a:bodyPr rtlCol="0" anchor="ctr"/>
+          <a:lstStyle/>
+          <a:p>
+            <a:pPr algn="ctr"/>
+            <a:endParaRPr lang="en-US"/>
+          </a:p>
+        </p:txBody>
+      </p:sp>
+      <p:sp>
+        <p:nvSpPr>
+          <p:cNvPr id="30" name="矩形 29">
+            <a:extLst>
+              <a:ext uri="{FF2B5EF4-FFF2-40B4-BE49-F238E27FC236}">
+                <a16:creationId xmlns:a16="http://schemas.microsoft.com/office/drawing/2014/main" id="{AF3053EE-36F4-41CB-9C91-7AF2214B99E0}"/>
+              </a:ext>
+            </a:extLst>
+          </p:cNvPr>
+          <p:cNvSpPr/>
+          <p:nvPr/>
+        </p:nvSpPr>
+        <p:spPr>
+          <a:xfrm>
+            <a:off x="8715375" y="4493992"/>
+            <a:ext cx="1066800" cy="666750"/>
+          </a:xfrm>
+          <a:prstGeom prst="rect">
+            <a:avLst/>
+          </a:prstGeom>
+          <a:noFill/>
+          <a:ln w="57150">
+            <a:solidFill>
+              <a:schemeClr val="accent1">
+                <a:lumMod val="60000"/>
+                <a:lumOff val="40000"/>
+              </a:schemeClr>
+            </a:solidFill>
+          </a:ln>
+        </p:spPr>
+        <p:style>
+          <a:lnRef idx="2">
+            <a:schemeClr val="accent1">
+              <a:shade val="50000"/>
+            </a:schemeClr>
+          </a:lnRef>
+          <a:fillRef idx="1">
+            <a:schemeClr val="accent1"/>
+          </a:fillRef>
+          <a:effectRef idx="0">
+            <a:schemeClr val="accent1"/>
+          </a:effectRef>
+          <a:fontRef idx="minor">
+            <a:schemeClr val="lt1"/>
+          </a:fontRef>
+        </p:style>
+        <p:txBody>
+          <a:bodyPr rtlCol="0" anchor="ctr"/>
+          <a:lstStyle/>
+          <a:p>
+            <a:pPr algn="ctr"/>
+            <a:endParaRPr lang="en-US"/>
+          </a:p>
+        </p:txBody>
+      </p:sp>
+      <p:sp>
+        <p:nvSpPr>
+          <p:cNvPr id="31" name="矩形 30">
+            <a:extLst>
+              <a:ext uri="{FF2B5EF4-FFF2-40B4-BE49-F238E27FC236}">
+                <a16:creationId xmlns:a16="http://schemas.microsoft.com/office/drawing/2014/main" id="{6E0D1E2E-3641-4D8F-91FB-F45091F90054}"/>
+              </a:ext>
+            </a:extLst>
+          </p:cNvPr>
+          <p:cNvSpPr/>
+          <p:nvPr/>
+        </p:nvSpPr>
+        <p:spPr>
+          <a:xfrm>
+            <a:off x="2152650" y="1895474"/>
+            <a:ext cx="1280584" cy="1000125"/>
+          </a:xfrm>
+          <a:prstGeom prst="rect">
+            <a:avLst/>
+          </a:prstGeom>
+          <a:noFill/>
+          <a:ln w="57150">
+            <a:solidFill>
+              <a:schemeClr val="accent4">
+                <a:lumMod val="60000"/>
+                <a:lumOff val="40000"/>
+              </a:schemeClr>
+            </a:solidFill>
+          </a:ln>
+        </p:spPr>
+        <p:style>
+          <a:lnRef idx="2">
+            <a:schemeClr val="accent1">
+              <a:shade val="50000"/>
+            </a:schemeClr>
+          </a:lnRef>
+          <a:fillRef idx="1">
+            <a:schemeClr val="accent1"/>
+          </a:fillRef>
+          <a:effectRef idx="0">
+            <a:schemeClr val="accent1"/>
+          </a:effectRef>
+          <a:fontRef idx="minor">
+            <a:schemeClr val="lt1"/>
+          </a:fontRef>
+        </p:style>
+        <p:txBody>
+          <a:bodyPr rtlCol="0" anchor="ctr"/>
+          <a:lstStyle/>
+          <a:p>
+            <a:pPr algn="ctr"/>
+            <a:endParaRPr lang="en-US"/>
+          </a:p>
+        </p:txBody>
+      </p:sp>
+      <p:sp>
+        <p:nvSpPr>
+          <p:cNvPr id="32" name="矩形 31">
+            <a:extLst>
+              <a:ext uri="{FF2B5EF4-FFF2-40B4-BE49-F238E27FC236}">
+                <a16:creationId xmlns:a16="http://schemas.microsoft.com/office/drawing/2014/main" id="{6074A3A0-A52D-490C-9BA3-325C38F28C92}"/>
+              </a:ext>
+            </a:extLst>
+          </p:cNvPr>
+          <p:cNvSpPr/>
+          <p:nvPr/>
+        </p:nvSpPr>
+        <p:spPr>
+          <a:xfrm>
+            <a:off x="6362700" y="1523999"/>
+            <a:ext cx="1280584" cy="1000125"/>
+          </a:xfrm>
+          <a:prstGeom prst="rect">
+            <a:avLst/>
+          </a:prstGeom>
+          <a:noFill/>
+          <a:ln w="57150">
+            <a:solidFill>
+              <a:schemeClr val="accent4">
+                <a:lumMod val="60000"/>
+                <a:lumOff val="40000"/>
+              </a:schemeClr>
+            </a:solidFill>
+          </a:ln>
+        </p:spPr>
+        <p:style>
+          <a:lnRef idx="2">
+            <a:schemeClr val="accent1">
+              <a:shade val="50000"/>
+            </a:schemeClr>
+          </a:lnRef>
+          <a:fillRef idx="1">
+            <a:schemeClr val="accent1"/>
+          </a:fillRef>
+          <a:effectRef idx="0">
+            <a:schemeClr val="accent1"/>
+          </a:effectRef>
+          <a:fontRef idx="minor">
+            <a:schemeClr val="lt1"/>
+          </a:fontRef>
+        </p:style>
+        <p:txBody>
+          <a:bodyPr rtlCol="0" anchor="ctr"/>
+          <a:lstStyle/>
+          <a:p>
+            <a:pPr algn="ctr"/>
+            <a:endParaRPr lang="en-US"/>
+          </a:p>
+        </p:txBody>
+      </p:sp>
+      <p:sp>
+        <p:nvSpPr>
+          <p:cNvPr id="33" name="矩形 32">
+            <a:extLst>
+              <a:ext uri="{FF2B5EF4-FFF2-40B4-BE49-F238E27FC236}">
+                <a16:creationId xmlns:a16="http://schemas.microsoft.com/office/drawing/2014/main" id="{1C943510-4B93-489B-91AD-D2DBB4CB9955}"/>
+              </a:ext>
+            </a:extLst>
+          </p:cNvPr>
+          <p:cNvSpPr/>
+          <p:nvPr/>
+        </p:nvSpPr>
+        <p:spPr>
+          <a:xfrm>
+            <a:off x="10388916" y="1191582"/>
+            <a:ext cx="1280584" cy="1000125"/>
+          </a:xfrm>
+          <a:prstGeom prst="rect">
+            <a:avLst/>
+          </a:prstGeom>
+          <a:noFill/>
+          <a:ln w="57150">
+            <a:solidFill>
+              <a:schemeClr val="accent4">
+                <a:lumMod val="60000"/>
+                <a:lumOff val="40000"/>
+              </a:schemeClr>
+            </a:solidFill>
+          </a:ln>
+        </p:spPr>
+        <p:style>
+          <a:lnRef idx="2">
+            <a:schemeClr val="accent1">
+              <a:shade val="50000"/>
+            </a:schemeClr>
+          </a:lnRef>
+          <a:fillRef idx="1">
+            <a:schemeClr val="accent1"/>
+          </a:fillRef>
+          <a:effectRef idx="0">
+            <a:schemeClr val="accent1"/>
+          </a:effectRef>
+          <a:fontRef idx="minor">
+            <a:schemeClr val="lt1"/>
+          </a:fontRef>
+        </p:style>
+        <p:txBody>
+          <a:bodyPr rtlCol="0" anchor="ctr"/>
+          <a:lstStyle/>
+          <a:p>
+            <a:pPr algn="ctr"/>
+            <a:endParaRPr lang="en-US"/>
+          </a:p>
+        </p:txBody>
+      </p:sp>
+      <p:sp>
+        <p:nvSpPr>
+          <p:cNvPr id="34" name="矩形 33">
+            <a:extLst>
+              <a:ext uri="{FF2B5EF4-FFF2-40B4-BE49-F238E27FC236}">
+                <a16:creationId xmlns:a16="http://schemas.microsoft.com/office/drawing/2014/main" id="{34AADDB6-8D55-4D55-98F5-A6F8EC57281A}"/>
+              </a:ext>
+            </a:extLst>
+          </p:cNvPr>
+          <p:cNvSpPr/>
+          <p:nvPr/>
+        </p:nvSpPr>
+        <p:spPr>
+          <a:xfrm>
+            <a:off x="2209913" y="4784294"/>
+            <a:ext cx="1280584" cy="1000125"/>
+          </a:xfrm>
+          <a:prstGeom prst="rect">
+            <a:avLst/>
+          </a:prstGeom>
+          <a:noFill/>
+          <a:ln w="57150">
+            <a:solidFill>
+              <a:schemeClr val="accent4">
+                <a:lumMod val="60000"/>
+                <a:lumOff val="40000"/>
+              </a:schemeClr>
+            </a:solidFill>
+          </a:ln>
+        </p:spPr>
+        <p:style>
+          <a:lnRef idx="2">
+            <a:schemeClr val="accent1">
+              <a:shade val="50000"/>
+            </a:schemeClr>
+          </a:lnRef>
+          <a:fillRef idx="1">
+            <a:schemeClr val="accent1"/>
+          </a:fillRef>
+          <a:effectRef idx="0">
+            <a:schemeClr val="accent1"/>
+          </a:effectRef>
+          <a:fontRef idx="minor">
+            <a:schemeClr val="lt1"/>
+          </a:fontRef>
+        </p:style>
+        <p:txBody>
+          <a:bodyPr rtlCol="0" anchor="ctr"/>
+          <a:lstStyle/>
+          <a:p>
+            <a:pPr algn="ctr"/>
+            <a:endParaRPr lang="en-US"/>
+          </a:p>
+        </p:txBody>
+      </p:sp>
+      <p:sp>
+        <p:nvSpPr>
+          <p:cNvPr id="35" name="矩形 34">
+            <a:extLst>
+              <a:ext uri="{FF2B5EF4-FFF2-40B4-BE49-F238E27FC236}">
+                <a16:creationId xmlns:a16="http://schemas.microsoft.com/office/drawing/2014/main" id="{4B9D8D7D-C2F1-4ABE-A64A-0F626D486009}"/>
+              </a:ext>
+            </a:extLst>
+          </p:cNvPr>
+          <p:cNvSpPr/>
+          <p:nvPr/>
+        </p:nvSpPr>
+        <p:spPr>
+          <a:xfrm>
+            <a:off x="5962649" y="5076824"/>
+            <a:ext cx="1552575" cy="1000125"/>
+          </a:xfrm>
+          <a:prstGeom prst="rect">
+            <a:avLst/>
+          </a:prstGeom>
+          <a:noFill/>
+          <a:ln w="57150">
+            <a:solidFill>
+              <a:schemeClr val="accent4">
+                <a:lumMod val="60000"/>
+                <a:lumOff val="40000"/>
+              </a:schemeClr>
+            </a:solidFill>
+          </a:ln>
+        </p:spPr>
+        <p:style>
+          <a:lnRef idx="2">
+            <a:schemeClr val="accent1">
+              <a:shade val="50000"/>
+            </a:schemeClr>
+          </a:lnRef>
+          <a:fillRef idx="1">
+            <a:schemeClr val="accent1"/>
+          </a:fillRef>
+          <a:effectRef idx="0">
+            <a:schemeClr val="accent1"/>
+          </a:effectRef>
+          <a:fontRef idx="minor">
+            <a:schemeClr val="lt1"/>
+          </a:fontRef>
+        </p:style>
+        <p:txBody>
+          <a:bodyPr rtlCol="0" anchor="ctr"/>
+          <a:lstStyle/>
+          <a:p>
+            <a:pPr algn="ctr"/>
+            <a:endParaRPr lang="en-US"/>
+          </a:p>
+        </p:txBody>
+      </p:sp>
+      <p:sp>
+        <p:nvSpPr>
+          <p:cNvPr id="36" name="矩形 35">
+            <a:extLst>
+              <a:ext uri="{FF2B5EF4-FFF2-40B4-BE49-F238E27FC236}">
+                <a16:creationId xmlns:a16="http://schemas.microsoft.com/office/drawing/2014/main" id="{0D122477-0507-4AA3-A4FA-539B30005954}"/>
+              </a:ext>
+            </a:extLst>
+          </p:cNvPr>
+          <p:cNvSpPr/>
+          <p:nvPr/>
+        </p:nvSpPr>
+        <p:spPr>
+          <a:xfrm>
+            <a:off x="10190478" y="5076823"/>
+            <a:ext cx="1410971" cy="1000125"/>
+          </a:xfrm>
+          <a:prstGeom prst="rect">
+            <a:avLst/>
+          </a:prstGeom>
+          <a:noFill/>
+          <a:ln w="57150">
+            <a:solidFill>
+              <a:schemeClr val="accent4">
+                <a:lumMod val="60000"/>
+                <a:lumOff val="40000"/>
+              </a:schemeClr>
+            </a:solidFill>
+          </a:ln>
+        </p:spPr>
+        <p:style>
+          <a:lnRef idx="2">
+            <a:schemeClr val="accent1">
+              <a:shade val="50000"/>
+            </a:schemeClr>
+          </a:lnRef>
+          <a:fillRef idx="1">
+            <a:schemeClr val="accent1"/>
+          </a:fillRef>
+          <a:effectRef idx="0">
+            <a:schemeClr val="accent1"/>
+          </a:effectRef>
+          <a:fontRef idx="minor">
+            <a:schemeClr val="lt1"/>
+          </a:fontRef>
+        </p:style>
+        <p:txBody>
+          <a:bodyPr rtlCol="0" anchor="ctr"/>
+          <a:lstStyle/>
+          <a:p>
+            <a:pPr algn="ctr"/>
+            <a:endParaRPr lang="en-US"/>
+          </a:p>
+        </p:txBody>
+      </p:sp>
+    </p:spTree>
+    <p:extLst>
+      <p:ext uri="{BB962C8B-B14F-4D97-AF65-F5344CB8AC3E}">
+        <p14:creationId xmlns:p14="http://schemas.microsoft.com/office/powerpoint/2010/main" val="395269490"/>
+      </p:ext>
+    </p:extLst>
+  </p:cSld>
+  <p:clrMapOvr>
+    <a:masterClrMapping/>
+  </p:clrMapOvr>
+</p:sld>
+</file>
+
+<file path=ppt/slides/slide18.xml><?xml version="1.0" encoding="utf-8"?>
 <p:sld xmlns:a="http://schemas.openxmlformats.org/drawingml/2006/main" xmlns:r="http://schemas.openxmlformats.org/officeDocument/2006/relationships" xmlns:p="http://schemas.openxmlformats.org/presentationml/2006/main">
   <p:cSld>
     <p:spTree>
@@ -6825,10 +10154,10 @@
       </p:sp>
       <p:sp>
         <p:nvSpPr>
-          <p:cNvPr id="24" name="TextBox 21">
+          <p:cNvPr id="26" name="TextBox 21">
             <a:extLst>
               <a:ext uri="{FF2B5EF4-FFF2-40B4-BE49-F238E27FC236}">
-                <a16:creationId xmlns:a16="http://schemas.microsoft.com/office/drawing/2014/main" id="{660616AB-1407-4C44-85AC-F2B30E672499}"/>
+                <a16:creationId xmlns:a16="http://schemas.microsoft.com/office/drawing/2014/main" id="{A5929146-A995-45FB-971B-52E75C969F23}"/>
               </a:ext>
             </a:extLst>
           </p:cNvPr>
@@ -6837,8 +10166,8 @@
         </p:nvSpPr>
         <p:spPr>
           <a:xfrm>
-            <a:off x="5927478" y="5374680"/>
-            <a:ext cx="4150609" cy="314702"/>
+            <a:off x="6095999" y="4547878"/>
+            <a:ext cx="4150609" cy="2346027"/>
           </a:xfrm>
           <a:prstGeom prst="rect">
             <a:avLst/>
@@ -6865,38 +10194,9 @@
                   </a:schemeClr>
                 </a:solidFill>
               </a:rPr>
-              <a:t>The New Yorker 20</a:t>
+              <a:t>The New York Times 30</a:t>
             </a:r>
           </a:p>
-        </p:txBody>
-      </p:sp>
-      <p:sp>
-        <p:nvSpPr>
-          <p:cNvPr id="26" name="TextBox 21">
-            <a:extLst>
-              <a:ext uri="{FF2B5EF4-FFF2-40B4-BE49-F238E27FC236}">
-                <a16:creationId xmlns:a16="http://schemas.microsoft.com/office/drawing/2014/main" id="{A5929146-A995-45FB-971B-52E75C969F23}"/>
-              </a:ext>
-            </a:extLst>
-          </p:cNvPr>
-          <p:cNvSpPr txBox="1"/>
-          <p:nvPr/>
-        </p:nvSpPr>
-        <p:spPr>
-          <a:xfrm>
-            <a:off x="5878449" y="5031307"/>
-            <a:ext cx="4150609" cy="314702"/>
-          </a:xfrm>
-          <a:prstGeom prst="rect">
-            <a:avLst/>
-          </a:prstGeom>
-          <a:noFill/>
-        </p:spPr>
-        <p:txBody>
-          <a:bodyPr wrap="square" rtlCol="0">
-            <a:spAutoFit/>
-          </a:bodyPr>
-          <a:lstStyle/>
           <a:p>
             <a:pPr algn="ctr">
               <a:lnSpc>
@@ -6915,6 +10215,120 @@
               <a:t>The New Yorker 30</a:t>
             </a:r>
           </a:p>
+          <a:p>
+            <a:pPr algn="ctr">
+              <a:lnSpc>
+                <a:spcPct val="150000"/>
+              </a:lnSpc>
+            </a:pPr>
+            <a:r>
+              <a:rPr lang="en-US" sz="1100" b="1" i="1" dirty="0">
+                <a:solidFill>
+                  <a:schemeClr val="tx1">
+                    <a:lumMod val="75000"/>
+                    <a:lumOff val="25000"/>
+                  </a:schemeClr>
+                </a:solidFill>
+              </a:rPr>
+              <a:t>The New Yorker 20</a:t>
+            </a:r>
+          </a:p>
+          <a:p>
+            <a:pPr algn="ctr">
+              <a:lnSpc>
+                <a:spcPct val="150000"/>
+              </a:lnSpc>
+            </a:pPr>
+            <a:r>
+              <a:rPr lang="en-US" sz="1100" b="1" i="1" dirty="0">
+                <a:solidFill>
+                  <a:schemeClr val="tx1">
+                    <a:lumMod val="75000"/>
+                    <a:lumOff val="25000"/>
+                  </a:schemeClr>
+                </a:solidFill>
+              </a:rPr>
+              <a:t>The WSJ 20</a:t>
+            </a:r>
+          </a:p>
+          <a:p>
+            <a:pPr algn="ctr">
+              <a:lnSpc>
+                <a:spcPct val="150000"/>
+              </a:lnSpc>
+            </a:pPr>
+            <a:r>
+              <a:rPr lang="en-US" sz="1100" b="1" i="1" dirty="0">
+                <a:solidFill>
+                  <a:schemeClr val="tx1">
+                    <a:lumMod val="75000"/>
+                    <a:lumOff val="25000"/>
+                  </a:schemeClr>
+                </a:solidFill>
+              </a:rPr>
+              <a:t>Time 20</a:t>
+            </a:r>
+          </a:p>
+          <a:p>
+            <a:pPr algn="ctr">
+              <a:lnSpc>
+                <a:spcPct val="150000"/>
+              </a:lnSpc>
+            </a:pPr>
+            <a:endParaRPr lang="en-US" sz="1100" b="1" i="1" dirty="0">
+              <a:solidFill>
+                <a:schemeClr val="tx1">
+                  <a:lumMod val="75000"/>
+                  <a:lumOff val="25000"/>
+                </a:schemeClr>
+              </a:solidFill>
+            </a:endParaRPr>
+          </a:p>
+          <a:p>
+            <a:pPr algn="ctr">
+              <a:lnSpc>
+                <a:spcPct val="150000"/>
+              </a:lnSpc>
+            </a:pPr>
+            <a:endParaRPr lang="en-US" sz="1100" b="1" i="1" dirty="0">
+              <a:solidFill>
+                <a:schemeClr val="tx1">
+                  <a:lumMod val="75000"/>
+                  <a:lumOff val="25000"/>
+                </a:schemeClr>
+              </a:solidFill>
+            </a:endParaRPr>
+          </a:p>
+          <a:p>
+            <a:pPr algn="ctr">
+              <a:lnSpc>
+                <a:spcPct val="150000"/>
+              </a:lnSpc>
+            </a:pPr>
+            <a:endParaRPr lang="en-US" sz="1100" b="1" i="1" dirty="0">
+              <a:solidFill>
+                <a:schemeClr val="tx1">
+                  <a:lumMod val="75000"/>
+                  <a:lumOff val="25000"/>
+                </a:schemeClr>
+              </a:solidFill>
+            </a:endParaRPr>
+          </a:p>
+          <a:p>
+            <a:pPr algn="ctr">
+              <a:lnSpc>
+                <a:spcPct val="150000"/>
+              </a:lnSpc>
+            </a:pPr>
+            <a:endParaRPr lang="en-US" sz="1100" b="1" i="1" dirty="0">
+              <a:solidFill>
+                <a:schemeClr val="tx1">
+                  <a:lumMod val="75000"/>
+                  <a:lumOff val="25000"/>
+                </a:schemeClr>
+              </a:solidFill>
+            </a:endParaRPr>
+          </a:p>
         </p:txBody>
       </p:sp>
       <p:grpSp>
@@ -6931,7 +10345,7 @@
         </p:nvGrpSpPr>
         <p:grpSpPr>
           <a:xfrm>
-            <a:off x="2212156" y="433305"/>
+            <a:off x="1009708" y="456949"/>
             <a:ext cx="449356" cy="449356"/>
             <a:chOff x="209550" y="171450"/>
             <a:chExt cx="641350" cy="641350"/>
@@ -7043,7 +10457,7 @@
         </p:nvSpPr>
         <p:spPr>
           <a:xfrm>
-            <a:off x="1080655" y="115189"/>
+            <a:off x="955194" y="163285"/>
             <a:ext cx="10281611" cy="1652568"/>
           </a:xfrm>
           <a:prstGeom prst="rect">
@@ -7072,7 +10486,7 @@
                 </a:solidFill>
                 <a:latin typeface="+mj-lt"/>
               </a:rPr>
-              <a:t>Joker Review Date Analysis</a:t>
+              <a:t>Joker Review Published Date Analysis</a:t>
             </a:r>
           </a:p>
           <a:p>
@@ -7106,7 +10520,7 @@
 </p:sld>
 </file>
 
-<file path=ppt/slides/slide14.xml><?xml version="1.0" encoding="utf-8"?>
+<file path=ppt/slides/slide19.xml><?xml version="1.0" encoding="utf-8"?>
 <p:sld xmlns:a="http://schemas.openxmlformats.org/drawingml/2006/main" xmlns:r="http://schemas.openxmlformats.org/officeDocument/2006/relationships" xmlns:p="http://schemas.openxmlformats.org/presentationml/2006/main">
   <p:cSld>
     <p:spTree>
@@ -7131,7 +10545,7 @@
         </p:nvGrpSpPr>
         <p:grpSpPr>
           <a:xfrm>
-            <a:off x="135466" y="2138886"/>
+            <a:off x="135466" y="1440435"/>
             <a:ext cx="11921068" cy="3977130"/>
             <a:chOff x="135466" y="1575928"/>
             <a:chExt cx="11921068" cy="3977130"/>
@@ -7969,9 +11383,9 @@
           <p:grpSpPr>
             <a:xfrm>
               <a:off x="8836425" y="3770116"/>
-              <a:ext cx="3220109" cy="1726443"/>
+              <a:ext cx="3220109" cy="1403278"/>
               <a:chOff x="9353207" y="4898314"/>
-              <a:chExt cx="6358670" cy="1726443"/>
+              <a:chExt cx="6358670" cy="1403278"/>
             </a:xfrm>
           </p:grpSpPr>
           <p:sp>
@@ -7983,7 +11397,7 @@
             <p:spPr>
               <a:xfrm>
                 <a:off x="9353207" y="5279902"/>
-                <a:ext cx="4841282" cy="1344855"/>
+                <a:ext cx="4841282" cy="1021690"/>
               </a:xfrm>
               <a:prstGeom prst="rect">
                 <a:avLst/>
@@ -7995,24 +11409,6 @@
                 <a:spAutoFit/>
               </a:bodyPr>
               <a:lstStyle/>
-              <a:p>
-                <a:pPr>
-                  <a:lnSpc>
-                    <a:spcPct val="150000"/>
-                  </a:lnSpc>
-                </a:pPr>
-                <a:r>
-                  <a:rPr lang="en-US" sz="1400" dirty="0">
-                    <a:solidFill>
-                      <a:schemeClr val="tx2">
-                        <a:lumMod val="50000"/>
-                        <a:lumOff val="50000"/>
-                      </a:schemeClr>
-                    </a:solidFill>
-                  </a:rPr>
-                  <a:t>Private rating system to: </a:t>
-                </a:r>
-              </a:p>
               <a:p>
                 <a:pPr marL="171450" indent="-171450">
                   <a:lnSpc>
@@ -8208,7 +11604,7 @@
                       </a:schemeClr>
                     </a:solidFill>
                   </a:rPr>
-                  <a:t>Review Amount</a:t>
+                  <a:t>Review Number</a:t>
                 </a:r>
               </a:p>
             </p:txBody>
@@ -8361,7 +11757,7 @@
                       </a:schemeClr>
                     </a:solidFill>
                   </a:rPr>
-                  <a:t>Scores are higher before movie release date</a:t>
+                  <a:t>Higher scores are given pre movie release</a:t>
                 </a:r>
               </a:p>
             </p:txBody>
@@ -8402,78 +11798,208 @@
                       </a:schemeClr>
                     </a:solidFill>
                   </a:rPr>
-                  <a:t>Review Date</a:t>
+                  <a:t>Review Publish Date</a:t>
                 </a:r>
               </a:p>
             </p:txBody>
           </p:sp>
         </p:grpSp>
       </p:grpSp>
+    </p:spTree>
+    <p:extLst>
+      <p:ext uri="{BB962C8B-B14F-4D97-AF65-F5344CB8AC3E}">
+        <p14:creationId xmlns:p14="http://schemas.microsoft.com/office/powerpoint/2010/main" val="2747061499"/>
+      </p:ext>
+    </p:extLst>
+  </p:cSld>
+  <p:clrMapOvr>
+    <a:masterClrMapping/>
+  </p:clrMapOvr>
+</p:sld>
+</file>
+
+<file path=ppt/slides/slide2.xml><?xml version="1.0" encoding="utf-8"?>
+<p:sld xmlns:a="http://schemas.openxmlformats.org/drawingml/2006/main" xmlns:r="http://schemas.openxmlformats.org/officeDocument/2006/relationships" xmlns:p="http://schemas.openxmlformats.org/presentationml/2006/main">
+  <p:cSld>
+    <p:spTree>
+      <p:nvGrpSpPr>
+        <p:cNvPr id="1" name=""/>
+        <p:cNvGrpSpPr/>
+        <p:nvPr/>
+      </p:nvGrpSpPr>
+      <p:grpSpPr>
+        <a:xfrm>
+          <a:off x="0" y="0"/>
+          <a:ext cx="0" cy="0"/>
+          <a:chOff x="0" y="0"/>
+          <a:chExt cx="0" cy="0"/>
+        </a:xfrm>
+      </p:grpSpPr>
       <p:grpSp>
         <p:nvGrpSpPr>
-          <p:cNvPr id="28" name="Group 27"/>
+          <p:cNvPr id="6" name="Group 5"/>
           <p:cNvGrpSpPr/>
           <p:nvPr/>
         </p:nvGrpSpPr>
         <p:grpSpPr>
           <a:xfrm>
-            <a:off x="2991457" y="531525"/>
-            <a:ext cx="6216712" cy="939652"/>
-            <a:chOff x="2991457" y="429303"/>
-            <a:chExt cx="6216712" cy="939652"/>
+            <a:off x="7196476" y="1072504"/>
+            <a:ext cx="4333790" cy="4630490"/>
+            <a:chOff x="1160120" y="1912123"/>
+            <a:chExt cx="3837896" cy="4630490"/>
           </a:xfrm>
         </p:grpSpPr>
-        <p:sp>
-          <p:nvSpPr>
-            <p:cNvPr id="29" name="TextBox 28"/>
-            <p:cNvSpPr txBox="1"/>
+        <p:grpSp>
+          <p:nvGrpSpPr>
+            <p:cNvPr id="7" name="Group 6"/>
+            <p:cNvGrpSpPr/>
             <p:nvPr/>
-          </p:nvSpPr>
-          <p:spPr>
+          </p:nvGrpSpPr>
+          <p:grpSpPr>
             <a:xfrm>
-              <a:off x="2991457" y="547383"/>
-              <a:ext cx="6216712" cy="821572"/>
+              <a:off x="1160120" y="1912123"/>
+              <a:ext cx="3837896" cy="3729286"/>
+              <a:chOff x="792161" y="1122205"/>
+              <a:chExt cx="3837896" cy="3729286"/>
             </a:xfrm>
-            <a:prstGeom prst="rect">
-              <a:avLst/>
-            </a:prstGeom>
-            <a:noFill/>
-          </p:spPr>
-          <p:txBody>
-            <a:bodyPr wrap="square" rtlCol="0">
-              <a:spAutoFit/>
-            </a:bodyPr>
-            <a:lstStyle/>
-            <a:p>
-              <a:pPr algn="ctr">
-                <a:lnSpc>
-                  <a:spcPct val="150000"/>
-                </a:lnSpc>
-              </a:pPr>
-              <a:r>
-                <a:rPr lang="en-US" sz="3600" spc="300" dirty="0">
-                  <a:solidFill>
-                    <a:schemeClr val="tx1">
-                      <a:lumMod val="90000"/>
-                      <a:lumOff val="10000"/>
-                    </a:schemeClr>
-                  </a:solidFill>
-                  <a:latin typeface="+mj-lt"/>
-                </a:rPr>
-                <a:t>Make Your Own Decision</a:t>
-              </a:r>
-            </a:p>
-          </p:txBody>
-        </p:sp>
+          </p:grpSpPr>
+          <p:sp>
+            <p:nvSpPr>
+              <p:cNvPr id="9" name="TextBox 8"/>
+              <p:cNvSpPr txBox="1"/>
+              <p:nvPr/>
+            </p:nvSpPr>
+            <p:spPr>
+              <a:xfrm>
+                <a:off x="792161" y="1122205"/>
+                <a:ext cx="3837895" cy="1652568"/>
+              </a:xfrm>
+              <a:prstGeom prst="rect">
+                <a:avLst/>
+              </a:prstGeom>
+              <a:noFill/>
+            </p:spPr>
+            <p:txBody>
+              <a:bodyPr wrap="square" rtlCol="0">
+                <a:spAutoFit/>
+              </a:bodyPr>
+              <a:lstStyle/>
+              <a:p>
+                <a:pPr>
+                  <a:lnSpc>
+                    <a:spcPct val="150000"/>
+                  </a:lnSpc>
+                </a:pPr>
+                <a:r>
+                  <a:rPr lang="en-US" sz="3600" spc="300" dirty="0">
+                    <a:solidFill>
+                      <a:schemeClr val="tx1">
+                        <a:lumMod val="90000"/>
+                        <a:lumOff val="10000"/>
+                      </a:schemeClr>
+                    </a:solidFill>
+                    <a:latin typeface="+mj-lt"/>
+                  </a:rPr>
+                  <a:t>About Metacritic</a:t>
+                </a:r>
+              </a:p>
+            </p:txBody>
+          </p:sp>
+          <p:sp>
+            <p:nvSpPr>
+              <p:cNvPr id="10" name="TextBox 9"/>
+              <p:cNvSpPr txBox="1"/>
+              <p:nvPr/>
+            </p:nvSpPr>
+            <p:spPr>
+              <a:xfrm>
+                <a:off x="792162" y="2317784"/>
+                <a:ext cx="3837895" cy="2533707"/>
+              </a:xfrm>
+              <a:prstGeom prst="rect">
+                <a:avLst/>
+              </a:prstGeom>
+              <a:noFill/>
+            </p:spPr>
+            <p:txBody>
+              <a:bodyPr wrap="square" rtlCol="0">
+                <a:spAutoFit/>
+              </a:bodyPr>
+              <a:lstStyle/>
+              <a:p>
+                <a:pPr>
+                  <a:lnSpc>
+                    <a:spcPct val="150000"/>
+                  </a:lnSpc>
+                </a:pPr>
+                <a:r>
+                  <a:rPr lang="en-US" dirty="0">
+                    <a:solidFill>
+                      <a:schemeClr val="tx1">
+                        <a:lumMod val="75000"/>
+                        <a:lumOff val="25000"/>
+                      </a:schemeClr>
+                    </a:solidFill>
+                  </a:rPr>
+                  <a:t>Launched in January 2001, Metacritic has evolved over the last decade to distill critics' voices into a single Metascore, a </a:t>
+                </a:r>
+                <a:r>
+                  <a:rPr lang="en-US" b="1" dirty="0">
+                    <a:solidFill>
+                      <a:schemeClr val="tx1">
+                        <a:lumMod val="75000"/>
+                        <a:lumOff val="25000"/>
+                      </a:schemeClr>
+                    </a:solidFill>
+                  </a:rPr>
+                  <a:t>weighted average </a:t>
+                </a:r>
+                <a:r>
+                  <a:rPr lang="en-US" dirty="0">
+                    <a:solidFill>
+                      <a:schemeClr val="tx1">
+                        <a:lumMod val="75000"/>
+                        <a:lumOff val="25000"/>
+                      </a:schemeClr>
+                    </a:solidFill>
+                  </a:rPr>
+                  <a:t>of the </a:t>
+                </a:r>
+                <a:r>
+                  <a:rPr lang="en-US" b="1" dirty="0">
+                    <a:solidFill>
+                      <a:schemeClr val="tx1">
+                        <a:lumMod val="75000"/>
+                        <a:lumOff val="25000"/>
+                      </a:schemeClr>
+                    </a:solidFill>
+                  </a:rPr>
+                  <a:t>most respected critics </a:t>
+                </a:r>
+                <a:r>
+                  <a:rPr lang="en-US" dirty="0">
+                    <a:solidFill>
+                      <a:schemeClr val="tx1">
+                        <a:lumMod val="75000"/>
+                        <a:lumOff val="25000"/>
+                      </a:schemeClr>
+                    </a:solidFill>
+                  </a:rPr>
+                  <a:t>writing reviews online and in print.</a:t>
+                </a:r>
+              </a:p>
+            </p:txBody>
+          </p:sp>
+        </p:grpSp>
         <p:cxnSp>
           <p:nvCxnSpPr>
-            <p:cNvPr id="30" name="Straight Connector 29"/>
+            <p:cNvPr id="8" name="Straight Connector 7"/>
             <p:cNvCxnSpPr/>
             <p:nvPr/>
           </p:nvCxnSpPr>
           <p:spPr>
             <a:xfrm>
-              <a:off x="5731876" y="429303"/>
+              <a:off x="1257431" y="6542613"/>
               <a:ext cx="745322" cy="0"/>
             </a:xfrm>
             <a:prstGeom prst="line">
@@ -8504,10 +12030,270 @@
           </p:style>
         </p:cxnSp>
       </p:grpSp>
+      <p:grpSp>
+        <p:nvGrpSpPr>
+          <p:cNvPr id="16" name="Group 15"/>
+          <p:cNvGrpSpPr/>
+          <p:nvPr/>
+        </p:nvGrpSpPr>
+        <p:grpSpPr>
+          <a:xfrm>
+            <a:off x="11530266" y="171450"/>
+            <a:ext cx="449356" cy="449356"/>
+            <a:chOff x="209550" y="171450"/>
+            <a:chExt cx="641350" cy="641350"/>
+          </a:xfrm>
+        </p:grpSpPr>
+        <p:sp>
+          <p:nvSpPr>
+            <p:cNvPr id="17" name="Rectangle 16"/>
+            <p:cNvSpPr/>
+            <p:nvPr/>
+          </p:nvSpPr>
+          <p:spPr>
+            <a:xfrm>
+              <a:off x="209550" y="171450"/>
+              <a:ext cx="641350" cy="641350"/>
+            </a:xfrm>
+            <a:prstGeom prst="rect">
+              <a:avLst/>
+            </a:prstGeom>
+            <a:ln>
+              <a:noFill/>
+            </a:ln>
+          </p:spPr>
+          <p:style>
+            <a:lnRef idx="2">
+              <a:schemeClr val="accent1">
+                <a:shade val="50000"/>
+              </a:schemeClr>
+            </a:lnRef>
+            <a:fillRef idx="1">
+              <a:schemeClr val="accent1"/>
+            </a:fillRef>
+            <a:effectRef idx="0">
+              <a:schemeClr val="accent1"/>
+            </a:effectRef>
+            <a:fontRef idx="minor">
+              <a:schemeClr val="lt1"/>
+            </a:fontRef>
+          </p:style>
+          <p:txBody>
+            <a:bodyPr rtlCol="0" anchor="ctr"/>
+            <a:lstStyle/>
+            <a:p>
+              <a:pPr algn="ctr"/>
+              <a:endParaRPr lang="en-US"/>
+            </a:p>
+          </p:txBody>
+        </p:sp>
+        <p:cxnSp>
+          <p:nvCxnSpPr>
+            <p:cNvPr id="18" name="Straight Connector 17"/>
+            <p:cNvCxnSpPr/>
+            <p:nvPr/>
+          </p:nvCxnSpPr>
+          <p:spPr>
+            <a:xfrm>
+              <a:off x="526863" y="171450"/>
+              <a:ext cx="0" cy="320675"/>
+            </a:xfrm>
+            <a:prstGeom prst="line">
+              <a:avLst/>
+            </a:prstGeom>
+            <a:ln w="50800">
+              <a:solidFill>
+                <a:schemeClr val="bg1"/>
+              </a:solidFill>
+              <a:tailEnd type="diamond"/>
+            </a:ln>
+          </p:spPr>
+          <p:style>
+            <a:lnRef idx="1">
+              <a:schemeClr val="accent1"/>
+            </a:lnRef>
+            <a:fillRef idx="0">
+              <a:schemeClr val="accent1"/>
+            </a:fillRef>
+            <a:effectRef idx="0">
+              <a:schemeClr val="accent1"/>
+            </a:effectRef>
+            <a:fontRef idx="minor">
+              <a:schemeClr val="tx1"/>
+            </a:fontRef>
+          </p:style>
+        </p:cxnSp>
+      </p:grpSp>
+      <p:pic>
+        <p:nvPicPr>
+          <p:cNvPr id="35" name="图片 34">
+            <a:extLst>
+              <a:ext uri="{FF2B5EF4-FFF2-40B4-BE49-F238E27FC236}">
+                <a16:creationId xmlns:a16="http://schemas.microsoft.com/office/drawing/2014/main" id="{5A2F7E16-5C89-43E7-BBF0-1E6304CF1275}"/>
+              </a:ext>
+            </a:extLst>
+          </p:cNvPr>
+          <p:cNvPicPr>
+            <a:picLocks noChangeAspect="1"/>
+          </p:cNvPicPr>
+          <p:nvPr/>
+        </p:nvPicPr>
+        <p:blipFill>
+          <a:blip r:embed="rId2">
+            <a:extLst>
+              <a:ext uri="{28A0092B-C50C-407E-A947-70E740481C1C}">
+                <a14:useLocalDpi xmlns:a14="http://schemas.microsoft.com/office/drawing/2010/main" val="0"/>
+              </a:ext>
+            </a:extLst>
+          </a:blip>
+          <a:srcRect/>
+          <a:stretch/>
+        </p:blipFill>
+        <p:spPr>
+          <a:xfrm>
+            <a:off x="298944" y="3142538"/>
+            <a:ext cx="5486400" cy="3542285"/>
+          </a:xfrm>
+          <a:prstGeom prst="rect">
+            <a:avLst/>
+          </a:prstGeom>
+        </p:spPr>
+      </p:pic>
+      <p:pic>
+        <p:nvPicPr>
+          <p:cNvPr id="37" name="图片 36">
+            <a:extLst>
+              <a:ext uri="{FF2B5EF4-FFF2-40B4-BE49-F238E27FC236}">
+                <a16:creationId xmlns:a16="http://schemas.microsoft.com/office/drawing/2014/main" id="{00D499C9-91D8-4264-B6DD-39C9AC16F27B}"/>
+              </a:ext>
+            </a:extLst>
+          </p:cNvPr>
+          <p:cNvPicPr>
+            <a:picLocks noChangeAspect="1"/>
+          </p:cNvPicPr>
+          <p:nvPr/>
+        </p:nvPicPr>
+        <p:blipFill rotWithShape="1">
+          <a:blip r:embed="rId3">
+            <a:extLst>
+              <a:ext uri="{28A0092B-C50C-407E-A947-70E740481C1C}">
+                <a14:useLocalDpi xmlns:a14="http://schemas.microsoft.com/office/drawing/2010/main" val="0"/>
+              </a:ext>
+            </a:extLst>
+          </a:blip>
+          <a:srcRect b="4667"/>
+          <a:stretch/>
+        </p:blipFill>
+        <p:spPr>
+          <a:xfrm>
+            <a:off x="298944" y="435651"/>
+            <a:ext cx="5486400" cy="2110596"/>
+          </a:xfrm>
+          <a:prstGeom prst="rect">
+            <a:avLst/>
+          </a:prstGeom>
+        </p:spPr>
+      </p:pic>
+      <p:sp>
+        <p:nvSpPr>
+          <p:cNvPr id="38" name="TextBox 8">
+            <a:extLst>
+              <a:ext uri="{FF2B5EF4-FFF2-40B4-BE49-F238E27FC236}">
+                <a16:creationId xmlns:a16="http://schemas.microsoft.com/office/drawing/2014/main" id="{8FDD1DE8-A6F6-46A9-A7DB-92AF8C50B541}"/>
+              </a:ext>
+            </a:extLst>
+          </p:cNvPr>
+          <p:cNvSpPr txBox="1"/>
+          <p:nvPr/>
+        </p:nvSpPr>
+        <p:spPr>
+          <a:xfrm>
+            <a:off x="875249" y="2546247"/>
+            <a:ext cx="4333789" cy="497508"/>
+          </a:xfrm>
+          <a:prstGeom prst="rect">
+            <a:avLst/>
+          </a:prstGeom>
+          <a:noFill/>
+        </p:spPr>
+        <p:txBody>
+          <a:bodyPr wrap="square" rtlCol="0">
+            <a:spAutoFit/>
+          </a:bodyPr>
+          <a:lstStyle/>
+          <a:p>
+            <a:pPr algn="ctr">
+              <a:lnSpc>
+                <a:spcPct val="150000"/>
+              </a:lnSpc>
+            </a:pPr>
+            <a:r>
+              <a:rPr lang="en-US" sz="2000" spc="300" dirty="0">
+                <a:solidFill>
+                  <a:schemeClr val="tx1">
+                    <a:lumMod val="90000"/>
+                    <a:lumOff val="10000"/>
+                  </a:schemeClr>
+                </a:solidFill>
+                <a:latin typeface="+mj-lt"/>
+              </a:rPr>
+              <a:t>Metacritic</a:t>
+            </a:r>
+          </a:p>
+        </p:txBody>
+      </p:sp>
+      <p:sp>
+        <p:nvSpPr>
+          <p:cNvPr id="39" name="TextBox 8">
+            <a:extLst>
+              <a:ext uri="{FF2B5EF4-FFF2-40B4-BE49-F238E27FC236}">
+                <a16:creationId xmlns:a16="http://schemas.microsoft.com/office/drawing/2014/main" id="{69B69ED7-7AD0-4EA1-AC62-275B3914C89C}"/>
+              </a:ext>
+            </a:extLst>
+          </p:cNvPr>
+          <p:cNvSpPr txBox="1"/>
+          <p:nvPr/>
+        </p:nvSpPr>
+        <p:spPr>
+          <a:xfrm>
+            <a:off x="875249" y="-61857"/>
+            <a:ext cx="4333789" cy="497508"/>
+          </a:xfrm>
+          <a:prstGeom prst="rect">
+            <a:avLst/>
+          </a:prstGeom>
+          <a:noFill/>
+        </p:spPr>
+        <p:txBody>
+          <a:bodyPr wrap="square" rtlCol="0">
+            <a:spAutoFit/>
+          </a:bodyPr>
+          <a:lstStyle/>
+          <a:p>
+            <a:pPr algn="ctr">
+              <a:lnSpc>
+                <a:spcPct val="150000"/>
+              </a:lnSpc>
+            </a:pPr>
+            <a:r>
+              <a:rPr lang="en-US" sz="2000" spc="300" dirty="0">
+                <a:solidFill>
+                  <a:schemeClr val="tx1">
+                    <a:lumMod val="90000"/>
+                    <a:lumOff val="10000"/>
+                  </a:schemeClr>
+                </a:solidFill>
+                <a:latin typeface="+mj-lt"/>
+              </a:rPr>
+              <a:t>IMDb</a:t>
+            </a:r>
+          </a:p>
+        </p:txBody>
+      </p:sp>
     </p:spTree>
     <p:extLst>
       <p:ext uri="{BB962C8B-B14F-4D97-AF65-F5344CB8AC3E}">
-        <p14:creationId xmlns:p14="http://schemas.microsoft.com/office/powerpoint/2010/main" val="2747061499"/>
+        <p14:creationId xmlns:p14="http://schemas.microsoft.com/office/powerpoint/2010/main" val="3586886340"/>
       </p:ext>
     </p:extLst>
   </p:cSld>
@@ -8517,7 +12303,7 @@
 </p:sld>
 </file>
 
-<file path=ppt/slides/slide15.xml><?xml version="1.0" encoding="utf-8"?>
+<file path=ppt/slides/slide20.xml><?xml version="1.0" encoding="utf-8"?>
 <p:sld xmlns:a="http://schemas.openxmlformats.org/drawingml/2006/main" xmlns:r="http://schemas.openxmlformats.org/officeDocument/2006/relationships" xmlns:p="http://schemas.openxmlformats.org/presentationml/2006/main">
   <p:cSld>
     <p:spTree>
@@ -9025,7 +12811,312 @@
 </p:sld>
 </file>
 
-<file path=ppt/slides/slide2.xml><?xml version="1.0" encoding="utf-8"?>
+<file path=ppt/slides/slide3.xml><?xml version="1.0" encoding="utf-8"?>
+<p:sld xmlns:a="http://schemas.openxmlformats.org/drawingml/2006/main" xmlns:r="http://schemas.openxmlformats.org/officeDocument/2006/relationships" xmlns:p="http://schemas.openxmlformats.org/presentationml/2006/main">
+  <p:cSld>
+    <p:bg>
+      <p:bgPr>
+        <a:solidFill>
+          <a:schemeClr val="bg1"/>
+        </a:solidFill>
+        <a:effectLst/>
+      </p:bgPr>
+    </p:bg>
+    <p:spTree>
+      <p:nvGrpSpPr>
+        <p:cNvPr id="1" name=""/>
+        <p:cNvGrpSpPr/>
+        <p:nvPr/>
+      </p:nvGrpSpPr>
+      <p:grpSpPr>
+        <a:xfrm>
+          <a:off x="0" y="0"/>
+          <a:ext cx="0" cy="0"/>
+          <a:chOff x="0" y="0"/>
+          <a:chExt cx="0" cy="0"/>
+        </a:xfrm>
+      </p:grpSpPr>
+      <p:pic>
+        <p:nvPicPr>
+          <p:cNvPr id="10" name="图片占位符 25" descr="手机屏幕截图&#10;&#10;描述已自动生成">
+            <a:extLst>
+              <a:ext uri="{FF2B5EF4-FFF2-40B4-BE49-F238E27FC236}">
+                <a16:creationId xmlns:a16="http://schemas.microsoft.com/office/drawing/2014/main" id="{84D24E49-6E3E-49E1-B5E6-0FABAEB9D6FD}"/>
+              </a:ext>
+            </a:extLst>
+          </p:cNvPr>
+          <p:cNvPicPr>
+            <a:picLocks noChangeAspect="1"/>
+          </p:cNvPicPr>
+          <p:nvPr/>
+        </p:nvPicPr>
+        <p:blipFill>
+          <a:blip r:embed="rId2">
+            <a:extLst>
+              <a:ext uri="{28A0092B-C50C-407E-A947-70E740481C1C}">
+                <a14:useLocalDpi xmlns:a14="http://schemas.microsoft.com/office/drawing/2010/main" val="0"/>
+              </a:ext>
+            </a:extLst>
+          </a:blip>
+          <a:stretch/>
+        </p:blipFill>
+        <p:spPr>
+          <a:xfrm>
+            <a:off x="484632" y="1387018"/>
+            <a:ext cx="3517119" cy="4077818"/>
+          </a:xfrm>
+          <a:prstGeom prst="rect">
+            <a:avLst/>
+          </a:prstGeom>
+        </p:spPr>
+      </p:pic>
+      <p:cxnSp>
+        <p:nvCxnSpPr>
+          <p:cNvPr id="72" name="Straight Connector 67">
+            <a:extLst>
+              <a:ext uri="{FF2B5EF4-FFF2-40B4-BE49-F238E27FC236}">
+                <a16:creationId xmlns:a16="http://schemas.microsoft.com/office/drawing/2014/main" id="{DCD67800-37AC-4E14-89B0-F79DCB3FB86D}"/>
+              </a:ext>
+              <a:ext uri="{C183D7F6-B498-43B3-948B-1728B52AA6E4}">
+                <adec:decorative xmlns:adec="http://schemas.microsoft.com/office/drawing/2017/decorative" val="1"/>
+              </a:ext>
+            </a:extLst>
+          </p:cNvPr>
+          <p:cNvCxnSpPr>
+            <a:cxnSpLocks noGrp="1" noRot="1" noChangeAspect="1" noMove="1" noResize="1" noEditPoints="1" noAdjustHandles="1" noChangeArrowheads="1" noChangeShapeType="1"/>
+          </p:cNvCxnSpPr>
+          <p:nvPr>
+            <p:extLst>
+              <p:ext uri="{386F3935-93C4-4BCD-93E2-E3B085C9AB24}">
+                <p16:designElem xmlns:p16="http://schemas.microsoft.com/office/powerpoint/2015/main" val="1"/>
+              </p:ext>
+            </p:extLst>
+          </p:nvPr>
+        </p:nvCxnSpPr>
+        <p:spPr>
+          <a:xfrm>
+            <a:off x="4165600" y="1573887"/>
+            <a:ext cx="0" cy="3710227"/>
+          </a:xfrm>
+          <a:prstGeom prst="line">
+            <a:avLst/>
+          </a:prstGeom>
+          <a:ln w="19050">
+            <a:solidFill>
+              <a:srgbClr val="7F7F7F"/>
+            </a:solidFill>
+          </a:ln>
+        </p:spPr>
+        <p:style>
+          <a:lnRef idx="1">
+            <a:schemeClr val="accent1"/>
+          </a:lnRef>
+          <a:fillRef idx="0">
+            <a:schemeClr val="accent1"/>
+          </a:fillRef>
+          <a:effectRef idx="0">
+            <a:schemeClr val="accent1"/>
+          </a:effectRef>
+          <a:fontRef idx="minor">
+            <a:schemeClr val="tx1"/>
+          </a:fontRef>
+        </p:style>
+      </p:cxnSp>
+      <p:pic>
+        <p:nvPicPr>
+          <p:cNvPr id="11" name="图片占位符 21" descr="手机屏幕的截图&#10;&#10;描述已自动生成">
+            <a:extLst>
+              <a:ext uri="{FF2B5EF4-FFF2-40B4-BE49-F238E27FC236}">
+                <a16:creationId xmlns:a16="http://schemas.microsoft.com/office/drawing/2014/main" id="{9761C079-8A4F-4390-AF7A-A243F41B377F}"/>
+              </a:ext>
+              <a:ext uri="{C183D7F6-B498-43B3-948B-1728B52AA6E4}">
+                <adec:decorative xmlns:adec="http://schemas.microsoft.com/office/drawing/2017/decorative" val="0"/>
+              </a:ext>
+            </a:extLst>
+          </p:cNvPr>
+          <p:cNvPicPr>
+            <a:picLocks noChangeAspect="1"/>
+          </p:cNvPicPr>
+          <p:nvPr/>
+        </p:nvPicPr>
+        <p:blipFill>
+          <a:blip r:embed="rId3">
+            <a:extLst>
+              <a:ext uri="{28A0092B-C50C-407E-A947-70E740481C1C}">
+                <a14:useLocalDpi xmlns:a14="http://schemas.microsoft.com/office/drawing/2010/main" val="0"/>
+              </a:ext>
+            </a:extLst>
+          </a:blip>
+          <a:stretch/>
+        </p:blipFill>
+        <p:spPr>
+          <a:xfrm>
+            <a:off x="4310676" y="2541591"/>
+            <a:ext cx="3537345" cy="1768672"/>
+          </a:xfrm>
+          <a:prstGeom prst="rect">
+            <a:avLst/>
+          </a:prstGeom>
+          <a:pattFill prst="divot">
+            <a:fgClr>
+              <a:schemeClr val="accent1"/>
+            </a:fgClr>
+            <a:bgClr>
+              <a:schemeClr val="bg1"/>
+            </a:bgClr>
+          </a:pattFill>
+        </p:spPr>
+      </p:pic>
+      <p:cxnSp>
+        <p:nvCxnSpPr>
+          <p:cNvPr id="73" name="Straight Connector 69">
+            <a:extLst>
+              <a:ext uri="{FF2B5EF4-FFF2-40B4-BE49-F238E27FC236}">
+                <a16:creationId xmlns:a16="http://schemas.microsoft.com/office/drawing/2014/main" id="{20F1788F-A5AE-4188-8274-F7F2E3833ECD}"/>
+              </a:ext>
+              <a:ext uri="{C183D7F6-B498-43B3-948B-1728B52AA6E4}">
+                <adec:decorative xmlns:adec="http://schemas.microsoft.com/office/drawing/2017/decorative" val="1"/>
+              </a:ext>
+            </a:extLst>
+          </p:cNvPr>
+          <p:cNvCxnSpPr>
+            <a:cxnSpLocks noGrp="1" noRot="1" noChangeAspect="1" noMove="1" noResize="1" noEditPoints="1" noAdjustHandles="1" noChangeArrowheads="1" noChangeShapeType="1"/>
+          </p:cNvCxnSpPr>
+          <p:nvPr>
+            <p:extLst>
+              <p:ext uri="{386F3935-93C4-4BCD-93E2-E3B085C9AB24}">
+                <p16:designElem xmlns:p16="http://schemas.microsoft.com/office/powerpoint/2015/main" val="1"/>
+              </p:ext>
+            </p:extLst>
+          </p:nvPr>
+        </p:nvCxnSpPr>
+        <p:spPr>
+          <a:xfrm>
+            <a:off x="7995920" y="1573887"/>
+            <a:ext cx="0" cy="3710227"/>
+          </a:xfrm>
+          <a:prstGeom prst="line">
+            <a:avLst/>
+          </a:prstGeom>
+          <a:ln w="19050">
+            <a:solidFill>
+              <a:srgbClr val="7F7F7F"/>
+            </a:solidFill>
+          </a:ln>
+        </p:spPr>
+        <p:style>
+          <a:lnRef idx="1">
+            <a:schemeClr val="accent1"/>
+          </a:lnRef>
+          <a:fillRef idx="0">
+            <a:schemeClr val="accent1"/>
+          </a:fillRef>
+          <a:effectRef idx="0">
+            <a:schemeClr val="accent1"/>
+          </a:effectRef>
+          <a:fontRef idx="minor">
+            <a:schemeClr val="tx1"/>
+          </a:fontRef>
+        </p:style>
+      </p:cxnSp>
+      <p:pic>
+        <p:nvPicPr>
+          <p:cNvPr id="17" name="图片占位符 27" descr="手机屏幕截图&#10;&#10;描述已自动生成">
+            <a:extLst>
+              <a:ext uri="{FF2B5EF4-FFF2-40B4-BE49-F238E27FC236}">
+                <a16:creationId xmlns:a16="http://schemas.microsoft.com/office/drawing/2014/main" id="{6852B821-F760-43F9-89BF-B05D4B2A6090}"/>
+              </a:ext>
+            </a:extLst>
+          </p:cNvPr>
+          <p:cNvPicPr>
+            <a:picLocks noGrp="1" noChangeAspect="1"/>
+          </p:cNvPicPr>
+          <p:nvPr>
+            <p:ph type="pic" sz="quarter" idx="10"/>
+          </p:nvPr>
+        </p:nvPicPr>
+        <p:blipFill>
+          <a:blip r:embed="rId4">
+            <a:extLst>
+              <a:ext uri="{28A0092B-C50C-407E-A947-70E740481C1C}">
+                <a14:useLocalDpi xmlns:a14="http://schemas.microsoft.com/office/drawing/2010/main" val="0"/>
+              </a:ext>
+            </a:extLst>
+          </a:blip>
+          <a:stretch/>
+        </p:blipFill>
+        <p:spPr>
+          <a:xfrm>
+            <a:off x="8162336" y="2318961"/>
+            <a:ext cx="3517120" cy="2213933"/>
+          </a:xfrm>
+          <a:prstGeom prst="rect">
+            <a:avLst/>
+          </a:prstGeom>
+        </p:spPr>
+      </p:pic>
+      <p:sp>
+        <p:nvSpPr>
+          <p:cNvPr id="45" name="TextBox 8">
+            <a:extLst>
+              <a:ext uri="{FF2B5EF4-FFF2-40B4-BE49-F238E27FC236}">
+                <a16:creationId xmlns:a16="http://schemas.microsoft.com/office/drawing/2014/main" id="{4D514E8F-6FA1-4DA4-8CC3-5C270552BC1D}"/>
+              </a:ext>
+            </a:extLst>
+          </p:cNvPr>
+          <p:cNvSpPr txBox="1"/>
+          <p:nvPr/>
+        </p:nvSpPr>
+        <p:spPr>
+          <a:xfrm>
+            <a:off x="2339074" y="267648"/>
+            <a:ext cx="7513853" cy="821572"/>
+          </a:xfrm>
+          <a:prstGeom prst="rect">
+            <a:avLst/>
+          </a:prstGeom>
+          <a:noFill/>
+        </p:spPr>
+        <p:txBody>
+          <a:bodyPr wrap="square" rtlCol="0">
+            <a:spAutoFit/>
+          </a:bodyPr>
+          <a:lstStyle/>
+          <a:p>
+            <a:pPr>
+              <a:lnSpc>
+                <a:spcPct val="150000"/>
+              </a:lnSpc>
+            </a:pPr>
+            <a:r>
+              <a:rPr lang="en-US" sz="3600" spc="300" dirty="0">
+                <a:solidFill>
+                  <a:schemeClr val="tx1">
+                    <a:lumMod val="90000"/>
+                    <a:lumOff val="10000"/>
+                  </a:schemeClr>
+                </a:solidFill>
+                <a:latin typeface="+mj-lt"/>
+              </a:rPr>
+              <a:t>How To Create A Metascore</a:t>
+            </a:r>
+          </a:p>
+        </p:txBody>
+      </p:sp>
+    </p:spTree>
+    <p:extLst>
+      <p:ext uri="{BB962C8B-B14F-4D97-AF65-F5344CB8AC3E}">
+        <p14:creationId xmlns:p14="http://schemas.microsoft.com/office/powerpoint/2010/main" val="386699268"/>
+      </p:ext>
+    </p:extLst>
+  </p:cSld>
+  <p:clrMapOvr>
+    <a:masterClrMapping/>
+  </p:clrMapOvr>
+</p:sld>
+</file>
+
+<file path=ppt/slides/slide4.xml><?xml version="1.0" encoding="utf-8"?>
 <p:sld xmlns:a="http://schemas.openxmlformats.org/drawingml/2006/main" xmlns:r="http://schemas.openxmlformats.org/officeDocument/2006/relationships" xmlns:p="http://schemas.openxmlformats.org/presentationml/2006/main">
   <p:cSld>
     <p:spTree>
@@ -9463,892 +13554,6 @@
 </p:sld>
 </file>
 
-<file path=ppt/slides/slide3.xml><?xml version="1.0" encoding="utf-8"?>
-<p:sld xmlns:a="http://schemas.openxmlformats.org/drawingml/2006/main" xmlns:r="http://schemas.openxmlformats.org/officeDocument/2006/relationships" xmlns:p="http://schemas.openxmlformats.org/presentationml/2006/main">
-  <p:cSld>
-    <p:spTree>
-      <p:nvGrpSpPr>
-        <p:cNvPr id="1" name=""/>
-        <p:cNvGrpSpPr/>
-        <p:nvPr/>
-      </p:nvGrpSpPr>
-      <p:grpSpPr>
-        <a:xfrm>
-          <a:off x="0" y="0"/>
-          <a:ext cx="0" cy="0"/>
-          <a:chOff x="0" y="0"/>
-          <a:chExt cx="0" cy="0"/>
-        </a:xfrm>
-      </p:grpSpPr>
-      <p:grpSp>
-        <p:nvGrpSpPr>
-          <p:cNvPr id="6" name="Group 5"/>
-          <p:cNvGrpSpPr/>
-          <p:nvPr/>
-        </p:nvGrpSpPr>
-        <p:grpSpPr>
-          <a:xfrm>
-            <a:off x="7196476" y="1072504"/>
-            <a:ext cx="4333790" cy="4630490"/>
-            <a:chOff x="1160120" y="1912123"/>
-            <a:chExt cx="3837896" cy="4630490"/>
-          </a:xfrm>
-        </p:grpSpPr>
-        <p:grpSp>
-          <p:nvGrpSpPr>
-            <p:cNvPr id="7" name="Group 6"/>
-            <p:cNvGrpSpPr/>
-            <p:nvPr/>
-          </p:nvGrpSpPr>
-          <p:grpSpPr>
-            <a:xfrm>
-              <a:off x="1160120" y="1912123"/>
-              <a:ext cx="3837896" cy="4144784"/>
-              <a:chOff x="792161" y="1122205"/>
-              <a:chExt cx="3837896" cy="4144784"/>
-            </a:xfrm>
-          </p:grpSpPr>
-          <p:sp>
-            <p:nvSpPr>
-              <p:cNvPr id="9" name="TextBox 8"/>
-              <p:cNvSpPr txBox="1"/>
-              <p:nvPr/>
-            </p:nvSpPr>
-            <p:spPr>
-              <a:xfrm>
-                <a:off x="792161" y="1122205"/>
-                <a:ext cx="3837895" cy="1652568"/>
-              </a:xfrm>
-              <a:prstGeom prst="rect">
-                <a:avLst/>
-              </a:prstGeom>
-              <a:noFill/>
-            </p:spPr>
-            <p:txBody>
-              <a:bodyPr wrap="square" rtlCol="0">
-                <a:spAutoFit/>
-              </a:bodyPr>
-              <a:lstStyle/>
-              <a:p>
-                <a:pPr>
-                  <a:lnSpc>
-                    <a:spcPct val="150000"/>
-                  </a:lnSpc>
-                </a:pPr>
-                <a:r>
-                  <a:rPr lang="en-US" sz="3600" spc="300" dirty="0">
-                    <a:solidFill>
-                      <a:schemeClr val="tx1">
-                        <a:lumMod val="90000"/>
-                        <a:lumOff val="10000"/>
-                      </a:schemeClr>
-                    </a:solidFill>
-                    <a:latin typeface="+mj-lt"/>
-                  </a:rPr>
-                  <a:t>About Metacritic</a:t>
-                </a:r>
-              </a:p>
-            </p:txBody>
-          </p:sp>
-          <p:sp>
-            <p:nvSpPr>
-              <p:cNvPr id="10" name="TextBox 9"/>
-              <p:cNvSpPr txBox="1"/>
-              <p:nvPr/>
-            </p:nvSpPr>
-            <p:spPr>
-              <a:xfrm>
-                <a:off x="792162" y="2317784"/>
-                <a:ext cx="3837895" cy="2949205"/>
-              </a:xfrm>
-              <a:prstGeom prst="rect">
-                <a:avLst/>
-              </a:prstGeom>
-              <a:noFill/>
-            </p:spPr>
-            <p:txBody>
-              <a:bodyPr wrap="square" rtlCol="0">
-                <a:spAutoFit/>
-              </a:bodyPr>
-              <a:lstStyle/>
-              <a:p>
-                <a:pPr>
-                  <a:lnSpc>
-                    <a:spcPct val="150000"/>
-                  </a:lnSpc>
-                </a:pPr>
-                <a:r>
-                  <a:rPr lang="en-US" dirty="0">
-                    <a:solidFill>
-                      <a:schemeClr val="tx1">
-                        <a:lumMod val="75000"/>
-                        <a:lumOff val="25000"/>
-                      </a:schemeClr>
-                    </a:solidFill>
-                  </a:rPr>
-                  <a:t>Launched in January 2001, Metacritic has evolved over the last decade to reflect their experience distilling many critics' voices into the single Metascore, a </a:t>
-                </a:r>
-                <a:r>
-                  <a:rPr lang="en-US" b="1" dirty="0">
-                    <a:solidFill>
-                      <a:schemeClr val="tx1">
-                        <a:lumMod val="75000"/>
-                        <a:lumOff val="25000"/>
-                      </a:schemeClr>
-                    </a:solidFill>
-                  </a:rPr>
-                  <a:t>weighted average </a:t>
-                </a:r>
-                <a:r>
-                  <a:rPr lang="en-US" dirty="0">
-                    <a:solidFill>
-                      <a:schemeClr val="tx1">
-                        <a:lumMod val="75000"/>
-                        <a:lumOff val="25000"/>
-                      </a:schemeClr>
-                    </a:solidFill>
-                  </a:rPr>
-                  <a:t>of the </a:t>
-                </a:r>
-                <a:r>
-                  <a:rPr lang="en-US" b="1" dirty="0">
-                    <a:solidFill>
-                      <a:schemeClr val="tx1">
-                        <a:lumMod val="75000"/>
-                        <a:lumOff val="25000"/>
-                      </a:schemeClr>
-                    </a:solidFill>
-                  </a:rPr>
-                  <a:t>most respected critics </a:t>
-                </a:r>
-                <a:r>
-                  <a:rPr lang="en-US" dirty="0">
-                    <a:solidFill>
-                      <a:schemeClr val="tx1">
-                        <a:lumMod val="75000"/>
-                        <a:lumOff val="25000"/>
-                      </a:schemeClr>
-                    </a:solidFill>
-                  </a:rPr>
-                  <a:t>writing reviews online and in print.</a:t>
-                </a:r>
-              </a:p>
-            </p:txBody>
-          </p:sp>
-        </p:grpSp>
-        <p:cxnSp>
-          <p:nvCxnSpPr>
-            <p:cNvPr id="8" name="Straight Connector 7"/>
-            <p:cNvCxnSpPr/>
-            <p:nvPr/>
-          </p:nvCxnSpPr>
-          <p:spPr>
-            <a:xfrm>
-              <a:off x="1257431" y="6542613"/>
-              <a:ext cx="745322" cy="0"/>
-            </a:xfrm>
-            <a:prstGeom prst="line">
-              <a:avLst/>
-            </a:prstGeom>
-            <a:ln w="57150">
-              <a:solidFill>
-                <a:schemeClr val="tx1">
-                  <a:lumMod val="50000"/>
-                  <a:lumOff val="50000"/>
-                </a:schemeClr>
-              </a:solidFill>
-            </a:ln>
-          </p:spPr>
-          <p:style>
-            <a:lnRef idx="1">
-              <a:schemeClr val="accent1"/>
-            </a:lnRef>
-            <a:fillRef idx="0">
-              <a:schemeClr val="accent1"/>
-            </a:fillRef>
-            <a:effectRef idx="0">
-              <a:schemeClr val="accent1"/>
-            </a:effectRef>
-            <a:fontRef idx="minor">
-              <a:schemeClr val="tx1"/>
-            </a:fontRef>
-          </p:style>
-        </p:cxnSp>
-      </p:grpSp>
-      <p:grpSp>
-        <p:nvGrpSpPr>
-          <p:cNvPr id="16" name="Group 15"/>
-          <p:cNvGrpSpPr/>
-          <p:nvPr/>
-        </p:nvGrpSpPr>
-        <p:grpSpPr>
-          <a:xfrm>
-            <a:off x="11530266" y="171450"/>
-            <a:ext cx="449356" cy="449356"/>
-            <a:chOff x="209550" y="171450"/>
-            <a:chExt cx="641350" cy="641350"/>
-          </a:xfrm>
-        </p:grpSpPr>
-        <p:sp>
-          <p:nvSpPr>
-            <p:cNvPr id="17" name="Rectangle 16"/>
-            <p:cNvSpPr/>
-            <p:nvPr/>
-          </p:nvSpPr>
-          <p:spPr>
-            <a:xfrm>
-              <a:off x="209550" y="171450"/>
-              <a:ext cx="641350" cy="641350"/>
-            </a:xfrm>
-            <a:prstGeom prst="rect">
-              <a:avLst/>
-            </a:prstGeom>
-            <a:ln>
-              <a:noFill/>
-            </a:ln>
-          </p:spPr>
-          <p:style>
-            <a:lnRef idx="2">
-              <a:schemeClr val="accent1">
-                <a:shade val="50000"/>
-              </a:schemeClr>
-            </a:lnRef>
-            <a:fillRef idx="1">
-              <a:schemeClr val="accent1"/>
-            </a:fillRef>
-            <a:effectRef idx="0">
-              <a:schemeClr val="accent1"/>
-            </a:effectRef>
-            <a:fontRef idx="minor">
-              <a:schemeClr val="lt1"/>
-            </a:fontRef>
-          </p:style>
-          <p:txBody>
-            <a:bodyPr rtlCol="0" anchor="ctr"/>
-            <a:lstStyle/>
-            <a:p>
-              <a:pPr algn="ctr"/>
-              <a:endParaRPr lang="en-US"/>
-            </a:p>
-          </p:txBody>
-        </p:sp>
-        <p:cxnSp>
-          <p:nvCxnSpPr>
-            <p:cNvPr id="18" name="Straight Connector 17"/>
-            <p:cNvCxnSpPr/>
-            <p:nvPr/>
-          </p:nvCxnSpPr>
-          <p:spPr>
-            <a:xfrm>
-              <a:off x="526863" y="171450"/>
-              <a:ext cx="0" cy="320675"/>
-            </a:xfrm>
-            <a:prstGeom prst="line">
-              <a:avLst/>
-            </a:prstGeom>
-            <a:ln w="50800">
-              <a:solidFill>
-                <a:schemeClr val="bg1"/>
-              </a:solidFill>
-              <a:tailEnd type="diamond"/>
-            </a:ln>
-          </p:spPr>
-          <p:style>
-            <a:lnRef idx="1">
-              <a:schemeClr val="accent1"/>
-            </a:lnRef>
-            <a:fillRef idx="0">
-              <a:schemeClr val="accent1"/>
-            </a:fillRef>
-            <a:effectRef idx="0">
-              <a:schemeClr val="accent1"/>
-            </a:effectRef>
-            <a:fontRef idx="minor">
-              <a:schemeClr val="tx1"/>
-            </a:fontRef>
-          </p:style>
-        </p:cxnSp>
-      </p:grpSp>
-      <p:pic>
-        <p:nvPicPr>
-          <p:cNvPr id="35" name="图片 34">
-            <a:extLst>
-              <a:ext uri="{FF2B5EF4-FFF2-40B4-BE49-F238E27FC236}">
-                <a16:creationId xmlns:a16="http://schemas.microsoft.com/office/drawing/2014/main" id="{5A2F7E16-5C89-43E7-BBF0-1E6304CF1275}"/>
-              </a:ext>
-            </a:extLst>
-          </p:cNvPr>
-          <p:cNvPicPr>
-            <a:picLocks noChangeAspect="1"/>
-          </p:cNvPicPr>
-          <p:nvPr/>
-        </p:nvPicPr>
-        <p:blipFill>
-          <a:blip r:embed="rId2">
-            <a:extLst>
-              <a:ext uri="{28A0092B-C50C-407E-A947-70E740481C1C}">
-                <a14:useLocalDpi xmlns:a14="http://schemas.microsoft.com/office/drawing/2010/main" val="0"/>
-              </a:ext>
-            </a:extLst>
-          </a:blip>
-          <a:srcRect/>
-          <a:stretch/>
-        </p:blipFill>
-        <p:spPr>
-          <a:xfrm>
-            <a:off x="298944" y="475538"/>
-            <a:ext cx="5486400" cy="3542285"/>
-          </a:xfrm>
-          <a:prstGeom prst="rect">
-            <a:avLst/>
-          </a:prstGeom>
-        </p:spPr>
-      </p:pic>
-      <p:pic>
-        <p:nvPicPr>
-          <p:cNvPr id="37" name="图片 36">
-            <a:extLst>
-              <a:ext uri="{FF2B5EF4-FFF2-40B4-BE49-F238E27FC236}">
-                <a16:creationId xmlns:a16="http://schemas.microsoft.com/office/drawing/2014/main" id="{00D499C9-91D8-4264-B6DD-39C9AC16F27B}"/>
-              </a:ext>
-            </a:extLst>
-          </p:cNvPr>
-          <p:cNvPicPr>
-            <a:picLocks noChangeAspect="1"/>
-          </p:cNvPicPr>
-          <p:nvPr/>
-        </p:nvPicPr>
-        <p:blipFill rotWithShape="1">
-          <a:blip r:embed="rId3">
-            <a:extLst>
-              <a:ext uri="{28A0092B-C50C-407E-A947-70E740481C1C}">
-                <a14:useLocalDpi xmlns:a14="http://schemas.microsoft.com/office/drawing/2010/main" val="0"/>
-              </a:ext>
-            </a:extLst>
-          </a:blip>
-          <a:srcRect b="4667"/>
-          <a:stretch/>
-        </p:blipFill>
-        <p:spPr>
-          <a:xfrm>
-            <a:off x="298944" y="4530936"/>
-            <a:ext cx="5486400" cy="2110596"/>
-          </a:xfrm>
-          <a:prstGeom prst="rect">
-            <a:avLst/>
-          </a:prstGeom>
-        </p:spPr>
-      </p:pic>
-      <p:sp>
-        <p:nvSpPr>
-          <p:cNvPr id="38" name="TextBox 8">
-            <a:extLst>
-              <a:ext uri="{FF2B5EF4-FFF2-40B4-BE49-F238E27FC236}">
-                <a16:creationId xmlns:a16="http://schemas.microsoft.com/office/drawing/2014/main" id="{8FDD1DE8-A6F6-46A9-A7DB-92AF8C50B541}"/>
-              </a:ext>
-            </a:extLst>
-          </p:cNvPr>
-          <p:cNvSpPr txBox="1"/>
-          <p:nvPr/>
-        </p:nvSpPr>
-        <p:spPr>
-          <a:xfrm>
-            <a:off x="765983" y="-61857"/>
-            <a:ext cx="4333789" cy="497508"/>
-          </a:xfrm>
-          <a:prstGeom prst="rect">
-            <a:avLst/>
-          </a:prstGeom>
-          <a:noFill/>
-        </p:spPr>
-        <p:txBody>
-          <a:bodyPr wrap="square" rtlCol="0">
-            <a:spAutoFit/>
-          </a:bodyPr>
-          <a:lstStyle/>
-          <a:p>
-            <a:pPr algn="ctr">
-              <a:lnSpc>
-                <a:spcPct val="150000"/>
-              </a:lnSpc>
-            </a:pPr>
-            <a:r>
-              <a:rPr lang="en-US" sz="2000" spc="300" dirty="0">
-                <a:solidFill>
-                  <a:schemeClr val="tx1">
-                    <a:lumMod val="90000"/>
-                    <a:lumOff val="10000"/>
-                  </a:schemeClr>
-                </a:solidFill>
-                <a:latin typeface="+mj-lt"/>
-              </a:rPr>
-              <a:t>Metacritic</a:t>
-            </a:r>
-          </a:p>
-        </p:txBody>
-      </p:sp>
-      <p:sp>
-        <p:nvSpPr>
-          <p:cNvPr id="39" name="TextBox 8">
-            <a:extLst>
-              <a:ext uri="{FF2B5EF4-FFF2-40B4-BE49-F238E27FC236}">
-                <a16:creationId xmlns:a16="http://schemas.microsoft.com/office/drawing/2014/main" id="{69B69ED7-7AD0-4EA1-AC62-275B3914C89C}"/>
-              </a:ext>
-            </a:extLst>
-          </p:cNvPr>
-          <p:cNvSpPr txBox="1"/>
-          <p:nvPr/>
-        </p:nvSpPr>
-        <p:spPr>
-          <a:xfrm>
-            <a:off x="765982" y="3991388"/>
-            <a:ext cx="4333789" cy="497508"/>
-          </a:xfrm>
-          <a:prstGeom prst="rect">
-            <a:avLst/>
-          </a:prstGeom>
-          <a:noFill/>
-        </p:spPr>
-        <p:txBody>
-          <a:bodyPr wrap="square" rtlCol="0">
-            <a:spAutoFit/>
-          </a:bodyPr>
-          <a:lstStyle/>
-          <a:p>
-            <a:pPr algn="ctr">
-              <a:lnSpc>
-                <a:spcPct val="150000"/>
-              </a:lnSpc>
-            </a:pPr>
-            <a:r>
-              <a:rPr lang="en-US" sz="2000" spc="300" dirty="0">
-                <a:solidFill>
-                  <a:schemeClr val="tx1">
-                    <a:lumMod val="90000"/>
-                    <a:lumOff val="10000"/>
-                  </a:schemeClr>
-                </a:solidFill>
-                <a:latin typeface="+mj-lt"/>
-              </a:rPr>
-              <a:t>IMDb</a:t>
-            </a:r>
-          </a:p>
-        </p:txBody>
-      </p:sp>
-    </p:spTree>
-    <p:extLst>
-      <p:ext uri="{BB962C8B-B14F-4D97-AF65-F5344CB8AC3E}">
-        <p14:creationId xmlns:p14="http://schemas.microsoft.com/office/powerpoint/2010/main" val="3586886340"/>
-      </p:ext>
-    </p:extLst>
-  </p:cSld>
-  <p:clrMapOvr>
-    <a:masterClrMapping/>
-  </p:clrMapOvr>
-</p:sld>
-</file>
-
-<file path=ppt/slides/slide4.xml><?xml version="1.0" encoding="utf-8"?>
-<p:sld xmlns:a="http://schemas.openxmlformats.org/drawingml/2006/main" xmlns:r="http://schemas.openxmlformats.org/officeDocument/2006/relationships" xmlns:p="http://schemas.openxmlformats.org/presentationml/2006/main">
-  <p:cSld>
-    <p:bg>
-      <p:bgPr>
-        <a:solidFill>
-          <a:schemeClr val="bg1"/>
-        </a:solidFill>
-        <a:effectLst/>
-      </p:bgPr>
-    </p:bg>
-    <p:spTree>
-      <p:nvGrpSpPr>
-        <p:cNvPr id="1" name=""/>
-        <p:cNvGrpSpPr/>
-        <p:nvPr/>
-      </p:nvGrpSpPr>
-      <p:grpSpPr>
-        <a:xfrm>
-          <a:off x="0" y="0"/>
-          <a:ext cx="0" cy="0"/>
-          <a:chOff x="0" y="0"/>
-          <a:chExt cx="0" cy="0"/>
-        </a:xfrm>
-      </p:grpSpPr>
-      <p:pic>
-        <p:nvPicPr>
-          <p:cNvPr id="10" name="图片占位符 25" descr="手机屏幕截图&#10;&#10;描述已自动生成">
-            <a:extLst>
-              <a:ext uri="{FF2B5EF4-FFF2-40B4-BE49-F238E27FC236}">
-                <a16:creationId xmlns:a16="http://schemas.microsoft.com/office/drawing/2014/main" id="{84D24E49-6E3E-49E1-B5E6-0FABAEB9D6FD}"/>
-              </a:ext>
-            </a:extLst>
-          </p:cNvPr>
-          <p:cNvPicPr>
-            <a:picLocks noChangeAspect="1"/>
-          </p:cNvPicPr>
-          <p:nvPr/>
-        </p:nvPicPr>
-        <p:blipFill>
-          <a:blip r:embed="rId2">
-            <a:extLst>
-              <a:ext uri="{28A0092B-C50C-407E-A947-70E740481C1C}">
-                <a14:useLocalDpi xmlns:a14="http://schemas.microsoft.com/office/drawing/2010/main" val="0"/>
-              </a:ext>
-            </a:extLst>
-          </a:blip>
-          <a:stretch/>
-        </p:blipFill>
-        <p:spPr>
-          <a:xfrm>
-            <a:off x="484632" y="1387018"/>
-            <a:ext cx="3517119" cy="4077818"/>
-          </a:xfrm>
-          <a:prstGeom prst="rect">
-            <a:avLst/>
-          </a:prstGeom>
-        </p:spPr>
-      </p:pic>
-      <p:cxnSp>
-        <p:nvCxnSpPr>
-          <p:cNvPr id="72" name="Straight Connector 67">
-            <a:extLst>
-              <a:ext uri="{FF2B5EF4-FFF2-40B4-BE49-F238E27FC236}">
-                <a16:creationId xmlns:a16="http://schemas.microsoft.com/office/drawing/2014/main" id="{DCD67800-37AC-4E14-89B0-F79DCB3FB86D}"/>
-              </a:ext>
-              <a:ext uri="{C183D7F6-B498-43B3-948B-1728B52AA6E4}">
-                <adec:decorative xmlns:adec="http://schemas.microsoft.com/office/drawing/2017/decorative" val="1"/>
-              </a:ext>
-            </a:extLst>
-          </p:cNvPr>
-          <p:cNvCxnSpPr>
-            <a:cxnSpLocks noGrp="1" noRot="1" noChangeAspect="1" noMove="1" noResize="1" noEditPoints="1" noAdjustHandles="1" noChangeArrowheads="1" noChangeShapeType="1"/>
-          </p:cNvCxnSpPr>
-          <p:nvPr>
-            <p:extLst>
-              <p:ext uri="{386F3935-93C4-4BCD-93E2-E3B085C9AB24}">
-                <p16:designElem xmlns:p16="http://schemas.microsoft.com/office/powerpoint/2015/main" val="1"/>
-              </p:ext>
-            </p:extLst>
-          </p:nvPr>
-        </p:nvCxnSpPr>
-        <p:spPr>
-          <a:xfrm>
-            <a:off x="4165600" y="1573887"/>
-            <a:ext cx="0" cy="3710227"/>
-          </a:xfrm>
-          <a:prstGeom prst="line">
-            <a:avLst/>
-          </a:prstGeom>
-          <a:ln w="19050">
-            <a:solidFill>
-              <a:srgbClr val="7F7F7F"/>
-            </a:solidFill>
-          </a:ln>
-        </p:spPr>
-        <p:style>
-          <a:lnRef idx="1">
-            <a:schemeClr val="accent1"/>
-          </a:lnRef>
-          <a:fillRef idx="0">
-            <a:schemeClr val="accent1"/>
-          </a:fillRef>
-          <a:effectRef idx="0">
-            <a:schemeClr val="accent1"/>
-          </a:effectRef>
-          <a:fontRef idx="minor">
-            <a:schemeClr val="tx1"/>
-          </a:fontRef>
-        </p:style>
-      </p:cxnSp>
-      <p:pic>
-        <p:nvPicPr>
-          <p:cNvPr id="11" name="图片占位符 21" descr="手机屏幕的截图&#10;&#10;描述已自动生成">
-            <a:extLst>
-              <a:ext uri="{FF2B5EF4-FFF2-40B4-BE49-F238E27FC236}">
-                <a16:creationId xmlns:a16="http://schemas.microsoft.com/office/drawing/2014/main" id="{9761C079-8A4F-4390-AF7A-A243F41B377F}"/>
-              </a:ext>
-              <a:ext uri="{C183D7F6-B498-43B3-948B-1728B52AA6E4}">
-                <adec:decorative xmlns:adec="http://schemas.microsoft.com/office/drawing/2017/decorative" val="0"/>
-              </a:ext>
-            </a:extLst>
-          </p:cNvPr>
-          <p:cNvPicPr>
-            <a:picLocks noChangeAspect="1"/>
-          </p:cNvPicPr>
-          <p:nvPr/>
-        </p:nvPicPr>
-        <p:blipFill>
-          <a:blip r:embed="rId3">
-            <a:extLst>
-              <a:ext uri="{28A0092B-C50C-407E-A947-70E740481C1C}">
-                <a14:useLocalDpi xmlns:a14="http://schemas.microsoft.com/office/drawing/2010/main" val="0"/>
-              </a:ext>
-            </a:extLst>
-          </a:blip>
-          <a:stretch/>
-        </p:blipFill>
-        <p:spPr>
-          <a:xfrm>
-            <a:off x="4310676" y="2541591"/>
-            <a:ext cx="3537345" cy="1768672"/>
-          </a:xfrm>
-          <a:prstGeom prst="rect">
-            <a:avLst/>
-          </a:prstGeom>
-          <a:pattFill prst="divot">
-            <a:fgClr>
-              <a:schemeClr val="accent1"/>
-            </a:fgClr>
-            <a:bgClr>
-              <a:schemeClr val="bg1"/>
-            </a:bgClr>
-          </a:pattFill>
-        </p:spPr>
-      </p:pic>
-      <p:cxnSp>
-        <p:nvCxnSpPr>
-          <p:cNvPr id="73" name="Straight Connector 69">
-            <a:extLst>
-              <a:ext uri="{FF2B5EF4-FFF2-40B4-BE49-F238E27FC236}">
-                <a16:creationId xmlns:a16="http://schemas.microsoft.com/office/drawing/2014/main" id="{20F1788F-A5AE-4188-8274-F7F2E3833ECD}"/>
-              </a:ext>
-              <a:ext uri="{C183D7F6-B498-43B3-948B-1728B52AA6E4}">
-                <adec:decorative xmlns:adec="http://schemas.microsoft.com/office/drawing/2017/decorative" val="1"/>
-              </a:ext>
-            </a:extLst>
-          </p:cNvPr>
-          <p:cNvCxnSpPr>
-            <a:cxnSpLocks noGrp="1" noRot="1" noChangeAspect="1" noMove="1" noResize="1" noEditPoints="1" noAdjustHandles="1" noChangeArrowheads="1" noChangeShapeType="1"/>
-          </p:cNvCxnSpPr>
-          <p:nvPr>
-            <p:extLst>
-              <p:ext uri="{386F3935-93C4-4BCD-93E2-E3B085C9AB24}">
-                <p16:designElem xmlns:p16="http://schemas.microsoft.com/office/powerpoint/2015/main" val="1"/>
-              </p:ext>
-            </p:extLst>
-          </p:nvPr>
-        </p:nvCxnSpPr>
-        <p:spPr>
-          <a:xfrm>
-            <a:off x="7995920" y="1573887"/>
-            <a:ext cx="0" cy="3710227"/>
-          </a:xfrm>
-          <a:prstGeom prst="line">
-            <a:avLst/>
-          </a:prstGeom>
-          <a:ln w="19050">
-            <a:solidFill>
-              <a:srgbClr val="7F7F7F"/>
-            </a:solidFill>
-          </a:ln>
-        </p:spPr>
-        <p:style>
-          <a:lnRef idx="1">
-            <a:schemeClr val="accent1"/>
-          </a:lnRef>
-          <a:fillRef idx="0">
-            <a:schemeClr val="accent1"/>
-          </a:fillRef>
-          <a:effectRef idx="0">
-            <a:schemeClr val="accent1"/>
-          </a:effectRef>
-          <a:fontRef idx="minor">
-            <a:schemeClr val="tx1"/>
-          </a:fontRef>
-        </p:style>
-      </p:cxnSp>
-      <p:pic>
-        <p:nvPicPr>
-          <p:cNvPr id="17" name="图片占位符 27" descr="手机屏幕截图&#10;&#10;描述已自动生成">
-            <a:extLst>
-              <a:ext uri="{FF2B5EF4-FFF2-40B4-BE49-F238E27FC236}">
-                <a16:creationId xmlns:a16="http://schemas.microsoft.com/office/drawing/2014/main" id="{6852B821-F760-43F9-89BF-B05D4B2A6090}"/>
-              </a:ext>
-            </a:extLst>
-          </p:cNvPr>
-          <p:cNvPicPr>
-            <a:picLocks noGrp="1" noChangeAspect="1"/>
-          </p:cNvPicPr>
-          <p:nvPr>
-            <p:ph type="pic" sz="quarter" idx="10"/>
-          </p:nvPr>
-        </p:nvPicPr>
-        <p:blipFill>
-          <a:blip r:embed="rId4">
-            <a:extLst>
-              <a:ext uri="{28A0092B-C50C-407E-A947-70E740481C1C}">
-                <a14:useLocalDpi xmlns:a14="http://schemas.microsoft.com/office/drawing/2010/main" val="0"/>
-              </a:ext>
-            </a:extLst>
-          </a:blip>
-          <a:stretch/>
-        </p:blipFill>
-        <p:spPr>
-          <a:xfrm>
-            <a:off x="8162336" y="2318961"/>
-            <a:ext cx="3517120" cy="2213933"/>
-          </a:xfrm>
-          <a:prstGeom prst="rect">
-            <a:avLst/>
-          </a:prstGeom>
-        </p:spPr>
-      </p:pic>
-      <p:sp>
-        <p:nvSpPr>
-          <p:cNvPr id="4" name="Parallelogram 3"/>
-          <p:cNvSpPr/>
-          <p:nvPr/>
-        </p:nvSpPr>
-        <p:spPr>
-          <a:xfrm>
-            <a:off x="207818" y="312030"/>
-            <a:ext cx="768350" cy="781902"/>
-          </a:xfrm>
-          <a:prstGeom prst="parallelogram">
-            <a:avLst>
-              <a:gd name="adj" fmla="val 19315"/>
-            </a:avLst>
-          </a:prstGeom>
-          <a:ln>
-            <a:noFill/>
-          </a:ln>
-        </p:spPr>
-        <p:style>
-          <a:lnRef idx="2">
-            <a:schemeClr val="accent1">
-              <a:shade val="50000"/>
-            </a:schemeClr>
-          </a:lnRef>
-          <a:fillRef idx="1">
-            <a:schemeClr val="accent1"/>
-          </a:fillRef>
-          <a:effectRef idx="0">
-            <a:schemeClr val="accent1"/>
-          </a:effectRef>
-          <a:fontRef idx="minor">
-            <a:schemeClr val="lt1"/>
-          </a:fontRef>
-        </p:style>
-        <p:txBody>
-          <a:bodyPr rtlCol="0" anchor="ctr"/>
-          <a:lstStyle/>
-          <a:p>
-            <a:pPr algn="ctr"/>
-            <a:endParaRPr lang="en-US"/>
-          </a:p>
-        </p:txBody>
-      </p:sp>
-      <p:sp>
-        <p:nvSpPr>
-          <p:cNvPr id="9" name="Parallelogram 3">
-            <a:extLst>
-              <a:ext uri="{FF2B5EF4-FFF2-40B4-BE49-F238E27FC236}">
-                <a16:creationId xmlns:a16="http://schemas.microsoft.com/office/drawing/2014/main" id="{D20EDAF5-1A2B-4CCA-BF10-76CE7121F34C}"/>
-              </a:ext>
-            </a:extLst>
-          </p:cNvPr>
-          <p:cNvSpPr/>
-          <p:nvPr/>
-        </p:nvSpPr>
-        <p:spPr>
-          <a:xfrm>
-            <a:off x="11215833" y="5646030"/>
-            <a:ext cx="768350" cy="781902"/>
-          </a:xfrm>
-          <a:prstGeom prst="parallelogram">
-            <a:avLst>
-              <a:gd name="adj" fmla="val 19315"/>
-            </a:avLst>
-          </a:prstGeom>
-          <a:ln>
-            <a:noFill/>
-          </a:ln>
-        </p:spPr>
-        <p:style>
-          <a:lnRef idx="2">
-            <a:schemeClr val="accent1">
-              <a:shade val="50000"/>
-            </a:schemeClr>
-          </a:lnRef>
-          <a:fillRef idx="1">
-            <a:schemeClr val="accent1"/>
-          </a:fillRef>
-          <a:effectRef idx="0">
-            <a:schemeClr val="accent1"/>
-          </a:effectRef>
-          <a:fontRef idx="minor">
-            <a:schemeClr val="lt1"/>
-          </a:fontRef>
-        </p:style>
-        <p:txBody>
-          <a:bodyPr rtlCol="0" anchor="ctr"/>
-          <a:lstStyle/>
-          <a:p>
-            <a:pPr algn="ctr"/>
-            <a:endParaRPr lang="en-US"/>
-          </a:p>
-        </p:txBody>
-      </p:sp>
-      <p:sp>
-        <p:nvSpPr>
-          <p:cNvPr id="45" name="TextBox 8">
-            <a:extLst>
-              <a:ext uri="{FF2B5EF4-FFF2-40B4-BE49-F238E27FC236}">
-                <a16:creationId xmlns:a16="http://schemas.microsoft.com/office/drawing/2014/main" id="{4D514E8F-6FA1-4DA4-8CC3-5C270552BC1D}"/>
-              </a:ext>
-            </a:extLst>
-          </p:cNvPr>
-          <p:cNvSpPr txBox="1"/>
-          <p:nvPr/>
-        </p:nvSpPr>
-        <p:spPr>
-          <a:xfrm>
-            <a:off x="2339074" y="267648"/>
-            <a:ext cx="7513853" cy="821572"/>
-          </a:xfrm>
-          <a:prstGeom prst="rect">
-            <a:avLst/>
-          </a:prstGeom>
-          <a:noFill/>
-        </p:spPr>
-        <p:txBody>
-          <a:bodyPr wrap="square" rtlCol="0">
-            <a:spAutoFit/>
-          </a:bodyPr>
-          <a:lstStyle/>
-          <a:p>
-            <a:pPr>
-              <a:lnSpc>
-                <a:spcPct val="150000"/>
-              </a:lnSpc>
-            </a:pPr>
-            <a:r>
-              <a:rPr lang="en-US" sz="3600" spc="300" dirty="0">
-                <a:solidFill>
-                  <a:schemeClr val="tx1">
-                    <a:lumMod val="90000"/>
-                    <a:lumOff val="10000"/>
-                  </a:schemeClr>
-                </a:solidFill>
-                <a:latin typeface="+mj-lt"/>
-              </a:rPr>
-              <a:t>How To Create A Metascore</a:t>
-            </a:r>
-          </a:p>
-        </p:txBody>
-      </p:sp>
-    </p:spTree>
-    <p:extLst>
-      <p:ext uri="{BB962C8B-B14F-4D97-AF65-F5344CB8AC3E}">
-        <p14:creationId xmlns:p14="http://schemas.microsoft.com/office/powerpoint/2010/main" val="386699268"/>
-      </p:ext>
-    </p:extLst>
-  </p:cSld>
-  <p:clrMapOvr>
-    <a:masterClrMapping/>
-  </p:clrMapOvr>
-</p:sld>
-</file>
-
 <file path=ppt/slides/slide5.xml><?xml version="1.0" encoding="utf-8"?>
 <p:sld xmlns:a="http://schemas.openxmlformats.org/drawingml/2006/main" xmlns:r="http://schemas.openxmlformats.org/officeDocument/2006/relationships" xmlns:p="http://schemas.openxmlformats.org/presentationml/2006/main">
   <p:cSld>
@@ -10418,9 +13623,9 @@
           <p:grpSpPr>
             <a:xfrm>
               <a:off x="1160121" y="1912123"/>
-              <a:ext cx="3544887" cy="4132082"/>
+              <a:ext cx="3544887" cy="4460954"/>
               <a:chOff x="792162" y="1122205"/>
-              <a:chExt cx="3544887" cy="4132082"/>
+              <a:chExt cx="3544887" cy="4460954"/>
             </a:xfrm>
           </p:grpSpPr>
           <p:sp>
@@ -10474,7 +13679,7 @@
             <p:spPr>
               <a:xfrm>
                 <a:off x="792162" y="2299311"/>
-                <a:ext cx="3544887" cy="2954976"/>
+                <a:ext cx="3544887" cy="3283848"/>
               </a:xfrm>
               <a:prstGeom prst="rect">
                 <a:avLst/>
@@ -10486,6 +13691,66 @@
                 <a:spAutoFit/>
               </a:bodyPr>
               <a:lstStyle/>
+              <a:p>
+                <a:pPr marL="171450" indent="-171450">
+                  <a:lnSpc>
+                    <a:spcPct val="150000"/>
+                  </a:lnSpc>
+                  <a:buFont typeface="Wingdings" panose="05000000000000000000" pitchFamily="2" charset="2"/>
+                  <a:buChar char="§"/>
+                </a:pPr>
+                <a:r>
+                  <a:rPr lang="en-US" sz="1600" b="1" dirty="0">
+                    <a:solidFill>
+                      <a:schemeClr val="tx1">
+                        <a:lumMod val="75000"/>
+                        <a:lumOff val="25000"/>
+                      </a:schemeClr>
+                    </a:solidFill>
+                  </a:rPr>
+                  <a:t>247,009</a:t>
+                </a:r>
+                <a:r>
+                  <a:rPr lang="en-US" sz="1600" dirty="0">
+                    <a:solidFill>
+                      <a:schemeClr val="tx1">
+                        <a:lumMod val="75000"/>
+                        <a:lumOff val="25000"/>
+                      </a:schemeClr>
+                    </a:solidFill>
+                  </a:rPr>
+                  <a:t> Reviews &amp; Scores </a:t>
+                </a:r>
+              </a:p>
+              <a:p>
+                <a:pPr>
+                  <a:lnSpc>
+                    <a:spcPct val="150000"/>
+                  </a:lnSpc>
+                </a:pPr>
+                <a:r>
+                  <a:rPr lang="en-US" sz="1600" dirty="0">
+                    <a:solidFill>
+                      <a:schemeClr val="tx1">
+                        <a:lumMod val="75000"/>
+                        <a:lumOff val="25000"/>
+                      </a:schemeClr>
+                    </a:solidFill>
+                  </a:rPr>
+                  <a:t>   </a:t>
+                </a:r>
+                <a:r>
+                  <a:rPr lang="en-US" sz="1400" dirty="0">
+                    <a:solidFill>
+                      <a:schemeClr val="tx1">
+                        <a:lumMod val="75000"/>
+                        <a:lumOff val="25000"/>
+                      </a:schemeClr>
+                    </a:solidFill>
+                  </a:rPr>
+                  <a:t>Once Upon a Time in Hollywood – 61 Reviews</a:t>
+                </a:r>
+              </a:p>
               <a:p>
                 <a:pPr marL="171450" indent="-171450">
                   <a:lnSpc>
@@ -10563,115 +13828,6 @@
                       </a:schemeClr>
                     </a:solidFill>
                   </a:rPr>
-                  <a:t>247,009</a:t>
-                </a:r>
-                <a:r>
-                  <a:rPr lang="en-US" sz="1600" dirty="0">
-                    <a:solidFill>
-                      <a:schemeClr val="tx1">
-                        <a:lumMod val="75000"/>
-                        <a:lumOff val="25000"/>
-                      </a:schemeClr>
-                    </a:solidFill>
-                  </a:rPr>
-                  <a:t> Reviews &amp; Scores </a:t>
-                </a:r>
-              </a:p>
-              <a:p>
-                <a:pPr>
-                  <a:lnSpc>
-                    <a:spcPct val="150000"/>
-                  </a:lnSpc>
-                </a:pPr>
-                <a:r>
-                  <a:rPr lang="en-US" sz="1600" dirty="0">
-                    <a:solidFill>
-                      <a:schemeClr val="tx1">
-                        <a:lumMod val="75000"/>
-                        <a:lumOff val="25000"/>
-                      </a:schemeClr>
-                    </a:solidFill>
-                  </a:rPr>
-                  <a:t>   </a:t>
-                </a:r>
-                <a:r>
-                  <a:rPr lang="en-US" sz="1400" dirty="0">
-                    <a:solidFill>
-                      <a:schemeClr val="tx1">
-                        <a:lumMod val="75000"/>
-                        <a:lumOff val="25000"/>
-                      </a:schemeClr>
-                    </a:solidFill>
-                  </a:rPr>
-                  <a:t>Once Upon a Time in Hollywood – 61 Reviews</a:t>
-                </a:r>
-              </a:p>
-              <a:p>
-                <a:pPr marL="171450" indent="-171450">
-                  <a:lnSpc>
-                    <a:spcPct val="150000"/>
-                  </a:lnSpc>
-                  <a:buFont typeface="Wingdings" panose="05000000000000000000" pitchFamily="2" charset="2"/>
-                  <a:buChar char="§"/>
-                </a:pPr>
-                <a:r>
-                  <a:rPr lang="en-US" sz="1600" b="1" dirty="0">
-                    <a:solidFill>
-                      <a:schemeClr val="tx1">
-                        <a:lumMod val="75000"/>
-                        <a:lumOff val="25000"/>
-                      </a:schemeClr>
-                    </a:solidFill>
-                  </a:rPr>
-                  <a:t>273</a:t>
-                </a:r>
-                <a:r>
-                  <a:rPr lang="en-US" sz="1600" dirty="0">
-                    <a:solidFill>
-                      <a:schemeClr val="tx1">
-                        <a:lumMod val="75000"/>
-                        <a:lumOff val="25000"/>
-                      </a:schemeClr>
-                    </a:solidFill>
-                  </a:rPr>
-                  <a:t> Media Companies </a:t>
-                </a:r>
-              </a:p>
-              <a:p>
-                <a:pPr>
-                  <a:lnSpc>
-                    <a:spcPct val="150000"/>
-                  </a:lnSpc>
-                </a:pPr>
-                <a:r>
-                  <a:rPr lang="en-US" sz="1400" dirty="0">
-                    <a:solidFill>
-                      <a:schemeClr val="tx1">
-                        <a:lumMod val="75000"/>
-                        <a:lumOff val="25000"/>
-                      </a:schemeClr>
-                    </a:solidFill>
-                  </a:rPr>
-                  <a:t>   Multiple reviews from the same media is possible</a:t>
-                </a:r>
-              </a:p>
-              <a:p>
-                <a:pPr marL="171450" indent="-171450">
-                  <a:lnSpc>
-                    <a:spcPct val="150000"/>
-                  </a:lnSpc>
-                  <a:buFont typeface="Wingdings" panose="05000000000000000000" pitchFamily="2" charset="2"/>
-                  <a:buChar char="§"/>
-                </a:pPr>
-                <a:r>
-                  <a:rPr lang="en-US" sz="1600" b="1" dirty="0">
-                    <a:solidFill>
-                      <a:schemeClr val="tx1">
-                        <a:lumMod val="75000"/>
-                        <a:lumOff val="25000"/>
-                      </a:schemeClr>
-                    </a:solidFill>
-                  </a:rPr>
                   <a:t>3,069</a:t>
                 </a:r>
                 <a:r>
@@ -10712,7 +13868,74 @@
                       </a:schemeClr>
                     </a:solidFill>
                   </a:rPr>
-                  <a:t>Roger Ebert from Chicago Sun-Times wrote 4,753 reviews </a:t>
+                  <a:t>Roger Ebert from Chicago Sun-Times wrote 4,753 reviews</a:t>
+                </a:r>
+              </a:p>
+              <a:p>
+                <a:pPr marL="171450" indent="-171450">
+                  <a:lnSpc>
+                    <a:spcPct val="150000"/>
+                  </a:lnSpc>
+                  <a:buFont typeface="Wingdings" panose="05000000000000000000" pitchFamily="2" charset="2"/>
+                  <a:buChar char="§"/>
+                </a:pPr>
+                <a:r>
+                  <a:rPr lang="en-US" sz="1600" b="1" dirty="0">
+                    <a:solidFill>
+                      <a:schemeClr val="tx1">
+                        <a:lumMod val="75000"/>
+                        <a:lumOff val="25000"/>
+                      </a:schemeClr>
+                    </a:solidFill>
+                  </a:rPr>
+                  <a:t>273</a:t>
+                </a:r>
+                <a:r>
+                  <a:rPr lang="en-US" sz="1600" dirty="0">
+                    <a:solidFill>
+                      <a:schemeClr val="tx1">
+                        <a:lumMod val="75000"/>
+                        <a:lumOff val="25000"/>
+                      </a:schemeClr>
+                    </a:solidFill>
+                  </a:rPr>
+                  <a:t> Media Outlets</a:t>
+                </a:r>
+              </a:p>
+              <a:p>
+                <a:pPr>
+                  <a:lnSpc>
+                    <a:spcPct val="150000"/>
+                  </a:lnSpc>
+                </a:pPr>
+                <a:r>
+                  <a:rPr lang="en-US" sz="1400" dirty="0">
+                    <a:solidFill>
+                      <a:schemeClr val="tx1">
+                        <a:lumMod val="75000"/>
+                        <a:lumOff val="25000"/>
+                      </a:schemeClr>
+                    </a:solidFill>
+                  </a:rPr>
+                  <a:t>   Multiple reviews from the same media is possible</a:t>
+                </a:r>
+              </a:p>
+              <a:p>
+                <a:pPr>
+                  <a:lnSpc>
+                    <a:spcPct val="150000"/>
+                  </a:lnSpc>
+                </a:pPr>
+                <a:r>
+                  <a:rPr lang="en-US" sz="1400" dirty="0">
+                    <a:solidFill>
+                      <a:schemeClr val="tx1">
+                        <a:lumMod val="75000"/>
+                        <a:lumOff val="25000"/>
+                      </a:schemeClr>
+                    </a:solidFill>
+                  </a:rPr>
+                  <a:t> </a:t>
                 </a:r>
                 <a:endParaRPr lang="en-US" sz="1600" dirty="0">
                   <a:solidFill>
@@ -10937,128 +14160,37 @@
           <a:chExt cx="0" cy="0"/>
         </a:xfrm>
       </p:grpSpPr>
-      <p:pic>
-        <p:nvPicPr>
-          <p:cNvPr id="32" name="图片 31">
-            <a:extLst>
-              <a:ext uri="{FF2B5EF4-FFF2-40B4-BE49-F238E27FC236}">
-                <a16:creationId xmlns:a16="http://schemas.microsoft.com/office/drawing/2014/main" id="{8FCC2D13-B6FC-4E7F-A58A-5A8051D34877}"/>
-              </a:ext>
-            </a:extLst>
-          </p:cNvPr>
-          <p:cNvPicPr>
-            <a:picLocks noChangeAspect="1"/>
-          </p:cNvPicPr>
+      <p:sp>
+        <p:nvSpPr>
+          <p:cNvPr id="2" name="Picture Placeholder 1"/>
+          <p:cNvSpPr>
+            <a:spLocks noGrp="1"/>
+          </p:cNvSpPr>
+          <p:nvPr>
+            <p:ph type="pic" sz="quarter" idx="10"/>
+          </p:nvPr>
+        </p:nvSpPr>
+        <p:spPr/>
+      </p:sp>
+      <p:sp>
+        <p:nvSpPr>
+          <p:cNvPr id="5" name="Rectangle 4"/>
+          <p:cNvSpPr/>
           <p:nvPr/>
-        </p:nvPicPr>
-        <p:blipFill>
-          <a:blip r:embed="rId2">
-            <a:extLst>
-              <a:ext uri="{28A0092B-C50C-407E-A947-70E740481C1C}">
-                <a14:useLocalDpi xmlns:a14="http://schemas.microsoft.com/office/drawing/2010/main" val="0"/>
-              </a:ext>
-            </a:extLst>
-          </a:blip>
-          <a:srcRect/>
-          <a:stretch/>
-        </p:blipFill>
-        <p:spPr>
-          <a:xfrm>
-            <a:off x="5466274" y="3602798"/>
-            <a:ext cx="6179995" cy="3154953"/>
+        </p:nvSpPr>
+        <p:spPr>
+          <a:xfrm>
+            <a:off x="0" y="0"/>
+            <a:ext cx="12192000" cy="6858000"/>
           </a:xfrm>
           <a:prstGeom prst="rect">
             <a:avLst/>
           </a:prstGeom>
-        </p:spPr>
-      </p:pic>
-      <p:pic>
-        <p:nvPicPr>
-          <p:cNvPr id="34" name="图片 33">
-            <a:extLst>
-              <a:ext uri="{FF2B5EF4-FFF2-40B4-BE49-F238E27FC236}">
-                <a16:creationId xmlns:a16="http://schemas.microsoft.com/office/drawing/2014/main" id="{8EAF7F47-95CC-41FA-9A3E-780686DFC9D5}"/>
-              </a:ext>
-            </a:extLst>
-          </p:cNvPr>
-          <p:cNvPicPr>
-            <a:picLocks noChangeAspect="1"/>
-          </p:cNvPicPr>
-          <p:nvPr/>
-        </p:nvPicPr>
-        <p:blipFill>
-          <a:blip r:embed="rId3">
-            <a:extLst>
-              <a:ext uri="{28A0092B-C50C-407E-A947-70E740481C1C}">
-                <a14:useLocalDpi xmlns:a14="http://schemas.microsoft.com/office/drawing/2010/main" val="0"/>
-              </a:ext>
-            </a:extLst>
-          </a:blip>
-          <a:srcRect/>
-          <a:stretch/>
-        </p:blipFill>
-        <p:spPr>
-          <a:xfrm>
-            <a:off x="554751" y="248613"/>
-            <a:ext cx="6269561" cy="3200677"/>
-          </a:xfrm>
-          <a:prstGeom prst="rect">
-            <a:avLst/>
-          </a:prstGeom>
-        </p:spPr>
-      </p:pic>
-      <p:pic>
-        <p:nvPicPr>
-          <p:cNvPr id="36" name="图片 35" descr="图片包含 游戏机, 男人, 键盘&#10;&#10;描述已自动生成">
-            <a:extLst>
-              <a:ext uri="{FF2B5EF4-FFF2-40B4-BE49-F238E27FC236}">
-                <a16:creationId xmlns:a16="http://schemas.microsoft.com/office/drawing/2014/main" id="{4BC0FE0E-8C4E-4EEC-B23B-F0956A6433C4}"/>
-              </a:ext>
-            </a:extLst>
-          </p:cNvPr>
-          <p:cNvPicPr>
-            <a:picLocks noChangeAspect="1"/>
-          </p:cNvPicPr>
-          <p:nvPr/>
-        </p:nvPicPr>
-        <p:blipFill>
-          <a:blip r:embed="rId4">
-            <a:extLst>
-              <a:ext uri="{28A0092B-C50C-407E-A947-70E740481C1C}">
-                <a14:useLocalDpi xmlns:a14="http://schemas.microsoft.com/office/drawing/2010/main" val="0"/>
-              </a:ext>
-            </a:extLst>
-          </a:blip>
-          <a:stretch>
-            <a:fillRect/>
-          </a:stretch>
-        </p:blipFill>
-        <p:spPr>
-          <a:xfrm>
-            <a:off x="6852106" y="131727"/>
-            <a:ext cx="5119266" cy="3366267"/>
-          </a:xfrm>
-          <a:prstGeom prst="rect">
-            <a:avLst/>
-          </a:prstGeom>
-        </p:spPr>
-      </p:pic>
-      <p:sp>
-        <p:nvSpPr>
-          <p:cNvPr id="4" name="Parallelogram 3"/>
-          <p:cNvSpPr/>
-          <p:nvPr/>
-        </p:nvSpPr>
-        <p:spPr>
-          <a:xfrm>
-            <a:off x="117919" y="80544"/>
-            <a:ext cx="768350" cy="781902"/>
-          </a:xfrm>
-          <a:prstGeom prst="parallelogram">
-            <a:avLst>
-              <a:gd name="adj" fmla="val 19315"/>
-            </a:avLst>
-          </a:prstGeom>
+          <a:solidFill>
+            <a:schemeClr val="bg1">
+              <a:alpha val="70000"/>
+            </a:schemeClr>
+          </a:solidFill>
           <a:ln>
             <a:noFill/>
           </a:ln>
@@ -11088,12 +14220,431 @@
           </a:p>
         </p:txBody>
       </p:sp>
+      <p:sp>
+        <p:nvSpPr>
+          <p:cNvPr id="6" name="TextBox 5"/>
+          <p:cNvSpPr txBox="1"/>
+          <p:nvPr/>
+        </p:nvSpPr>
+        <p:spPr>
+          <a:xfrm flipH="1">
+            <a:off x="10332" y="2212673"/>
+            <a:ext cx="12191999" cy="2432654"/>
+          </a:xfrm>
+          <a:prstGeom prst="rect">
+            <a:avLst/>
+          </a:prstGeom>
+          <a:noFill/>
+          <a:ln>
+            <a:noFill/>
+          </a:ln>
+        </p:spPr>
+        <p:txBody>
+          <a:bodyPr wrap="square" rtlCol="0">
+            <a:spAutoFit/>
+          </a:bodyPr>
+          <a:lstStyle/>
+          <a:p>
+            <a:pPr algn="ctr">
+              <a:lnSpc>
+                <a:spcPct val="150000"/>
+              </a:lnSpc>
+            </a:pPr>
+            <a:r>
+              <a:rPr lang="en-US" sz="5400" b="1" spc="300" dirty="0">
+                <a:solidFill>
+                  <a:schemeClr val="tx1">
+                    <a:lumMod val="90000"/>
+                    <a:lumOff val="10000"/>
+                  </a:schemeClr>
+                </a:solidFill>
+                <a:latin typeface="+mj-lt"/>
+              </a:rPr>
+              <a:t>Word Cloud  </a:t>
+            </a:r>
+          </a:p>
+          <a:p>
+            <a:pPr algn="ctr">
+              <a:lnSpc>
+                <a:spcPct val="150000"/>
+              </a:lnSpc>
+            </a:pPr>
+            <a:r>
+              <a:rPr lang="en-US" sz="5400" b="1" spc="300" dirty="0">
+                <a:solidFill>
+                  <a:schemeClr val="tx1">
+                    <a:lumMod val="90000"/>
+                    <a:lumOff val="10000"/>
+                  </a:schemeClr>
+                </a:solidFill>
+                <a:latin typeface="+mj-lt"/>
+              </a:rPr>
+              <a:t>Sentiment Analysis</a:t>
+            </a:r>
+          </a:p>
+        </p:txBody>
+      </p:sp>
+      <p:grpSp>
+        <p:nvGrpSpPr>
+          <p:cNvPr id="30" name="Group 29"/>
+          <p:cNvGrpSpPr/>
+          <p:nvPr/>
+        </p:nvGrpSpPr>
+        <p:grpSpPr>
+          <a:xfrm>
+            <a:off x="0" y="0"/>
+            <a:ext cx="6106332" cy="934335"/>
+            <a:chOff x="0" y="0"/>
+            <a:chExt cx="6106332" cy="934335"/>
+          </a:xfrm>
+        </p:grpSpPr>
+        <p:sp>
+          <p:nvSpPr>
+            <p:cNvPr id="16" name="Rectangle 15"/>
+            <p:cNvSpPr/>
+            <p:nvPr/>
+          </p:nvSpPr>
+          <p:spPr>
+            <a:xfrm>
+              <a:off x="0" y="0"/>
+              <a:ext cx="6106332" cy="934335"/>
+            </a:xfrm>
+            <a:custGeom>
+              <a:avLst/>
+              <a:gdLst>
+                <a:gd name="connsiteX0" fmla="*/ 0 w 6106332"/>
+                <a:gd name="connsiteY0" fmla="*/ 0 h 915285"/>
+                <a:gd name="connsiteX1" fmla="*/ 6106332 w 6106332"/>
+                <a:gd name="connsiteY1" fmla="*/ 0 h 915285"/>
+                <a:gd name="connsiteX2" fmla="*/ 6106332 w 6106332"/>
+                <a:gd name="connsiteY2" fmla="*/ 915285 h 915285"/>
+                <a:gd name="connsiteX3" fmla="*/ 0 w 6106332"/>
+                <a:gd name="connsiteY3" fmla="*/ 915285 h 915285"/>
+                <a:gd name="connsiteX4" fmla="*/ 0 w 6106332"/>
+                <a:gd name="connsiteY4" fmla="*/ 0 h 915285"/>
+                <a:gd name="connsiteX0" fmla="*/ 0 w 6106332"/>
+                <a:gd name="connsiteY0" fmla="*/ 0 h 934335"/>
+                <a:gd name="connsiteX1" fmla="*/ 6106332 w 6106332"/>
+                <a:gd name="connsiteY1" fmla="*/ 0 h 934335"/>
+                <a:gd name="connsiteX2" fmla="*/ 5725332 w 6106332"/>
+                <a:gd name="connsiteY2" fmla="*/ 934335 h 934335"/>
+                <a:gd name="connsiteX3" fmla="*/ 0 w 6106332"/>
+                <a:gd name="connsiteY3" fmla="*/ 915285 h 934335"/>
+                <a:gd name="connsiteX4" fmla="*/ 0 w 6106332"/>
+                <a:gd name="connsiteY4" fmla="*/ 0 h 934335"/>
+              </a:gdLst>
+              <a:ahLst/>
+              <a:cxnLst>
+                <a:cxn ang="0">
+                  <a:pos x="connsiteX0" y="connsiteY0"/>
+                </a:cxn>
+                <a:cxn ang="0">
+                  <a:pos x="connsiteX1" y="connsiteY1"/>
+                </a:cxn>
+                <a:cxn ang="0">
+                  <a:pos x="connsiteX2" y="connsiteY2"/>
+                </a:cxn>
+                <a:cxn ang="0">
+                  <a:pos x="connsiteX3" y="connsiteY3"/>
+                </a:cxn>
+                <a:cxn ang="0">
+                  <a:pos x="connsiteX4" y="connsiteY4"/>
+                </a:cxn>
+              </a:cxnLst>
+              <a:rect l="l" t="t" r="r" b="b"/>
+              <a:pathLst>
+                <a:path w="6106332" h="934335">
+                  <a:moveTo>
+                    <a:pt x="0" y="0"/>
+                  </a:moveTo>
+                  <a:lnTo>
+                    <a:pt x="6106332" y="0"/>
+                  </a:lnTo>
+                  <a:lnTo>
+                    <a:pt x="5725332" y="934335"/>
+                  </a:lnTo>
+                  <a:lnTo>
+                    <a:pt x="0" y="915285"/>
+                  </a:lnTo>
+                  <a:lnTo>
+                    <a:pt x="0" y="0"/>
+                  </a:lnTo>
+                  <a:close/>
+                </a:path>
+              </a:pathLst>
+            </a:custGeom>
+            <a:ln>
+              <a:noFill/>
+            </a:ln>
+          </p:spPr>
+          <p:style>
+            <a:lnRef idx="2">
+              <a:schemeClr val="accent1">
+                <a:shade val="50000"/>
+              </a:schemeClr>
+            </a:lnRef>
+            <a:fillRef idx="1">
+              <a:schemeClr val="accent1"/>
+            </a:fillRef>
+            <a:effectRef idx="0">
+              <a:schemeClr val="accent1"/>
+            </a:effectRef>
+            <a:fontRef idx="minor">
+              <a:schemeClr val="lt1"/>
+            </a:fontRef>
+          </p:style>
+          <p:txBody>
+            <a:bodyPr rtlCol="0" anchor="ctr"/>
+            <a:lstStyle/>
+            <a:p>
+              <a:pPr algn="ctr"/>
+              <a:endParaRPr lang="en-US"/>
+            </a:p>
+          </p:txBody>
+        </p:sp>
+        <p:cxnSp>
+          <p:nvCxnSpPr>
+            <p:cNvPr id="27" name="Straight Connector 26"/>
+            <p:cNvCxnSpPr/>
+            <p:nvPr/>
+          </p:nvCxnSpPr>
+          <p:spPr>
+            <a:xfrm>
+              <a:off x="0" y="452653"/>
+              <a:ext cx="4248150" cy="0"/>
+            </a:xfrm>
+            <a:prstGeom prst="line">
+              <a:avLst/>
+            </a:prstGeom>
+            <a:ln w="50800">
+              <a:solidFill>
+                <a:schemeClr val="bg1"/>
+              </a:solidFill>
+              <a:tailEnd type="diamond"/>
+            </a:ln>
+          </p:spPr>
+          <p:style>
+            <a:lnRef idx="1">
+              <a:schemeClr val="accent1"/>
+            </a:lnRef>
+            <a:fillRef idx="0">
+              <a:schemeClr val="accent1"/>
+            </a:fillRef>
+            <a:effectRef idx="0">
+              <a:schemeClr val="accent1"/>
+            </a:effectRef>
+            <a:fontRef idx="minor">
+              <a:schemeClr val="tx1"/>
+            </a:fontRef>
+          </p:style>
+        </p:cxnSp>
+      </p:grpSp>
+      <p:grpSp>
+        <p:nvGrpSpPr>
+          <p:cNvPr id="34" name="Group 33"/>
+          <p:cNvGrpSpPr/>
+          <p:nvPr/>
+        </p:nvGrpSpPr>
+        <p:grpSpPr>
+          <a:xfrm>
+            <a:off x="6085668" y="5923665"/>
+            <a:ext cx="6106332" cy="934335"/>
+            <a:chOff x="6085668" y="5923665"/>
+            <a:chExt cx="6106332" cy="934335"/>
+          </a:xfrm>
+        </p:grpSpPr>
+        <p:sp>
+          <p:nvSpPr>
+            <p:cNvPr id="25" name="Rectangle 15"/>
+            <p:cNvSpPr/>
+            <p:nvPr/>
+          </p:nvSpPr>
+          <p:spPr>
+            <a:xfrm rot="10800000">
+              <a:off x="6085668" y="5923665"/>
+              <a:ext cx="6106332" cy="934335"/>
+            </a:xfrm>
+            <a:custGeom>
+              <a:avLst/>
+              <a:gdLst>
+                <a:gd name="connsiteX0" fmla="*/ 0 w 6106332"/>
+                <a:gd name="connsiteY0" fmla="*/ 0 h 915285"/>
+                <a:gd name="connsiteX1" fmla="*/ 6106332 w 6106332"/>
+                <a:gd name="connsiteY1" fmla="*/ 0 h 915285"/>
+                <a:gd name="connsiteX2" fmla="*/ 6106332 w 6106332"/>
+                <a:gd name="connsiteY2" fmla="*/ 915285 h 915285"/>
+                <a:gd name="connsiteX3" fmla="*/ 0 w 6106332"/>
+                <a:gd name="connsiteY3" fmla="*/ 915285 h 915285"/>
+                <a:gd name="connsiteX4" fmla="*/ 0 w 6106332"/>
+                <a:gd name="connsiteY4" fmla="*/ 0 h 915285"/>
+                <a:gd name="connsiteX0" fmla="*/ 0 w 6106332"/>
+                <a:gd name="connsiteY0" fmla="*/ 0 h 934335"/>
+                <a:gd name="connsiteX1" fmla="*/ 6106332 w 6106332"/>
+                <a:gd name="connsiteY1" fmla="*/ 0 h 934335"/>
+                <a:gd name="connsiteX2" fmla="*/ 5725332 w 6106332"/>
+                <a:gd name="connsiteY2" fmla="*/ 934335 h 934335"/>
+                <a:gd name="connsiteX3" fmla="*/ 0 w 6106332"/>
+                <a:gd name="connsiteY3" fmla="*/ 915285 h 934335"/>
+                <a:gd name="connsiteX4" fmla="*/ 0 w 6106332"/>
+                <a:gd name="connsiteY4" fmla="*/ 0 h 934335"/>
+              </a:gdLst>
+              <a:ahLst/>
+              <a:cxnLst>
+                <a:cxn ang="0">
+                  <a:pos x="connsiteX0" y="connsiteY0"/>
+                </a:cxn>
+                <a:cxn ang="0">
+                  <a:pos x="connsiteX1" y="connsiteY1"/>
+                </a:cxn>
+                <a:cxn ang="0">
+                  <a:pos x="connsiteX2" y="connsiteY2"/>
+                </a:cxn>
+                <a:cxn ang="0">
+                  <a:pos x="connsiteX3" y="connsiteY3"/>
+                </a:cxn>
+                <a:cxn ang="0">
+                  <a:pos x="connsiteX4" y="connsiteY4"/>
+                </a:cxn>
+              </a:cxnLst>
+              <a:rect l="l" t="t" r="r" b="b"/>
+              <a:pathLst>
+                <a:path w="6106332" h="934335">
+                  <a:moveTo>
+                    <a:pt x="0" y="0"/>
+                  </a:moveTo>
+                  <a:lnTo>
+                    <a:pt x="6106332" y="0"/>
+                  </a:lnTo>
+                  <a:lnTo>
+                    <a:pt x="5725332" y="934335"/>
+                  </a:lnTo>
+                  <a:lnTo>
+                    <a:pt x="0" y="915285"/>
+                  </a:lnTo>
+                  <a:lnTo>
+                    <a:pt x="0" y="0"/>
+                  </a:lnTo>
+                  <a:close/>
+                </a:path>
+              </a:pathLst>
+            </a:custGeom>
+            <a:solidFill>
+              <a:schemeClr val="accent2"/>
+            </a:solidFill>
+            <a:ln>
+              <a:noFill/>
+            </a:ln>
+          </p:spPr>
+          <p:style>
+            <a:lnRef idx="2">
+              <a:schemeClr val="accent1">
+                <a:shade val="50000"/>
+              </a:schemeClr>
+            </a:lnRef>
+            <a:fillRef idx="1">
+              <a:schemeClr val="accent1"/>
+            </a:fillRef>
+            <a:effectRef idx="0">
+              <a:schemeClr val="accent1"/>
+            </a:effectRef>
+            <a:fontRef idx="minor">
+              <a:schemeClr val="lt1"/>
+            </a:fontRef>
+          </p:style>
+          <p:txBody>
+            <a:bodyPr rtlCol="0" anchor="ctr"/>
+            <a:lstStyle/>
+            <a:p>
+              <a:pPr algn="ctr"/>
+              <a:endParaRPr lang="en-US">
+                <a:solidFill>
+                  <a:schemeClr val="accent2"/>
+                </a:solidFill>
+              </a:endParaRPr>
+            </a:p>
+          </p:txBody>
+        </p:sp>
+        <p:cxnSp>
+          <p:nvCxnSpPr>
+            <p:cNvPr id="33" name="Straight Connector 32"/>
+            <p:cNvCxnSpPr/>
+            <p:nvPr/>
+          </p:nvCxnSpPr>
+          <p:spPr>
+            <a:xfrm rot="10800000">
+              <a:off x="7943850" y="6405346"/>
+              <a:ext cx="4248150" cy="0"/>
+            </a:xfrm>
+            <a:prstGeom prst="line">
+              <a:avLst/>
+            </a:prstGeom>
+            <a:ln w="50800">
+              <a:solidFill>
+                <a:schemeClr val="bg1"/>
+              </a:solidFill>
+              <a:tailEnd type="diamond"/>
+            </a:ln>
+          </p:spPr>
+          <p:style>
+            <a:lnRef idx="1">
+              <a:schemeClr val="accent1"/>
+            </a:lnRef>
+            <a:fillRef idx="0">
+              <a:schemeClr val="accent1"/>
+            </a:fillRef>
+            <a:effectRef idx="0">
+              <a:schemeClr val="accent1"/>
+            </a:effectRef>
+            <a:fontRef idx="minor">
+              <a:schemeClr val="tx1"/>
+            </a:fontRef>
+          </p:style>
+        </p:cxnSp>
+      </p:grpSp>
+    </p:spTree>
+    <p:extLst>
+      <p:ext uri="{BB962C8B-B14F-4D97-AF65-F5344CB8AC3E}">
+        <p14:creationId xmlns:p14="http://schemas.microsoft.com/office/powerpoint/2010/main" val="1825259242"/>
+      </p:ext>
+    </p:extLst>
+  </p:cSld>
+  <p:clrMapOvr>
+    <a:masterClrMapping/>
+  </p:clrMapOvr>
+</p:sld>
+</file>
+
+<file path=ppt/slides/slide7.xml><?xml version="1.0" encoding="utf-8"?>
+<p:sld xmlns:a="http://schemas.openxmlformats.org/drawingml/2006/main" xmlns:r="http://schemas.openxmlformats.org/officeDocument/2006/relationships" xmlns:p="http://schemas.openxmlformats.org/presentationml/2006/main">
+  <p:cSld>
+    <p:bg>
+      <p:bgPr>
+        <a:solidFill>
+          <a:schemeClr val="bg1"/>
+        </a:solidFill>
+        <a:effectLst/>
+      </p:bgPr>
+    </p:bg>
+    <p:spTree>
+      <p:nvGrpSpPr>
+        <p:cNvPr id="1" name=""/>
+        <p:cNvGrpSpPr/>
+        <p:nvPr/>
+      </p:nvGrpSpPr>
+      <p:grpSpPr>
+        <a:xfrm>
+          <a:off x="0" y="0"/>
+          <a:ext cx="0" cy="0"/>
+          <a:chOff x="0" y="0"/>
+          <a:chExt cx="0" cy="0"/>
+        </a:xfrm>
+      </p:grpSpPr>
       <p:pic>
         <p:nvPicPr>
-          <p:cNvPr id="38" name="图片 37" descr="图片包含 游戏机&#10;&#10;描述已自动生成">
+          <p:cNvPr id="32" name="图片 31" descr="图片包含 报纸, 文字, 游戏机&#10;&#10;描述已自动生成">
             <a:extLst>
               <a:ext uri="{FF2B5EF4-FFF2-40B4-BE49-F238E27FC236}">
-                <a16:creationId xmlns:a16="http://schemas.microsoft.com/office/drawing/2014/main" id="{87BF940B-2C44-4298-8806-898510223391}"/>
+                <a16:creationId xmlns:a16="http://schemas.microsoft.com/office/drawing/2014/main" id="{8FCC2D13-B6FC-4E7F-A58A-5A8051D34877}"/>
               </a:ext>
             </a:extLst>
           </p:cNvPr>
@@ -11102,37 +14653,77 @@
           </p:cNvPicPr>
           <p:nvPr/>
         </p:nvPicPr>
-        <p:blipFill>
-          <a:blip r:embed="rId5">
+        <p:blipFill rotWithShape="1">
+          <a:blip r:embed="rId2">
             <a:extLst>
               <a:ext uri="{28A0092B-C50C-407E-A947-70E740481C1C}">
                 <a14:useLocalDpi xmlns:a14="http://schemas.microsoft.com/office/drawing/2010/main" val="0"/>
               </a:ext>
             </a:extLst>
           </a:blip>
-          <a:stretch>
-            <a:fillRect/>
-          </a:stretch>
+          <a:srcRect r="5119" b="-1"/>
+          <a:stretch/>
         </p:blipFill>
         <p:spPr>
           <a:xfrm>
-            <a:off x="0" y="3505391"/>
-            <a:ext cx="5119266" cy="3366267"/>
+            <a:off x="321730" y="3489158"/>
+            <a:ext cx="5728548" cy="3079194"/>
           </a:xfrm>
           <a:prstGeom prst="rect">
             <a:avLst/>
           </a:prstGeom>
         </p:spPr>
       </p:pic>
+      <p:pic>
+        <p:nvPicPr>
+          <p:cNvPr id="34" name="图片 33" descr="图片包含 游戏机, 报纸&#10;&#10;描述已自动生成">
+            <a:extLst>
+              <a:ext uri="{FF2B5EF4-FFF2-40B4-BE49-F238E27FC236}">
+                <a16:creationId xmlns:a16="http://schemas.microsoft.com/office/drawing/2014/main" id="{8EAF7F47-95CC-41FA-9A3E-780686DFC9D5}"/>
+              </a:ext>
+            </a:extLst>
+          </p:cNvPr>
+          <p:cNvPicPr>
+            <a:picLocks noChangeAspect="1"/>
+          </p:cNvPicPr>
+          <p:nvPr/>
+        </p:nvPicPr>
+        <p:blipFill rotWithShape="1">
+          <a:blip r:embed="rId3">
+            <a:extLst>
+              <a:ext uri="{28A0092B-C50C-407E-A947-70E740481C1C}">
+                <a14:useLocalDpi xmlns:a14="http://schemas.microsoft.com/office/drawing/2010/main" val="0"/>
+              </a:ext>
+            </a:extLst>
+          </a:blip>
+          <a:srcRect r="4122" b="1"/>
+          <a:stretch/>
+        </p:blipFill>
+        <p:spPr>
+          <a:xfrm>
+            <a:off x="321730" y="321735"/>
+            <a:ext cx="5728548" cy="3047107"/>
+          </a:xfrm>
+          <a:prstGeom prst="rect">
+            <a:avLst/>
+          </a:prstGeom>
+        </p:spPr>
+      </p:pic>
       <p:sp>
         <p:nvSpPr>
-          <p:cNvPr id="5" name="Parallelogram 4"/>
+          <p:cNvPr id="33" name="Parallelogram 3">
+            <a:extLst>
+              <a:ext uri="{FF2B5EF4-FFF2-40B4-BE49-F238E27FC236}">
+                <a16:creationId xmlns:a16="http://schemas.microsoft.com/office/drawing/2014/main" id="{612818A8-A10C-4A41-B86C-81278636B3BD}"/>
+              </a:ext>
+            </a:extLst>
+          </p:cNvPr>
           <p:cNvSpPr/>
           <p:nvPr/>
         </p:nvSpPr>
         <p:spPr>
           <a:xfrm>
-            <a:off x="11342291" y="5975849"/>
+            <a:off x="91446" y="117851"/>
             <a:ext cx="768350" cy="781902"/>
           </a:xfrm>
           <a:prstGeom prst="parallelogram">
@@ -11141,10 +14732,12 @@
             </a:avLst>
           </a:prstGeom>
           <a:solidFill>
-            <a:schemeClr val="accent2"/>
+            <a:srgbClr val="5D9DC9"/>
           </a:solidFill>
           <a:ln>
-            <a:noFill/>
+            <a:solidFill>
+              <a:srgbClr val="5B9AC8"/>
+            </a:solidFill>
           </a:ln>
         </p:spPr>
         <p:style>
@@ -11172,51 +14765,12 @@
           </a:p>
         </p:txBody>
       </p:sp>
-      <p:cxnSp>
-        <p:nvCxnSpPr>
-          <p:cNvPr id="40" name="直接连接符 39">
+      <p:sp>
+        <p:nvSpPr>
+          <p:cNvPr id="35" name="文本框 34">
             <a:extLst>
               <a:ext uri="{FF2B5EF4-FFF2-40B4-BE49-F238E27FC236}">
-                <a16:creationId xmlns:a16="http://schemas.microsoft.com/office/drawing/2014/main" id="{B6CE2E6C-BA8F-4146-A7F6-3516256B633E}"/>
-              </a:ext>
-            </a:extLst>
-          </p:cNvPr>
-          <p:cNvCxnSpPr>
-            <a:cxnSpLocks/>
-          </p:cNvCxnSpPr>
-          <p:nvPr/>
-        </p:nvCxnSpPr>
-        <p:spPr>
-          <a:xfrm flipV="1">
-            <a:off x="117919" y="3497994"/>
-            <a:ext cx="11992722" cy="7398"/>
-          </a:xfrm>
-          <a:prstGeom prst="line">
-            <a:avLst/>
-          </a:prstGeom>
-          <a:ln w="28575"/>
-        </p:spPr>
-        <p:style>
-          <a:lnRef idx="1">
-            <a:schemeClr val="accent1"/>
-          </a:lnRef>
-          <a:fillRef idx="0">
-            <a:schemeClr val="accent1"/>
-          </a:fillRef>
-          <a:effectRef idx="0">
-            <a:schemeClr val="accent1"/>
-          </a:effectRef>
-          <a:fontRef idx="minor">
-            <a:schemeClr val="tx1"/>
-          </a:fontRef>
-        </p:style>
-      </p:cxnSp>
-      <p:sp>
-        <p:nvSpPr>
-          <p:cNvPr id="49" name="文本框 48">
-            <a:extLst>
-              <a:ext uri="{FF2B5EF4-FFF2-40B4-BE49-F238E27FC236}">
-                <a16:creationId xmlns:a16="http://schemas.microsoft.com/office/drawing/2014/main" id="{29E855E3-592D-4B4D-BCC5-2B07E55ED9DB}"/>
+                <a16:creationId xmlns:a16="http://schemas.microsoft.com/office/drawing/2014/main" id="{F2DFE07B-BCE7-4226-9BF2-8C8575CE4783}"/>
               </a:ext>
             </a:extLst>
           </p:cNvPr>
@@ -11225,7 +14779,7 @@
         </p:nvSpPr>
         <p:spPr>
           <a:xfrm>
-            <a:off x="117919" y="248612"/>
+            <a:off x="91446" y="289648"/>
             <a:ext cx="788276" cy="461665"/>
           </a:xfrm>
           <a:prstGeom prst="rect">
@@ -11248,17 +14802,71 @@
                   </a:schemeClr>
                 </a:solidFill>
               </a:rPr>
-              <a:t>&gt;80</a:t>
+              <a:t>&gt;70</a:t>
             </a:r>
           </a:p>
         </p:txBody>
       </p:sp>
       <p:sp>
         <p:nvSpPr>
-          <p:cNvPr id="51" name="文本框 50">
+          <p:cNvPr id="47" name="Parallelogram 4">
             <a:extLst>
               <a:ext uri="{FF2B5EF4-FFF2-40B4-BE49-F238E27FC236}">
-                <a16:creationId xmlns:a16="http://schemas.microsoft.com/office/drawing/2014/main" id="{F8263683-506E-4539-B39E-249B98E15038}"/>
+                <a16:creationId xmlns:a16="http://schemas.microsoft.com/office/drawing/2014/main" id="{4C47BF4D-F866-41B0-8474-7E5F3D370F24}"/>
+              </a:ext>
+            </a:extLst>
+          </p:cNvPr>
+          <p:cNvSpPr/>
+          <p:nvPr/>
+        </p:nvSpPr>
+        <p:spPr>
+          <a:xfrm>
+            <a:off x="91446" y="3346593"/>
+            <a:ext cx="768350" cy="781902"/>
+          </a:xfrm>
+          <a:prstGeom prst="parallelogram">
+            <a:avLst>
+              <a:gd name="adj" fmla="val 19315"/>
+            </a:avLst>
+          </a:prstGeom>
+          <a:solidFill>
+            <a:srgbClr val="FFA556"/>
+          </a:solidFill>
+          <a:ln>
+            <a:noFill/>
+          </a:ln>
+        </p:spPr>
+        <p:style>
+          <a:lnRef idx="2">
+            <a:schemeClr val="accent1">
+              <a:shade val="50000"/>
+            </a:schemeClr>
+          </a:lnRef>
+          <a:fillRef idx="1">
+            <a:schemeClr val="accent1"/>
+          </a:fillRef>
+          <a:effectRef idx="0">
+            <a:schemeClr val="accent1"/>
+          </a:effectRef>
+          <a:fontRef idx="minor">
+            <a:schemeClr val="lt1"/>
+          </a:fontRef>
+        </p:style>
+        <p:txBody>
+          <a:bodyPr rtlCol="0" anchor="ctr"/>
+          <a:lstStyle/>
+          <a:p>
+            <a:pPr algn="ctr"/>
+            <a:endParaRPr lang="en-US"/>
+          </a:p>
+        </p:txBody>
+      </p:sp>
+      <p:sp>
+        <p:nvSpPr>
+          <p:cNvPr id="56" name="文本框 55">
+            <a:extLst>
+              <a:ext uri="{FF2B5EF4-FFF2-40B4-BE49-F238E27FC236}">
+                <a16:creationId xmlns:a16="http://schemas.microsoft.com/office/drawing/2014/main" id="{1DDD11F2-E355-48F7-B97C-A80220A2459C}"/>
               </a:ext>
             </a:extLst>
           </p:cNvPr>
@@ -11267,7 +14875,7 @@
         </p:nvSpPr>
         <p:spPr>
           <a:xfrm>
-            <a:off x="11342291" y="6133542"/>
+            <a:off x="81483" y="3506711"/>
             <a:ext cx="788276" cy="461665"/>
           </a:xfrm>
           <a:prstGeom prst="rect">
@@ -11290,11 +14898,129 @@
                   </a:schemeClr>
                 </a:solidFill>
               </a:rPr>
-              <a:t>&lt;20</a:t>
+              <a:t>&lt;30</a:t>
             </a:r>
           </a:p>
         </p:txBody>
       </p:sp>
+      <p:sp>
+        <p:nvSpPr>
+          <p:cNvPr id="57" name="TextBox 28">
+            <a:extLst>
+              <a:ext uri="{FF2B5EF4-FFF2-40B4-BE49-F238E27FC236}">
+                <a16:creationId xmlns:a16="http://schemas.microsoft.com/office/drawing/2014/main" id="{9F46063D-75F1-405F-AFE4-8C1333D68F30}"/>
+              </a:ext>
+            </a:extLst>
+          </p:cNvPr>
+          <p:cNvSpPr txBox="1"/>
+          <p:nvPr/>
+        </p:nvSpPr>
+        <p:spPr>
+          <a:xfrm>
+            <a:off x="5975288" y="983733"/>
+            <a:ext cx="6216712" cy="578492"/>
+          </a:xfrm>
+          <a:prstGeom prst="rect">
+            <a:avLst/>
+          </a:prstGeom>
+          <a:noFill/>
+        </p:spPr>
+        <p:txBody>
+          <a:bodyPr wrap="square" rtlCol="0">
+            <a:spAutoFit/>
+          </a:bodyPr>
+          <a:lstStyle/>
+          <a:p>
+            <a:pPr algn="ctr">
+              <a:lnSpc>
+                <a:spcPct val="150000"/>
+              </a:lnSpc>
+            </a:pPr>
+            <a:r>
+              <a:rPr lang="en-US" sz="2400" spc="300" dirty="0">
+                <a:solidFill>
+                  <a:schemeClr val="tx1">
+                    <a:lumMod val="90000"/>
+                    <a:lumOff val="10000"/>
+                  </a:schemeClr>
+                </a:solidFill>
+                <a:latin typeface="+mj-lt"/>
+              </a:rPr>
+              <a:t>Review Sentiment Analysis</a:t>
+            </a:r>
+          </a:p>
+        </p:txBody>
+      </p:sp>
+      <p:pic>
+        <p:nvPicPr>
+          <p:cNvPr id="9" name="图片 8" descr="社交网站的手机截图&#10;&#10;描述已自动生成">
+            <a:extLst>
+              <a:ext uri="{FF2B5EF4-FFF2-40B4-BE49-F238E27FC236}">
+                <a16:creationId xmlns:a16="http://schemas.microsoft.com/office/drawing/2014/main" id="{3122D08F-1826-46C8-B39F-04F5C78222F9}"/>
+              </a:ext>
+            </a:extLst>
+          </p:cNvPr>
+          <p:cNvPicPr>
+            <a:picLocks noChangeAspect="1"/>
+          </p:cNvPicPr>
+          <p:nvPr/>
+        </p:nvPicPr>
+        <p:blipFill rotWithShape="1">
+          <a:blip r:embed="rId4">
+            <a:extLst>
+              <a:ext uri="{28A0092B-C50C-407E-A947-70E740481C1C}">
+                <a14:useLocalDpi xmlns:a14="http://schemas.microsoft.com/office/drawing/2010/main" val="0"/>
+              </a:ext>
+            </a:extLst>
+          </a:blip>
+          <a:srcRect l="79857" t="20901" b="65602"/>
+          <a:stretch/>
+        </p:blipFill>
+        <p:spPr>
+          <a:xfrm>
+            <a:off x="8169243" y="5349576"/>
+            <a:ext cx="1828800" cy="787734"/>
+          </a:xfrm>
+          <a:prstGeom prst="rect">
+            <a:avLst/>
+          </a:prstGeom>
+        </p:spPr>
+      </p:pic>
+      <p:pic>
+        <p:nvPicPr>
+          <p:cNvPr id="11" name="图片 10" descr="社交网站的手机截图&#10;&#10;描述已自动生成">
+            <a:extLst>
+              <a:ext uri="{FF2B5EF4-FFF2-40B4-BE49-F238E27FC236}">
+                <a16:creationId xmlns:a16="http://schemas.microsoft.com/office/drawing/2014/main" id="{A87ADBD5-754F-40E5-A155-6BA23147B8EE}"/>
+              </a:ext>
+            </a:extLst>
+          </p:cNvPr>
+          <p:cNvPicPr>
+            <a:picLocks noChangeAspect="1"/>
+          </p:cNvPicPr>
+          <p:nvPr/>
+        </p:nvPicPr>
+        <p:blipFill rotWithShape="1">
+          <a:blip r:embed="rId5">
+            <a:extLst>
+              <a:ext uri="{28A0092B-C50C-407E-A947-70E740481C1C}">
+                <a14:useLocalDpi xmlns:a14="http://schemas.microsoft.com/office/drawing/2010/main" val="0"/>
+              </a:ext>
+            </a:extLst>
+          </a:blip>
+          <a:srcRect l="7428" t="18445" r="20857" b="10466"/>
+          <a:stretch/>
+        </p:blipFill>
+        <p:spPr>
+          <a:xfrm>
+            <a:off x="6191802" y="1663846"/>
+            <a:ext cx="5783683" cy="3685730"/>
+          </a:xfrm>
+          <a:prstGeom prst="rect">
+            <a:avLst/>
+          </a:prstGeom>
+        </p:spPr>
+      </p:pic>
     </p:spTree>
     <p:extLst>
       <p:ext uri="{BB962C8B-B14F-4D97-AF65-F5344CB8AC3E}">
@@ -11308,7 +15034,7 @@
 </p:sld>
 </file>
 
-<file path=ppt/slides/slide7.xml><?xml version="1.0" encoding="utf-8"?>
+<file path=ppt/slides/slide8.xml><?xml version="1.0" encoding="utf-8"?>
 <p:sld xmlns:a="http://schemas.openxmlformats.org/drawingml/2006/main" xmlns:r="http://schemas.openxmlformats.org/officeDocument/2006/relationships" xmlns:p="http://schemas.openxmlformats.org/presentationml/2006/main">
   <p:cSld>
     <p:spTree>
@@ -11621,7 +15347,7 @@
                   </a:schemeClr>
                 </a:solidFill>
               </a:rPr>
-              <a:t>&gt;80</a:t>
+              <a:t>&gt;70</a:t>
             </a:r>
           </a:p>
         </p:txBody>
@@ -11639,7 +15365,7 @@
 </p:sld>
 </file>
 
-<file path=ppt/slides/slide8.xml><?xml version="1.0" encoding="utf-8"?>
+<file path=ppt/slides/slide9.xml><?xml version="1.0" encoding="utf-8"?>
 <p:sld xmlns:a="http://schemas.openxmlformats.org/drawingml/2006/main" xmlns:r="http://schemas.openxmlformats.org/officeDocument/2006/relationships" xmlns:p="http://schemas.openxmlformats.org/presentationml/2006/main">
   <p:cSld>
     <p:spTree>
@@ -12085,7 +15811,7 @@
                   </a:schemeClr>
                 </a:solidFill>
               </a:rPr>
-              <a:t>&lt;20</a:t>
+              <a:t>&lt;30</a:t>
             </a:r>
           </a:p>
         </p:txBody>
@@ -12094,606 +15820,6 @@
     <p:extLst>
       <p:ext uri="{BB962C8B-B14F-4D97-AF65-F5344CB8AC3E}">
         <p14:creationId xmlns:p14="http://schemas.microsoft.com/office/powerpoint/2010/main" val="306286841"/>
-      </p:ext>
-    </p:extLst>
-  </p:cSld>
-  <p:clrMapOvr>
-    <a:masterClrMapping/>
-  </p:clrMapOvr>
-</p:sld>
-</file>
-
-<file path=ppt/slides/slide9.xml><?xml version="1.0" encoding="utf-8"?>
-<p:sld xmlns:a="http://schemas.openxmlformats.org/drawingml/2006/main" xmlns:r="http://schemas.openxmlformats.org/officeDocument/2006/relationships" xmlns:p="http://schemas.openxmlformats.org/presentationml/2006/main">
-  <p:cSld>
-    <p:spTree>
-      <p:nvGrpSpPr>
-        <p:cNvPr id="1" name=""/>
-        <p:cNvGrpSpPr/>
-        <p:nvPr/>
-      </p:nvGrpSpPr>
-      <p:grpSpPr>
-        <a:xfrm>
-          <a:off x="0" y="0"/>
-          <a:ext cx="0" cy="0"/>
-          <a:chOff x="0" y="0"/>
-          <a:chExt cx="0" cy="0"/>
-        </a:xfrm>
-      </p:grpSpPr>
-      <p:pic>
-        <p:nvPicPr>
-          <p:cNvPr id="3" name="图片 2">
-            <a:extLst>
-              <a:ext uri="{FF2B5EF4-FFF2-40B4-BE49-F238E27FC236}">
-                <a16:creationId xmlns:a16="http://schemas.microsoft.com/office/drawing/2014/main" id="{2D08FFFF-98DB-4A88-ADF4-26068E733939}"/>
-              </a:ext>
-            </a:extLst>
-          </p:cNvPr>
-          <p:cNvPicPr>
-            <a:picLocks noChangeAspect="1"/>
-          </p:cNvPicPr>
-          <p:nvPr/>
-        </p:nvPicPr>
-        <p:blipFill>
-          <a:blip r:embed="rId2">
-            <a:extLst>
-              <a:ext uri="{28A0092B-C50C-407E-A947-70E740481C1C}">
-                <a14:useLocalDpi xmlns:a14="http://schemas.microsoft.com/office/drawing/2010/main" val="0"/>
-              </a:ext>
-            </a:extLst>
-          </a:blip>
-          <a:srcRect/>
-          <a:stretch/>
-        </p:blipFill>
-        <p:spPr>
-          <a:xfrm>
-            <a:off x="500303" y="88552"/>
-            <a:ext cx="11191393" cy="6680896"/>
-          </a:xfrm>
-          <a:prstGeom prst="rect">
-            <a:avLst/>
-          </a:prstGeom>
-        </p:spPr>
-      </p:pic>
-      <p:sp>
-        <p:nvSpPr>
-          <p:cNvPr id="9" name="TextBox 5">
-            <a:extLst>
-              <a:ext uri="{FF2B5EF4-FFF2-40B4-BE49-F238E27FC236}">
-                <a16:creationId xmlns:a16="http://schemas.microsoft.com/office/drawing/2014/main" id="{3A42E9C1-03A7-4EB2-94C1-78A2515A55F4}"/>
-              </a:ext>
-            </a:extLst>
-          </p:cNvPr>
-          <p:cNvSpPr txBox="1"/>
-          <p:nvPr/>
-        </p:nvSpPr>
-        <p:spPr>
-          <a:xfrm>
-            <a:off x="1080655" y="177104"/>
-            <a:ext cx="10030691" cy="821572"/>
-          </a:xfrm>
-          <a:prstGeom prst="rect">
-            <a:avLst/>
-          </a:prstGeom>
-          <a:noFill/>
-        </p:spPr>
-        <p:txBody>
-          <a:bodyPr wrap="square" rtlCol="0">
-            <a:spAutoFit/>
-          </a:bodyPr>
-          <a:lstStyle/>
-          <a:p>
-            <a:pPr algn="ctr">
-              <a:lnSpc>
-                <a:spcPct val="150000"/>
-              </a:lnSpc>
-            </a:pPr>
-            <a:r>
-              <a:rPr lang="en-US" sz="3600" spc="300" dirty="0">
-                <a:solidFill>
-                  <a:schemeClr val="tx1">
-                    <a:lumMod val="90000"/>
-                    <a:lumOff val="10000"/>
-                  </a:schemeClr>
-                </a:solidFill>
-                <a:latin typeface="+mj-lt"/>
-              </a:rPr>
-              <a:t>Critic &amp; User Genre Preference</a:t>
-            </a:r>
-          </a:p>
-        </p:txBody>
-      </p:sp>
-      <p:grpSp>
-        <p:nvGrpSpPr>
-          <p:cNvPr id="56" name="Group 55"/>
-          <p:cNvGrpSpPr/>
-          <p:nvPr/>
-        </p:nvGrpSpPr>
-        <p:grpSpPr>
-          <a:xfrm>
-            <a:off x="1718733" y="449813"/>
-            <a:ext cx="449356" cy="449356"/>
-            <a:chOff x="209550" y="171450"/>
-            <a:chExt cx="641350" cy="641350"/>
-          </a:xfrm>
-        </p:grpSpPr>
-        <p:sp>
-          <p:nvSpPr>
-            <p:cNvPr id="57" name="Rectangle 56"/>
-            <p:cNvSpPr/>
-            <p:nvPr/>
-          </p:nvSpPr>
-          <p:spPr>
-            <a:xfrm>
-              <a:off x="209550" y="171450"/>
-              <a:ext cx="641350" cy="641350"/>
-            </a:xfrm>
-            <a:prstGeom prst="rect">
-              <a:avLst/>
-            </a:prstGeom>
-            <a:ln>
-              <a:noFill/>
-            </a:ln>
-          </p:spPr>
-          <p:style>
-            <a:lnRef idx="2">
-              <a:schemeClr val="accent1">
-                <a:shade val="50000"/>
-              </a:schemeClr>
-            </a:lnRef>
-            <a:fillRef idx="1">
-              <a:schemeClr val="accent1"/>
-            </a:fillRef>
-            <a:effectRef idx="0">
-              <a:schemeClr val="accent1"/>
-            </a:effectRef>
-            <a:fontRef idx="minor">
-              <a:schemeClr val="lt1"/>
-            </a:fontRef>
-          </p:style>
-          <p:txBody>
-            <a:bodyPr rtlCol="0" anchor="ctr"/>
-            <a:lstStyle/>
-            <a:p>
-              <a:pPr algn="ctr"/>
-              <a:endParaRPr lang="en-US" dirty="0"/>
-            </a:p>
-          </p:txBody>
-        </p:sp>
-        <p:cxnSp>
-          <p:nvCxnSpPr>
-            <p:cNvPr id="58" name="Straight Connector 57"/>
-            <p:cNvCxnSpPr/>
-            <p:nvPr/>
-          </p:nvCxnSpPr>
-          <p:spPr>
-            <a:xfrm>
-              <a:off x="526863" y="171450"/>
-              <a:ext cx="0" cy="320675"/>
-            </a:xfrm>
-            <a:prstGeom prst="line">
-              <a:avLst/>
-            </a:prstGeom>
-            <a:ln w="50800">
-              <a:solidFill>
-                <a:schemeClr val="bg1"/>
-              </a:solidFill>
-              <a:tailEnd type="diamond"/>
-            </a:ln>
-          </p:spPr>
-          <p:style>
-            <a:lnRef idx="1">
-              <a:schemeClr val="accent1"/>
-            </a:lnRef>
-            <a:fillRef idx="0">
-              <a:schemeClr val="accent1"/>
-            </a:fillRef>
-            <a:effectRef idx="0">
-              <a:schemeClr val="accent1"/>
-            </a:effectRef>
-            <a:fontRef idx="minor">
-              <a:schemeClr val="tx1"/>
-            </a:fontRef>
-          </p:style>
-        </p:cxnSp>
-      </p:grpSp>
-      <p:sp>
-        <p:nvSpPr>
-          <p:cNvPr id="23" name="流程图: 数据 22">
-            <a:extLst>
-              <a:ext uri="{FF2B5EF4-FFF2-40B4-BE49-F238E27FC236}">
-                <a16:creationId xmlns:a16="http://schemas.microsoft.com/office/drawing/2014/main" id="{1B543370-70F4-4A0D-B696-39A100327F3A}"/>
-              </a:ext>
-            </a:extLst>
-          </p:cNvPr>
-          <p:cNvSpPr/>
-          <p:nvPr/>
-        </p:nvSpPr>
-        <p:spPr>
-          <a:xfrm>
-            <a:off x="1718733" y="5698065"/>
-            <a:ext cx="379545" cy="685262"/>
-          </a:xfrm>
-          <a:prstGeom prst="flowChartInputOutput">
-            <a:avLst/>
-          </a:prstGeom>
-          <a:noFill/>
-          <a:ln w="19050">
-            <a:solidFill>
-              <a:schemeClr val="accent4">
-                <a:lumMod val="60000"/>
-                <a:lumOff val="40000"/>
-              </a:schemeClr>
-            </a:solidFill>
-          </a:ln>
-        </p:spPr>
-        <p:style>
-          <a:lnRef idx="2">
-            <a:schemeClr val="accent1">
-              <a:shade val="50000"/>
-            </a:schemeClr>
-          </a:lnRef>
-          <a:fillRef idx="1">
-            <a:schemeClr val="accent1"/>
-          </a:fillRef>
-          <a:effectRef idx="0">
-            <a:schemeClr val="accent1"/>
-          </a:effectRef>
-          <a:fontRef idx="minor">
-            <a:schemeClr val="lt1"/>
-          </a:fontRef>
-        </p:style>
-        <p:txBody>
-          <a:bodyPr rtlCol="0" anchor="ctr"/>
-          <a:lstStyle/>
-          <a:p>
-            <a:pPr algn="ctr"/>
-            <a:endParaRPr lang="en-US">
-              <a:noFill/>
-            </a:endParaRPr>
-          </a:p>
-        </p:txBody>
-      </p:sp>
-      <p:sp>
-        <p:nvSpPr>
-          <p:cNvPr id="24" name="流程图: 数据 23">
-            <a:extLst>
-              <a:ext uri="{FF2B5EF4-FFF2-40B4-BE49-F238E27FC236}">
-                <a16:creationId xmlns:a16="http://schemas.microsoft.com/office/drawing/2014/main" id="{3653DBB2-693A-44BE-85A4-C0EAE2B86DDA}"/>
-              </a:ext>
-            </a:extLst>
-          </p:cNvPr>
-          <p:cNvSpPr/>
-          <p:nvPr/>
-        </p:nvSpPr>
-        <p:spPr>
-          <a:xfrm>
-            <a:off x="2108203" y="5706530"/>
-            <a:ext cx="379545" cy="676797"/>
-          </a:xfrm>
-          <a:prstGeom prst="flowChartInputOutput">
-            <a:avLst/>
-          </a:prstGeom>
-          <a:noFill/>
-          <a:ln w="19050">
-            <a:solidFill>
-              <a:schemeClr val="accent1">
-                <a:lumMod val="75000"/>
-              </a:schemeClr>
-            </a:solidFill>
-          </a:ln>
-        </p:spPr>
-        <p:style>
-          <a:lnRef idx="2">
-            <a:schemeClr val="accent1">
-              <a:shade val="50000"/>
-            </a:schemeClr>
-          </a:lnRef>
-          <a:fillRef idx="1">
-            <a:schemeClr val="accent1"/>
-          </a:fillRef>
-          <a:effectRef idx="0">
-            <a:schemeClr val="accent1"/>
-          </a:effectRef>
-          <a:fontRef idx="minor">
-            <a:schemeClr val="lt1"/>
-          </a:fontRef>
-        </p:style>
-        <p:txBody>
-          <a:bodyPr rtlCol="0" anchor="ctr"/>
-          <a:lstStyle/>
-          <a:p>
-            <a:pPr algn="ctr"/>
-            <a:endParaRPr lang="en-US">
-              <a:noFill/>
-            </a:endParaRPr>
-          </a:p>
-        </p:txBody>
-      </p:sp>
-      <p:sp>
-        <p:nvSpPr>
-          <p:cNvPr id="25" name="流程图: 数据 24">
-            <a:extLst>
-              <a:ext uri="{FF2B5EF4-FFF2-40B4-BE49-F238E27FC236}">
-                <a16:creationId xmlns:a16="http://schemas.microsoft.com/office/drawing/2014/main" id="{F547B1B5-1486-4918-9649-828B5955427D}"/>
-              </a:ext>
-            </a:extLst>
-          </p:cNvPr>
-          <p:cNvSpPr/>
-          <p:nvPr/>
-        </p:nvSpPr>
-        <p:spPr>
-          <a:xfrm>
-            <a:off x="1339188" y="5698062"/>
-            <a:ext cx="379545" cy="685262"/>
-          </a:xfrm>
-          <a:prstGeom prst="flowChartInputOutput">
-            <a:avLst/>
-          </a:prstGeom>
-          <a:noFill/>
-          <a:ln w="19050">
-            <a:solidFill>
-              <a:schemeClr val="accent1">
-                <a:lumMod val="75000"/>
-              </a:schemeClr>
-            </a:solidFill>
-          </a:ln>
-        </p:spPr>
-        <p:style>
-          <a:lnRef idx="2">
-            <a:schemeClr val="accent1">
-              <a:shade val="50000"/>
-            </a:schemeClr>
-          </a:lnRef>
-          <a:fillRef idx="1">
-            <a:schemeClr val="accent1"/>
-          </a:fillRef>
-          <a:effectRef idx="0">
-            <a:schemeClr val="accent1"/>
-          </a:effectRef>
-          <a:fontRef idx="minor">
-            <a:schemeClr val="lt1"/>
-          </a:fontRef>
-        </p:style>
-        <p:txBody>
-          <a:bodyPr rtlCol="0" anchor="ctr"/>
-          <a:lstStyle/>
-          <a:p>
-            <a:pPr algn="ctr"/>
-            <a:endParaRPr lang="en-US">
-              <a:noFill/>
-            </a:endParaRPr>
-          </a:p>
-        </p:txBody>
-      </p:sp>
-      <p:sp>
-        <p:nvSpPr>
-          <p:cNvPr id="26" name="流程图: 数据 25">
-            <a:extLst>
-              <a:ext uri="{FF2B5EF4-FFF2-40B4-BE49-F238E27FC236}">
-                <a16:creationId xmlns:a16="http://schemas.microsoft.com/office/drawing/2014/main" id="{B3BD2205-491B-423B-9654-114B2EC17ED1}"/>
-              </a:ext>
-            </a:extLst>
-          </p:cNvPr>
-          <p:cNvSpPr/>
-          <p:nvPr/>
-        </p:nvSpPr>
-        <p:spPr>
-          <a:xfrm>
-            <a:off x="4174066" y="5706530"/>
-            <a:ext cx="379545" cy="685262"/>
-          </a:xfrm>
-          <a:prstGeom prst="flowChartInputOutput">
-            <a:avLst/>
-          </a:prstGeom>
-          <a:noFill/>
-          <a:ln w="19050">
-            <a:solidFill>
-              <a:schemeClr val="accent1">
-                <a:lumMod val="75000"/>
-              </a:schemeClr>
-            </a:solidFill>
-          </a:ln>
-        </p:spPr>
-        <p:style>
-          <a:lnRef idx="2">
-            <a:schemeClr val="accent1">
-              <a:shade val="50000"/>
-            </a:schemeClr>
-          </a:lnRef>
-          <a:fillRef idx="1">
-            <a:schemeClr val="accent1"/>
-          </a:fillRef>
-          <a:effectRef idx="0">
-            <a:schemeClr val="accent1"/>
-          </a:effectRef>
-          <a:fontRef idx="minor">
-            <a:schemeClr val="lt1"/>
-          </a:fontRef>
-        </p:style>
-        <p:txBody>
-          <a:bodyPr rtlCol="0" anchor="ctr"/>
-          <a:lstStyle/>
-          <a:p>
-            <a:pPr algn="ctr"/>
-            <a:endParaRPr lang="en-US">
-              <a:noFill/>
-            </a:endParaRPr>
-          </a:p>
-        </p:txBody>
-      </p:sp>
-      <p:sp>
-        <p:nvSpPr>
-          <p:cNvPr id="27" name="流程图: 数据 26">
-            <a:extLst>
-              <a:ext uri="{FF2B5EF4-FFF2-40B4-BE49-F238E27FC236}">
-                <a16:creationId xmlns:a16="http://schemas.microsoft.com/office/drawing/2014/main" id="{6DF2D5C1-03D0-4CAD-BEF9-FE23161C8990}"/>
-              </a:ext>
-            </a:extLst>
-          </p:cNvPr>
-          <p:cNvSpPr/>
-          <p:nvPr/>
-        </p:nvSpPr>
-        <p:spPr>
-          <a:xfrm>
-            <a:off x="6629399" y="5698062"/>
-            <a:ext cx="379545" cy="685262"/>
-          </a:xfrm>
-          <a:prstGeom prst="flowChartInputOutput">
-            <a:avLst/>
-          </a:prstGeom>
-          <a:noFill/>
-          <a:ln w="19050">
-            <a:solidFill>
-              <a:schemeClr val="accent1">
-                <a:lumMod val="75000"/>
-              </a:schemeClr>
-            </a:solidFill>
-          </a:ln>
-        </p:spPr>
-        <p:style>
-          <a:lnRef idx="2">
-            <a:schemeClr val="accent1">
-              <a:shade val="50000"/>
-            </a:schemeClr>
-          </a:lnRef>
-          <a:fillRef idx="1">
-            <a:schemeClr val="accent1"/>
-          </a:fillRef>
-          <a:effectRef idx="0">
-            <a:schemeClr val="accent1"/>
-          </a:effectRef>
-          <a:fontRef idx="minor">
-            <a:schemeClr val="lt1"/>
-          </a:fontRef>
-        </p:style>
-        <p:txBody>
-          <a:bodyPr rtlCol="0" anchor="ctr"/>
-          <a:lstStyle/>
-          <a:p>
-            <a:pPr algn="ctr"/>
-            <a:endParaRPr lang="en-US">
-              <a:noFill/>
-            </a:endParaRPr>
-          </a:p>
-        </p:txBody>
-      </p:sp>
-      <p:sp>
-        <p:nvSpPr>
-          <p:cNvPr id="28" name="流程图: 数据 27">
-            <a:extLst>
-              <a:ext uri="{FF2B5EF4-FFF2-40B4-BE49-F238E27FC236}">
-                <a16:creationId xmlns:a16="http://schemas.microsoft.com/office/drawing/2014/main" id="{3FDF0FE3-E2C2-43F3-A49D-41AA0158C45F}"/>
-              </a:ext>
-            </a:extLst>
-          </p:cNvPr>
-          <p:cNvSpPr/>
-          <p:nvPr/>
-        </p:nvSpPr>
-        <p:spPr>
-          <a:xfrm>
-            <a:off x="9017000" y="5706530"/>
-            <a:ext cx="447277" cy="974366"/>
-          </a:xfrm>
-          <a:prstGeom prst="flowChartInputOutput">
-            <a:avLst/>
-          </a:prstGeom>
-          <a:noFill/>
-          <a:ln w="19050">
-            <a:solidFill>
-              <a:schemeClr val="accent1">
-                <a:lumMod val="75000"/>
-              </a:schemeClr>
-            </a:solidFill>
-          </a:ln>
-        </p:spPr>
-        <p:style>
-          <a:lnRef idx="2">
-            <a:schemeClr val="accent1">
-              <a:shade val="50000"/>
-            </a:schemeClr>
-          </a:lnRef>
-          <a:fillRef idx="1">
-            <a:schemeClr val="accent1"/>
-          </a:fillRef>
-          <a:effectRef idx="0">
-            <a:schemeClr val="accent1"/>
-          </a:effectRef>
-          <a:fontRef idx="minor">
-            <a:schemeClr val="lt1"/>
-          </a:fontRef>
-        </p:style>
-        <p:txBody>
-          <a:bodyPr rtlCol="0" anchor="ctr"/>
-          <a:lstStyle/>
-          <a:p>
-            <a:pPr algn="ctr"/>
-            <a:endParaRPr lang="en-US">
-              <a:noFill/>
-            </a:endParaRPr>
-          </a:p>
-        </p:txBody>
-      </p:sp>
-      <p:sp>
-        <p:nvSpPr>
-          <p:cNvPr id="29" name="流程图: 数据 28">
-            <a:extLst>
-              <a:ext uri="{FF2B5EF4-FFF2-40B4-BE49-F238E27FC236}">
-                <a16:creationId xmlns:a16="http://schemas.microsoft.com/office/drawing/2014/main" id="{A0E82BF0-EE72-4169-B502-94F632AC5860}"/>
-              </a:ext>
-            </a:extLst>
-          </p:cNvPr>
-          <p:cNvSpPr/>
-          <p:nvPr/>
-        </p:nvSpPr>
-        <p:spPr>
-          <a:xfrm>
-            <a:off x="3490791" y="5698059"/>
-            <a:ext cx="379545" cy="685262"/>
-          </a:xfrm>
-          <a:prstGeom prst="flowChartInputOutput">
-            <a:avLst/>
-          </a:prstGeom>
-          <a:noFill/>
-          <a:ln w="19050">
-            <a:solidFill>
-              <a:schemeClr val="accent1">
-                <a:lumMod val="75000"/>
-              </a:schemeClr>
-            </a:solidFill>
-          </a:ln>
-        </p:spPr>
-        <p:style>
-          <a:lnRef idx="2">
-            <a:schemeClr val="accent1">
-              <a:shade val="50000"/>
-            </a:schemeClr>
-          </a:lnRef>
-          <a:fillRef idx="1">
-            <a:schemeClr val="accent1"/>
-          </a:fillRef>
-          <a:effectRef idx="0">
-            <a:schemeClr val="accent1"/>
-          </a:effectRef>
-          <a:fontRef idx="minor">
-            <a:schemeClr val="lt1"/>
-          </a:fontRef>
-        </p:style>
-        <p:txBody>
-          <a:bodyPr rtlCol="0" anchor="ctr"/>
-          <a:lstStyle/>
-          <a:p>
-            <a:pPr algn="ctr"/>
-            <a:endParaRPr lang="en-US">
-              <a:noFill/>
-            </a:endParaRPr>
-          </a:p>
-        </p:txBody>
-      </p:sp>
-    </p:spTree>
-    <p:extLst>
-      <p:ext uri="{BB962C8B-B14F-4D97-AF65-F5344CB8AC3E}">
-        <p14:creationId xmlns:p14="http://schemas.microsoft.com/office/powerpoint/2010/main" val="4103498921"/>
       </p:ext>
     </p:extLst>
   </p:cSld>
